--- a/Quantum computing/Genetic algorithm - based quantum architecture search/genetic algorithm.pptx
+++ b/Quantum computing/Genetic algorithm - based quantum architecture search/genetic algorithm.pptx
@@ -5,7 +5,7 @@
     <p:sldMasterId id="2147483648" r:id="rId1"/>
   </p:sldMasterIdLst>
   <p:notesMasterIdLst>
-    <p:notesMasterId r:id="rId21"/>
+    <p:notesMasterId r:id="rId24"/>
   </p:notesMasterIdLst>
   <p:sldIdLst>
     <p:sldId id="256" r:id="rId2"/>
@@ -16,17 +16,20 @@
     <p:sldId id="264" r:id="rId7"/>
     <p:sldId id="266" r:id="rId8"/>
     <p:sldId id="258" r:id="rId9"/>
-    <p:sldId id="259" r:id="rId10"/>
+    <p:sldId id="277" r:id="rId10"/>
     <p:sldId id="260" r:id="rId11"/>
     <p:sldId id="261" r:id="rId12"/>
     <p:sldId id="262" r:id="rId13"/>
     <p:sldId id="263" r:id="rId14"/>
     <p:sldId id="270" r:id="rId15"/>
-    <p:sldId id="271" r:id="rId16"/>
-    <p:sldId id="272" r:id="rId17"/>
-    <p:sldId id="275" r:id="rId18"/>
-    <p:sldId id="274" r:id="rId19"/>
-    <p:sldId id="273" r:id="rId20"/>
+    <p:sldId id="276" r:id="rId16"/>
+    <p:sldId id="271" r:id="rId17"/>
+    <p:sldId id="259" r:id="rId18"/>
+    <p:sldId id="272" r:id="rId19"/>
+    <p:sldId id="275" r:id="rId20"/>
+    <p:sldId id="274" r:id="rId21"/>
+    <p:sldId id="273" r:id="rId22"/>
+    <p:sldId id="278" r:id="rId23"/>
   </p:sldIdLst>
   <p:sldSz cx="12192000" cy="6858000"/>
   <p:notesSz cx="6858000" cy="9144000"/>
@@ -214,7 +217,7 @@
           </a:lstStyle>
           <a:p>
             <a:fld id="{1A579F0B-3C9B-5D48-830B-4C10E9B78A65}" type="datetimeFigureOut">
-              <a:t>16/09/2023</a:t>
+              <a:t>10/10/2023</a:t>
             </a:fld>
             <a:endParaRPr lang="en-VN"/>
           </a:p>
@@ -1499,7 +1502,7 @@
           <a:lstStyle/>
           <a:p>
             <a:fld id="{0BCD2EF3-D04C-D342-86B6-9F6DD330D35D}" type="datetime1">
-              <a:t>16/09/2023</a:t>
+              <a:t>10/10/2023</a:t>
             </a:fld>
             <a:endParaRPr lang="en-VN"/>
           </a:p>
@@ -1697,7 +1700,7 @@
           <a:lstStyle/>
           <a:p>
             <a:fld id="{7A873CA3-A4F0-114D-A400-68E5A1BF128E}" type="datetime1">
-              <a:t>16/09/2023</a:t>
+              <a:t>10/10/2023</a:t>
             </a:fld>
             <a:endParaRPr lang="en-VN"/>
           </a:p>
@@ -1905,7 +1908,7 @@
           <a:lstStyle/>
           <a:p>
             <a:fld id="{EF64BE83-236C-8F4E-8F2F-62BFA778598E}" type="datetime1">
-              <a:t>16/09/2023</a:t>
+              <a:t>10/10/2023</a:t>
             </a:fld>
             <a:endParaRPr lang="en-VN"/>
           </a:p>
@@ -2103,7 +2106,7 @@
           <a:lstStyle/>
           <a:p>
             <a:fld id="{D10DC3D6-2604-1C4A-9496-D90123A66E64}" type="datetime1">
-              <a:t>16/09/2023</a:t>
+              <a:t>10/10/2023</a:t>
             </a:fld>
             <a:endParaRPr lang="en-VN"/>
           </a:p>
@@ -2377,7 +2380,7 @@
           <a:lstStyle/>
           <a:p>
             <a:fld id="{2CDF5102-B0FA-A74F-AF1C-57F16B74227B}" type="datetime1">
-              <a:t>16/09/2023</a:t>
+              <a:t>10/10/2023</a:t>
             </a:fld>
             <a:endParaRPr lang="en-VN"/>
           </a:p>
@@ -2643,7 +2646,7 @@
           <a:lstStyle/>
           <a:p>
             <a:fld id="{C1D7B43D-841F-AA4D-9112-B73EA7BE9907}" type="datetime1">
-              <a:t>16/09/2023</a:t>
+              <a:t>10/10/2023</a:t>
             </a:fld>
             <a:endParaRPr lang="en-VN"/>
           </a:p>
@@ -3056,7 +3059,7 @@
           <a:lstStyle/>
           <a:p>
             <a:fld id="{03BB17FB-0536-C84D-8FD6-F1E2BA2D3147}" type="datetime1">
-              <a:t>16/09/2023</a:t>
+              <a:t>10/10/2023</a:t>
             </a:fld>
             <a:endParaRPr lang="en-VN"/>
           </a:p>
@@ -3196,7 +3199,7 @@
           <a:lstStyle/>
           <a:p>
             <a:fld id="{3A1D7015-E556-0E40-96DE-79E32123DD7B}" type="datetime1">
-              <a:t>16/09/2023</a:t>
+              <a:t>10/10/2023</a:t>
             </a:fld>
             <a:endParaRPr lang="en-VN"/>
           </a:p>
@@ -3307,7 +3310,7 @@
           <a:lstStyle/>
           <a:p>
             <a:fld id="{1129E288-AF34-3F46-B1B4-83999B01E22F}" type="datetime1">
-              <a:t>16/09/2023</a:t>
+              <a:t>10/10/2023</a:t>
             </a:fld>
             <a:endParaRPr lang="en-VN"/>
           </a:p>
@@ -3618,7 +3621,7 @@
           <a:lstStyle/>
           <a:p>
             <a:fld id="{C14D459A-6CC8-104B-86D5-26C3CF2ADFC1}" type="datetime1">
-              <a:t>16/09/2023</a:t>
+              <a:t>10/10/2023</a:t>
             </a:fld>
             <a:endParaRPr lang="en-VN"/>
           </a:p>
@@ -3905,7 +3908,7 @@
           <a:lstStyle/>
           <a:p>
             <a:fld id="{80FC111F-754A-2440-9FDF-3BA5CB6F07B8}" type="datetime1">
-              <a:t>16/09/2023</a:t>
+              <a:t>10/10/2023</a:t>
             </a:fld>
             <a:endParaRPr lang="en-VN"/>
           </a:p>
@@ -4146,7 +4149,7 @@
           </a:lstStyle>
           <a:p>
             <a:fld id="{219C6A5C-782A-994B-B03A-7190ED0A58FF}" type="datetime1">
-              <a:t>16/09/2023</a:t>
+              <a:t>10/10/2023</a:t>
             </a:fld>
             <a:endParaRPr lang="en-VN"/>
           </a:p>
@@ -4619,6 +4622,12 @@
               <a:t>Vu Tuan Hai</a:t>
             </a:r>
           </a:p>
+          <a:p>
+            <a:r>
+              <a:rPr lang="en-VN"/>
+              <a:t>19/9/2023</a:t>
+            </a:r>
+          </a:p>
         </p:txBody>
       </p:sp>
       <p:sp>
@@ -5152,7 +5161,7 @@
         </p:blipFill>
         <p:spPr>
           <a:xfrm>
-            <a:off x="751436" y="1440314"/>
+            <a:off x="650904" y="1440314"/>
             <a:ext cx="2634021" cy="2171700"/>
           </a:xfrm>
         </p:spPr>
@@ -5383,13 +5392,14 @@
           </p:cNvPr>
           <p:cNvCxnSpPr>
             <a:cxnSpLocks/>
+            <a:stCxn id="9" idx="2"/>
           </p:cNvCxnSpPr>
           <p:nvPr/>
         </p:nvCxnSpPr>
         <p:spPr>
           <a:xfrm>
-            <a:off x="4978400" y="3340100"/>
-            <a:ext cx="4867601" cy="1692500"/>
+            <a:off x="4758739" y="3438864"/>
+            <a:ext cx="5087262" cy="1593736"/>
           </a:xfrm>
           <a:prstGeom prst="straightConnector1">
             <a:avLst/>
@@ -5564,6 +5574,218 @@
           <a:xfrm>
             <a:off x="6242376" y="5032600"/>
             <a:ext cx="4889500" cy="1825400"/>
+          </a:xfrm>
+          <a:prstGeom prst="rect">
+            <a:avLst/>
+          </a:prstGeom>
+          <a:noFill/>
+          <a:ln>
+            <a:solidFill>
+              <a:schemeClr val="tx1"/>
+            </a:solidFill>
+            <a:prstDash val="dash"/>
+          </a:ln>
+        </p:spPr>
+        <p:style>
+          <a:lnRef idx="2">
+            <a:schemeClr val="accent1">
+              <a:shade val="15000"/>
+            </a:schemeClr>
+          </a:lnRef>
+          <a:fillRef idx="1">
+            <a:schemeClr val="accent1"/>
+          </a:fillRef>
+          <a:effectRef idx="0">
+            <a:schemeClr val="accent1"/>
+          </a:effectRef>
+          <a:fontRef idx="minor">
+            <a:schemeClr val="lt1"/>
+          </a:fontRef>
+        </p:style>
+        <p:txBody>
+          <a:bodyPr rtlCol="0" anchor="ctr"/>
+          <a:lstStyle/>
+          <a:p>
+            <a:pPr algn="ctr"/>
+            <a:endParaRPr lang="en-VN"/>
+          </a:p>
+        </p:txBody>
+      </p:sp>
+      <p:sp>
+        <p:nvSpPr>
+          <p:cNvPr id="4" name="Rectangle 3">
+            <a:extLst>
+              <a:ext uri="{FF2B5EF4-FFF2-40B4-BE49-F238E27FC236}">
+                <a16:creationId xmlns:a16="http://schemas.microsoft.com/office/drawing/2014/main" id="{1DB0ED68-FC28-2FC1-B8AD-22193C736FCA}"/>
+              </a:ext>
+            </a:extLst>
+          </p:cNvPr>
+          <p:cNvSpPr/>
+          <p:nvPr/>
+        </p:nvSpPr>
+        <p:spPr>
+          <a:xfrm>
+            <a:off x="1069458" y="1613464"/>
+            <a:ext cx="2315999" cy="1825400"/>
+          </a:xfrm>
+          <a:prstGeom prst="rect">
+            <a:avLst/>
+          </a:prstGeom>
+          <a:noFill/>
+          <a:ln>
+            <a:solidFill>
+              <a:schemeClr val="tx1"/>
+            </a:solidFill>
+            <a:prstDash val="dash"/>
+          </a:ln>
+        </p:spPr>
+        <p:style>
+          <a:lnRef idx="2">
+            <a:schemeClr val="accent1">
+              <a:shade val="15000"/>
+            </a:schemeClr>
+          </a:lnRef>
+          <a:fillRef idx="1">
+            <a:schemeClr val="accent1"/>
+          </a:fillRef>
+          <a:effectRef idx="0">
+            <a:schemeClr val="accent1"/>
+          </a:effectRef>
+          <a:fontRef idx="minor">
+            <a:schemeClr val="lt1"/>
+          </a:fontRef>
+        </p:style>
+        <p:txBody>
+          <a:bodyPr rtlCol="0" anchor="ctr"/>
+          <a:lstStyle/>
+          <a:p>
+            <a:pPr algn="ctr"/>
+            <a:endParaRPr lang="en-VN"/>
+          </a:p>
+        </p:txBody>
+      </p:sp>
+      <p:sp>
+        <p:nvSpPr>
+          <p:cNvPr id="9" name="Rectangle 8">
+            <a:extLst>
+              <a:ext uri="{FF2B5EF4-FFF2-40B4-BE49-F238E27FC236}">
+                <a16:creationId xmlns:a16="http://schemas.microsoft.com/office/drawing/2014/main" id="{2BFFF4C5-AB59-E56E-FA7F-9C1B0575AD2D}"/>
+              </a:ext>
+            </a:extLst>
+          </p:cNvPr>
+          <p:cNvSpPr/>
+          <p:nvPr/>
+        </p:nvSpPr>
+        <p:spPr>
+          <a:xfrm>
+            <a:off x="3461979" y="1613464"/>
+            <a:ext cx="2593520" cy="1825400"/>
+          </a:xfrm>
+          <a:prstGeom prst="rect">
+            <a:avLst/>
+          </a:prstGeom>
+          <a:noFill/>
+          <a:ln>
+            <a:solidFill>
+              <a:schemeClr val="tx1"/>
+            </a:solidFill>
+            <a:prstDash val="dash"/>
+          </a:ln>
+        </p:spPr>
+        <p:style>
+          <a:lnRef idx="2">
+            <a:schemeClr val="accent1">
+              <a:shade val="15000"/>
+            </a:schemeClr>
+          </a:lnRef>
+          <a:fillRef idx="1">
+            <a:schemeClr val="accent1"/>
+          </a:fillRef>
+          <a:effectRef idx="0">
+            <a:schemeClr val="accent1"/>
+          </a:effectRef>
+          <a:fontRef idx="minor">
+            <a:schemeClr val="lt1"/>
+          </a:fontRef>
+        </p:style>
+        <p:txBody>
+          <a:bodyPr rtlCol="0" anchor="ctr"/>
+          <a:lstStyle/>
+          <a:p>
+            <a:pPr algn="ctr"/>
+            <a:endParaRPr lang="en-VN"/>
+          </a:p>
+        </p:txBody>
+      </p:sp>
+      <p:sp>
+        <p:nvSpPr>
+          <p:cNvPr id="16" name="Rectangle 15">
+            <a:extLst>
+              <a:ext uri="{FF2B5EF4-FFF2-40B4-BE49-F238E27FC236}">
+                <a16:creationId xmlns:a16="http://schemas.microsoft.com/office/drawing/2014/main" id="{FB011ED4-D744-617C-E131-EA0DA15AF1C3}"/>
+              </a:ext>
+            </a:extLst>
+          </p:cNvPr>
+          <p:cNvSpPr/>
+          <p:nvPr/>
+        </p:nvSpPr>
+        <p:spPr>
+          <a:xfrm>
+            <a:off x="6251219" y="1613464"/>
+            <a:ext cx="2315999" cy="1825400"/>
+          </a:xfrm>
+          <a:prstGeom prst="rect">
+            <a:avLst/>
+          </a:prstGeom>
+          <a:noFill/>
+          <a:ln>
+            <a:solidFill>
+              <a:schemeClr val="tx1"/>
+            </a:solidFill>
+            <a:prstDash val="dash"/>
+          </a:ln>
+        </p:spPr>
+        <p:style>
+          <a:lnRef idx="2">
+            <a:schemeClr val="accent1">
+              <a:shade val="15000"/>
+            </a:schemeClr>
+          </a:lnRef>
+          <a:fillRef idx="1">
+            <a:schemeClr val="accent1"/>
+          </a:fillRef>
+          <a:effectRef idx="0">
+            <a:schemeClr val="accent1"/>
+          </a:effectRef>
+          <a:fontRef idx="minor">
+            <a:schemeClr val="lt1"/>
+          </a:fontRef>
+        </p:style>
+        <p:txBody>
+          <a:bodyPr rtlCol="0" anchor="ctr"/>
+          <a:lstStyle/>
+          <a:p>
+            <a:pPr algn="ctr"/>
+            <a:endParaRPr lang="en-VN"/>
+          </a:p>
+        </p:txBody>
+      </p:sp>
+      <p:sp>
+        <p:nvSpPr>
+          <p:cNvPr id="17" name="Rectangle 16">
+            <a:extLst>
+              <a:ext uri="{FF2B5EF4-FFF2-40B4-BE49-F238E27FC236}">
+                <a16:creationId xmlns:a16="http://schemas.microsoft.com/office/drawing/2014/main" id="{BDA543B0-EC08-061E-96B1-BD92E7EFD02B}"/>
+              </a:ext>
+            </a:extLst>
+          </p:cNvPr>
+          <p:cNvSpPr/>
+          <p:nvPr/>
+        </p:nvSpPr>
+        <p:spPr>
+          <a:xfrm>
+            <a:off x="8605479" y="1603600"/>
+            <a:ext cx="2748321" cy="1825400"/>
           </a:xfrm>
           <a:prstGeom prst="rect">
             <a:avLst/>
@@ -6567,7 +6789,7 @@
           <p:cNvPr id="2" name="Title 1">
             <a:extLst>
               <a:ext uri="{FF2B5EF4-FFF2-40B4-BE49-F238E27FC236}">
-                <a16:creationId xmlns:a16="http://schemas.microsoft.com/office/drawing/2014/main" id="{DB3FD356-0625-21F9-9A5F-4ADD7B4D5275}"/>
+                <a16:creationId xmlns:a16="http://schemas.microsoft.com/office/drawing/2014/main" id="{9FEFE707-653A-621E-30E9-3629E75BD761}"/>
               </a:ext>
             </a:extLst>
           </p:cNvPr>
@@ -6583,6 +6805,34 @@
           <a:bodyPr/>
           <a:lstStyle/>
           <a:p>
+            <a:r>
+              <a:rPr lang="en-VN"/>
+              <a:t>Thanks for listening!</a:t>
+            </a:r>
+          </a:p>
+        </p:txBody>
+      </p:sp>
+      <p:sp>
+        <p:nvSpPr>
+          <p:cNvPr id="3" name="Content Placeholder 2">
+            <a:extLst>
+              <a:ext uri="{FF2B5EF4-FFF2-40B4-BE49-F238E27FC236}">
+                <a16:creationId xmlns:a16="http://schemas.microsoft.com/office/drawing/2014/main" id="{EE300D89-7318-B5EE-2867-8105BC63F381}"/>
+              </a:ext>
+            </a:extLst>
+          </p:cNvPr>
+          <p:cNvSpPr>
+            <a:spLocks noGrp="1"/>
+          </p:cNvSpPr>
+          <p:nvPr>
+            <p:ph idx="1"/>
+          </p:nvPr>
+        </p:nvSpPr>
+        <p:spPr/>
+        <p:txBody>
+          <a:bodyPr/>
+          <a:lstStyle/>
+          <a:p>
             <a:endParaRPr lang="en-VN"/>
           </a:p>
         </p:txBody>
@@ -6592,7 +6842,7 @@
           <p:cNvPr id="4" name="Slide Number Placeholder 3">
             <a:extLst>
               <a:ext uri="{FF2B5EF4-FFF2-40B4-BE49-F238E27FC236}">
-                <a16:creationId xmlns:a16="http://schemas.microsoft.com/office/drawing/2014/main" id="{935A4889-F8B8-CFB4-7917-27B576C88FFF}"/>
+                <a16:creationId xmlns:a16="http://schemas.microsoft.com/office/drawing/2014/main" id="{3E8AA929-9FAF-04F7-5527-45F65AAB8BCA}"/>
               </a:ext>
             </a:extLst>
           </p:cNvPr>
@@ -6611,6 +6861,90 @@
             <a:fld id="{5F7CF730-DD63-8F4F-BD32-7D4A526072FB}" type="slidenum">
               <a:rPr lang="en-VN"/>
               <a:t>15</a:t>
+            </a:fld>
+            <a:endParaRPr lang="en-VN"/>
+          </a:p>
+        </p:txBody>
+      </p:sp>
+    </p:spTree>
+    <p:extLst>
+      <p:ext uri="{BB962C8B-B14F-4D97-AF65-F5344CB8AC3E}">
+        <p14:creationId xmlns:p14="http://schemas.microsoft.com/office/powerpoint/2010/main" val="140497278"/>
+      </p:ext>
+    </p:extLst>
+  </p:cSld>
+  <p:clrMapOvr>
+    <a:masterClrMapping/>
+  </p:clrMapOvr>
+</p:sld>
+</file>
+
+<file path=ppt/slides/slide16.xml><?xml version="1.0" encoding="utf-8"?>
+<p:sld xmlns:a="http://schemas.openxmlformats.org/drawingml/2006/main" xmlns:r="http://schemas.openxmlformats.org/officeDocument/2006/relationships" xmlns:p="http://schemas.openxmlformats.org/presentationml/2006/main">
+  <p:cSld>
+    <p:spTree>
+      <p:nvGrpSpPr>
+        <p:cNvPr id="1" name=""/>
+        <p:cNvGrpSpPr/>
+        <p:nvPr/>
+      </p:nvGrpSpPr>
+      <p:grpSpPr>
+        <a:xfrm>
+          <a:off x="0" y="0"/>
+          <a:ext cx="0" cy="0"/>
+          <a:chOff x="0" y="0"/>
+          <a:chExt cx="0" cy="0"/>
+        </a:xfrm>
+      </p:grpSpPr>
+      <p:sp>
+        <p:nvSpPr>
+          <p:cNvPr id="2" name="Title 1">
+            <a:extLst>
+              <a:ext uri="{FF2B5EF4-FFF2-40B4-BE49-F238E27FC236}">
+                <a16:creationId xmlns:a16="http://schemas.microsoft.com/office/drawing/2014/main" id="{DB3FD356-0625-21F9-9A5F-4ADD7B4D5275}"/>
+              </a:ext>
+            </a:extLst>
+          </p:cNvPr>
+          <p:cNvSpPr>
+            <a:spLocks noGrp="1"/>
+          </p:cNvSpPr>
+          <p:nvPr>
+            <p:ph type="title"/>
+          </p:nvPr>
+        </p:nvSpPr>
+        <p:spPr/>
+        <p:txBody>
+          <a:bodyPr/>
+          <a:lstStyle/>
+          <a:p>
+            <a:endParaRPr lang="en-VN"/>
+          </a:p>
+        </p:txBody>
+      </p:sp>
+      <p:sp>
+        <p:nvSpPr>
+          <p:cNvPr id="4" name="Slide Number Placeholder 3">
+            <a:extLst>
+              <a:ext uri="{FF2B5EF4-FFF2-40B4-BE49-F238E27FC236}">
+                <a16:creationId xmlns:a16="http://schemas.microsoft.com/office/drawing/2014/main" id="{935A4889-F8B8-CFB4-7917-27B576C88FFF}"/>
+              </a:ext>
+            </a:extLst>
+          </p:cNvPr>
+          <p:cNvSpPr>
+            <a:spLocks noGrp="1"/>
+          </p:cNvSpPr>
+          <p:nvPr>
+            <p:ph type="sldNum" sz="quarter" idx="12"/>
+          </p:nvPr>
+        </p:nvSpPr>
+        <p:spPr/>
+        <p:txBody>
+          <a:bodyPr/>
+          <a:lstStyle/>
+          <a:p>
+            <a:fld id="{5F7CF730-DD63-8F4F-BD32-7D4A526072FB}" type="slidenum">
+              <a:rPr lang="en-VN"/>
+              <a:t>16</a:t>
             </a:fld>
             <a:endParaRPr lang="en-VN"/>
           </a:p>
@@ -10258,7 +10592,267 @@
 </p:sld>
 </file>
 
-<file path=ppt/slides/slide16.xml><?xml version="1.0" encoding="utf-8"?>
+<file path=ppt/slides/slide17.xml><?xml version="1.0" encoding="utf-8"?>
+<p:sld xmlns:a="http://schemas.openxmlformats.org/drawingml/2006/main" xmlns:r="http://schemas.openxmlformats.org/officeDocument/2006/relationships" xmlns:p="http://schemas.openxmlformats.org/presentationml/2006/main">
+  <p:cSld>
+    <p:spTree>
+      <p:nvGrpSpPr>
+        <p:cNvPr id="1" name=""/>
+        <p:cNvGrpSpPr/>
+        <p:nvPr/>
+      </p:nvGrpSpPr>
+      <p:grpSpPr>
+        <a:xfrm>
+          <a:off x="0" y="0"/>
+          <a:ext cx="0" cy="0"/>
+          <a:chOff x="0" y="0"/>
+          <a:chExt cx="0" cy="0"/>
+        </a:xfrm>
+      </p:grpSpPr>
+      <p:sp>
+        <p:nvSpPr>
+          <p:cNvPr id="2" name="Title 1">
+            <a:extLst>
+              <a:ext uri="{FF2B5EF4-FFF2-40B4-BE49-F238E27FC236}">
+                <a16:creationId xmlns:a16="http://schemas.microsoft.com/office/drawing/2014/main" id="{4F197C57-F709-FC16-F614-AB21340AC5B3}"/>
+              </a:ext>
+            </a:extLst>
+          </p:cNvPr>
+          <p:cNvSpPr>
+            <a:spLocks noGrp="1"/>
+          </p:cNvSpPr>
+          <p:nvPr>
+            <p:ph type="title"/>
+          </p:nvPr>
+        </p:nvSpPr>
+        <p:spPr/>
+        <p:txBody>
+          <a:bodyPr/>
+          <a:lstStyle/>
+          <a:p>
+            <a:r>
+              <a:rPr lang="en-VN"/>
+              <a:t>Genetic algorithm</a:t>
+            </a:r>
+          </a:p>
+        </p:txBody>
+      </p:sp>
+      <p:sp>
+        <p:nvSpPr>
+          <p:cNvPr id="3" name="Content Placeholder 2">
+            <a:extLst>
+              <a:ext uri="{FF2B5EF4-FFF2-40B4-BE49-F238E27FC236}">
+                <a16:creationId xmlns:a16="http://schemas.microsoft.com/office/drawing/2014/main" id="{534501EC-C054-D418-3768-F6F33FDDCC54}"/>
+              </a:ext>
+            </a:extLst>
+          </p:cNvPr>
+          <p:cNvSpPr>
+            <a:spLocks noGrp="1"/>
+          </p:cNvSpPr>
+          <p:nvPr>
+            <p:ph idx="1"/>
+          </p:nvPr>
+        </p:nvSpPr>
+        <p:spPr/>
+        <p:txBody>
+          <a:bodyPr>
+            <a:normAutofit fontScale="62500" lnSpcReduction="20000"/>
+          </a:bodyPr>
+          <a:lstStyle/>
+          <a:p>
+            <a:pPr marL="0" indent="0">
+              <a:buNone/>
+            </a:pPr>
+            <a:r>
+              <a:rPr lang="en-US"/>
+              <a:t>population = </a:t>
+            </a:r>
+            <a:r>
+              <a:rPr lang="en-US" b="1"/>
+              <a:t>create_population</a:t>
+            </a:r>
+            <a:r>
+              <a:rPr lang="en-US"/>
+              <a:t>(num_individual, num_qubits, depth)</a:t>
+            </a:r>
+          </a:p>
+          <a:p>
+            <a:pPr marL="0" indent="0">
+              <a:buNone/>
+            </a:pPr>
+            <a:r>
+              <a:rPr lang="en-US"/>
+              <a:t>for _ in range(maximum_generation):</a:t>
+            </a:r>
+          </a:p>
+          <a:p>
+            <a:pPr marL="0" indent="0">
+              <a:buNone/>
+            </a:pPr>
+            <a:r>
+              <a:rPr lang="en-US"/>
+              <a:t>	population = </a:t>
+            </a:r>
+            <a:r>
+              <a:rPr lang="en-US" b="1"/>
+              <a:t>selected</a:t>
+            </a:r>
+            <a:r>
+              <a:rPr lang="en-US"/>
+              <a:t>(population)</a:t>
+            </a:r>
+          </a:p>
+          <a:p>
+            <a:pPr marL="0" indent="0">
+              <a:buNone/>
+            </a:pPr>
+            <a:r>
+              <a:rPr lang="en-US"/>
+              <a:t>	new_population = []</a:t>
+            </a:r>
+          </a:p>
+          <a:p>
+            <a:pPr marL="0" indent="0">
+              <a:buNone/>
+            </a:pPr>
+            <a:r>
+              <a:rPr lang="en-US"/>
+              <a:t>	for i in range(0, int(num_individual/2), 2):</a:t>
+            </a:r>
+          </a:p>
+          <a:p>
+            <a:pPr marL="0" indent="0">
+              <a:buNone/>
+            </a:pPr>
+            <a:r>
+              <a:rPr lang="en-US"/>
+              <a:t>		parent_1 = population[i]</a:t>
+            </a:r>
+          </a:p>
+          <a:p>
+            <a:pPr marL="0" indent="0">
+              <a:buNone/>
+            </a:pPr>
+            <a:r>
+              <a:rPr lang="en-US"/>
+              <a:t>		parent_2 = population[i+1] </a:t>
+            </a:r>
+          </a:p>
+          <a:p>
+            <a:pPr marL="0" indent="0">
+              <a:buNone/>
+            </a:pPr>
+            <a:r>
+              <a:rPr lang="en-US"/>
+              <a:t>		child_1, child_2 = parent_1.</a:t>
+            </a:r>
+            <a:r>
+              <a:rPr lang="en-US" b="1"/>
+              <a:t>crossover</a:t>
+            </a:r>
+            <a:r>
+              <a:rPr lang="en-US"/>
+              <a:t>(parent_2)</a:t>
+            </a:r>
+          </a:p>
+          <a:p>
+            <a:pPr marL="0" indent="0">
+              <a:buNone/>
+            </a:pPr>
+            <a:r>
+              <a:rPr lang="en-US"/>
+              <a:t>        		new_population.append([child_1, child_2])</a:t>
+            </a:r>
+          </a:p>
+          <a:p>
+            <a:pPr marL="0" indent="0">
+              <a:buNone/>
+            </a:pPr>
+            <a:r>
+              <a:rPr lang="en-US"/>
+              <a:t>	population = new_population	</a:t>
+            </a:r>
+          </a:p>
+          <a:p>
+            <a:pPr marL="0" indent="0">
+              <a:buNone/>
+            </a:pPr>
+            <a:r>
+              <a:rPr lang="en-US"/>
+              <a:t>	for individual in population:</a:t>
+            </a:r>
+          </a:p>
+          <a:p>
+            <a:pPr marL="0" indent="0">
+              <a:buNone/>
+            </a:pPr>
+            <a:r>
+              <a:rPr lang="en-US"/>
+              <a:t>		if random.random() &lt; prob_mutate:</a:t>
+            </a:r>
+          </a:p>
+          <a:p>
+            <a:pPr marL="0" indent="0">
+              <a:buNone/>
+            </a:pPr>
+            <a:r>
+              <a:rPr lang="en-US"/>
+              <a:t>			individual.</a:t>
+            </a:r>
+            <a:r>
+              <a:rPr lang="en-US" b="1"/>
+              <a:t>mutate</a:t>
+            </a:r>
+            <a:r>
+              <a:rPr lang="en-US"/>
+              <a:t>()</a:t>
+            </a:r>
+          </a:p>
+        </p:txBody>
+      </p:sp>
+      <p:sp>
+        <p:nvSpPr>
+          <p:cNvPr id="4" name="Slide Number Placeholder 3">
+            <a:extLst>
+              <a:ext uri="{FF2B5EF4-FFF2-40B4-BE49-F238E27FC236}">
+                <a16:creationId xmlns:a16="http://schemas.microsoft.com/office/drawing/2014/main" id="{1ED38037-8BEA-306C-49F2-03D15E83AEDF}"/>
+              </a:ext>
+            </a:extLst>
+          </p:cNvPr>
+          <p:cNvSpPr>
+            <a:spLocks noGrp="1"/>
+          </p:cNvSpPr>
+          <p:nvPr>
+            <p:ph type="sldNum" sz="quarter" idx="12"/>
+          </p:nvPr>
+        </p:nvSpPr>
+        <p:spPr/>
+        <p:txBody>
+          <a:bodyPr/>
+          <a:lstStyle/>
+          <a:p>
+            <a:fld id="{5F7CF730-DD63-8F4F-BD32-7D4A526072FB}" type="slidenum">
+              <a:rPr lang="en-VN"/>
+              <a:t>17</a:t>
+            </a:fld>
+            <a:endParaRPr lang="en-VN"/>
+          </a:p>
+        </p:txBody>
+      </p:sp>
+    </p:spTree>
+    <p:extLst>
+      <p:ext uri="{BB962C8B-B14F-4D97-AF65-F5344CB8AC3E}">
+        <p14:creationId xmlns:p14="http://schemas.microsoft.com/office/powerpoint/2010/main" val="3248491774"/>
+      </p:ext>
+    </p:extLst>
+  </p:cSld>
+  <p:clrMapOvr>
+    <a:masterClrMapping/>
+  </p:clrMapOvr>
+</p:sld>
+</file>
+
+<file path=ppt/slides/slide18.xml><?xml version="1.0" encoding="utf-8"?>
 <p:sld xmlns:a="http://schemas.openxmlformats.org/drawingml/2006/main" xmlns:r="http://schemas.openxmlformats.org/officeDocument/2006/relationships" xmlns:p="http://schemas.openxmlformats.org/presentationml/2006/main">
   <p:cSld>
     <p:spTree>
@@ -12497,7 +13091,7 @@
 </p:sld>
 </file>
 
-<file path=ppt/slides/slide17.xml><?xml version="1.0" encoding="utf-8"?>
+<file path=ppt/slides/slide19.xml><?xml version="1.0" encoding="utf-8"?>
 <p:sld xmlns:a="http://schemas.openxmlformats.org/drawingml/2006/main" xmlns:r="http://schemas.openxmlformats.org/officeDocument/2006/relationships" xmlns:p="http://schemas.openxmlformats.org/presentationml/2006/main">
   <p:cSld>
     <p:spTree>
@@ -14616,655 +15210,6 @@
 </p:sld>
 </file>
 
-<file path=ppt/slides/slide18.xml><?xml version="1.0" encoding="utf-8"?>
-<p:sld xmlns:a="http://schemas.openxmlformats.org/drawingml/2006/main" xmlns:r="http://schemas.openxmlformats.org/officeDocument/2006/relationships" xmlns:p="http://schemas.openxmlformats.org/presentationml/2006/main">
-  <p:cSld>
-    <p:spTree>
-      <p:nvGrpSpPr>
-        <p:cNvPr id="1" name=""/>
-        <p:cNvGrpSpPr/>
-        <p:nvPr/>
-      </p:nvGrpSpPr>
-      <p:grpSpPr>
-        <a:xfrm>
-          <a:off x="0" y="0"/>
-          <a:ext cx="0" cy="0"/>
-          <a:chOff x="0" y="0"/>
-          <a:chExt cx="0" cy="0"/>
-        </a:xfrm>
-      </p:grpSpPr>
-      <p:pic>
-        <p:nvPicPr>
-          <p:cNvPr id="5" name="Picture 4" descr="A graph with a line&#10;&#10;Description automatically generated">
-            <a:extLst>
-              <a:ext uri="{FF2B5EF4-FFF2-40B4-BE49-F238E27FC236}">
-                <a16:creationId xmlns:a16="http://schemas.microsoft.com/office/drawing/2014/main" id="{59453191-9907-3C24-306C-7FEF3B9FACB2}"/>
-              </a:ext>
-            </a:extLst>
-          </p:cNvPr>
-          <p:cNvPicPr>
-            <a:picLocks noChangeAspect="1"/>
-          </p:cNvPicPr>
-          <p:nvPr/>
-        </p:nvPicPr>
-        <p:blipFill>
-          <a:blip r:embed="rId2"/>
-          <a:stretch>
-            <a:fillRect/>
-          </a:stretch>
-        </p:blipFill>
-        <p:spPr>
-          <a:xfrm>
-            <a:off x="6096001" y="2968205"/>
-            <a:ext cx="4038600" cy="3031982"/>
-          </a:xfrm>
-          <a:prstGeom prst="rect">
-            <a:avLst/>
-          </a:prstGeom>
-        </p:spPr>
-      </p:pic>
-      <p:pic>
-        <p:nvPicPr>
-          <p:cNvPr id="7" name="Picture 6" descr="A diagram of a circuit&#10;&#10;Description automatically generated">
-            <a:extLst>
-              <a:ext uri="{FF2B5EF4-FFF2-40B4-BE49-F238E27FC236}">
-                <a16:creationId xmlns:a16="http://schemas.microsoft.com/office/drawing/2014/main" id="{15EDB9CC-C608-DFE3-619B-4D3642E7C8CD}"/>
-              </a:ext>
-            </a:extLst>
-          </p:cNvPr>
-          <p:cNvPicPr>
-            <a:picLocks noChangeAspect="1"/>
-          </p:cNvPicPr>
-          <p:nvPr/>
-        </p:nvPicPr>
-        <p:blipFill rotWithShape="1">
-          <a:blip r:embed="rId3"/>
-          <a:srcRect l="10246" r="4646" b="7872"/>
-          <a:stretch/>
-        </p:blipFill>
-        <p:spPr>
-          <a:xfrm>
-            <a:off x="6096000" y="1127229"/>
-            <a:ext cx="3051687" cy="1799012"/>
-          </a:xfrm>
-          <a:prstGeom prst="rect">
-            <a:avLst/>
-          </a:prstGeom>
-        </p:spPr>
-      </p:pic>
-      <p:sp>
-        <p:nvSpPr>
-          <p:cNvPr id="4" name="Slide Number Placeholder 3">
-            <a:extLst>
-              <a:ext uri="{FF2B5EF4-FFF2-40B4-BE49-F238E27FC236}">
-                <a16:creationId xmlns:a16="http://schemas.microsoft.com/office/drawing/2014/main" id="{0C7400CF-B4EF-3DCB-7B09-74AF7451FD0E}"/>
-              </a:ext>
-            </a:extLst>
-          </p:cNvPr>
-          <p:cNvSpPr>
-            <a:spLocks noGrp="1"/>
-          </p:cNvSpPr>
-          <p:nvPr>
-            <p:ph type="sldNum" sz="quarter" idx="12"/>
-          </p:nvPr>
-        </p:nvSpPr>
-        <p:spPr/>
-        <p:txBody>
-          <a:bodyPr/>
-          <a:lstStyle/>
-          <a:p>
-            <a:fld id="{5F7CF730-DD63-8F4F-BD32-7D4A526072FB}" type="slidenum">
-              <a:rPr lang="en-VN"/>
-              <a:t>18</a:t>
-            </a:fld>
-            <a:endParaRPr lang="en-VN"/>
-          </a:p>
-        </p:txBody>
-      </p:sp>
-      <p:sp>
-        <p:nvSpPr>
-          <p:cNvPr id="13" name="TextBox 12">
-            <a:extLst>
-              <a:ext uri="{FF2B5EF4-FFF2-40B4-BE49-F238E27FC236}">
-                <a16:creationId xmlns:a16="http://schemas.microsoft.com/office/drawing/2014/main" id="{EF9BAD1F-FB70-37A1-B06D-01FD7959AD2F}"/>
-              </a:ext>
-            </a:extLst>
-          </p:cNvPr>
-          <p:cNvSpPr txBox="1"/>
-          <p:nvPr/>
-        </p:nvSpPr>
-        <p:spPr>
-          <a:xfrm>
-            <a:off x="5673272" y="1986328"/>
-            <a:ext cx="422728" cy="369332"/>
-          </a:xfrm>
-          <a:prstGeom prst="rect">
-            <a:avLst/>
-          </a:prstGeom>
-          <a:noFill/>
-        </p:spPr>
-        <p:txBody>
-          <a:bodyPr wrap="square" rtlCol="0">
-            <a:spAutoFit/>
-          </a:bodyPr>
-          <a:lstStyle/>
-          <a:p>
-            <a:r>
-              <a:rPr lang="en-VN"/>
-              <a:t>a)</a:t>
-            </a:r>
-          </a:p>
-        </p:txBody>
-      </p:sp>
-      <p:sp>
-        <p:nvSpPr>
-          <p:cNvPr id="14" name="TextBox 13">
-            <a:extLst>
-              <a:ext uri="{FF2B5EF4-FFF2-40B4-BE49-F238E27FC236}">
-                <a16:creationId xmlns:a16="http://schemas.microsoft.com/office/drawing/2014/main" id="{244DDDB0-C2B4-AE94-32F1-BF6DFB925534}"/>
-              </a:ext>
-            </a:extLst>
-          </p:cNvPr>
-          <p:cNvSpPr txBox="1"/>
-          <p:nvPr/>
-        </p:nvSpPr>
-        <p:spPr>
-          <a:xfrm>
-            <a:off x="5673272" y="4133009"/>
-            <a:ext cx="422728" cy="369332"/>
-          </a:xfrm>
-          <a:prstGeom prst="rect">
-            <a:avLst/>
-          </a:prstGeom>
-          <a:noFill/>
-        </p:spPr>
-        <p:txBody>
-          <a:bodyPr wrap="square" rtlCol="0">
-            <a:spAutoFit/>
-          </a:bodyPr>
-          <a:lstStyle/>
-          <a:p>
-            <a:r>
-              <a:rPr lang="en-VN"/>
-              <a:t>b)</a:t>
-            </a:r>
-          </a:p>
-        </p:txBody>
-      </p:sp>
-    </p:spTree>
-    <p:extLst>
-      <p:ext uri="{BB962C8B-B14F-4D97-AF65-F5344CB8AC3E}">
-        <p14:creationId xmlns:p14="http://schemas.microsoft.com/office/powerpoint/2010/main" val="4113517149"/>
-      </p:ext>
-    </p:extLst>
-  </p:cSld>
-  <p:clrMapOvr>
-    <a:masterClrMapping/>
-  </p:clrMapOvr>
-</p:sld>
-</file>
-
-<file path=ppt/slides/slide19.xml><?xml version="1.0" encoding="utf-8"?>
-<p:sld xmlns:a="http://schemas.openxmlformats.org/drawingml/2006/main" xmlns:r="http://schemas.openxmlformats.org/officeDocument/2006/relationships" xmlns:p="http://schemas.openxmlformats.org/presentationml/2006/main">
-  <p:cSld>
-    <p:spTree>
-      <p:nvGrpSpPr>
-        <p:cNvPr id="1" name=""/>
-        <p:cNvGrpSpPr/>
-        <p:nvPr/>
-      </p:nvGrpSpPr>
-      <p:grpSpPr>
-        <a:xfrm>
-          <a:off x="0" y="0"/>
-          <a:ext cx="0" cy="0"/>
-          <a:chOff x="0" y="0"/>
-          <a:chExt cx="0" cy="0"/>
-        </a:xfrm>
-      </p:grpSpPr>
-      <mc:AlternateContent xmlns:mc="http://schemas.openxmlformats.org/markup-compatibility/2006" xmlns:a14="http://schemas.microsoft.com/office/drawing/2010/main">
-        <mc:Choice Requires="a14">
-          <p:sp>
-            <p:nvSpPr>
-              <p:cNvPr id="2" name="Title 1">
-                <a:extLst>
-                  <a:ext uri="{FF2B5EF4-FFF2-40B4-BE49-F238E27FC236}">
-                    <a16:creationId xmlns:a16="http://schemas.microsoft.com/office/drawing/2014/main" id="{825FF7C2-0098-E92E-D502-CD726FF3A610}"/>
-                  </a:ext>
-                </a:extLst>
-              </p:cNvPr>
-              <p:cNvSpPr>
-                <a:spLocks noGrp="1"/>
-              </p:cNvSpPr>
-              <p:nvPr>
-                <p:ph type="title"/>
-              </p:nvPr>
-            </p:nvSpPr>
-            <p:spPr/>
-            <p:txBody>
-              <a:bodyPr>
-                <a:normAutofit/>
-              </a:bodyPr>
-              <a:lstStyle/>
-              <a:p>
-                <a:pPr marL="0" indent="0">
-                  <a:buNone/>
-                </a:pPr>
-                <a:r>
-                  <a:rPr lang="en-VN"/>
-                  <a:t>Result: Testing for finding </a:t>
-                </a:r>
-                <a14:m>
-                  <m:oMath xmlns:m="http://schemas.openxmlformats.org/officeDocument/2006/math">
-                    <m:sSub>
-                      <m:sSubPr>
-                        <m:ctrlPr>
-                          <a:rPr lang="vi-VN" b="0" i="1">
-                            <a:latin typeface="Cambria Math" panose="02040503050406030204" pitchFamily="18" charset="0"/>
-                          </a:rPr>
-                        </m:ctrlPr>
-                      </m:sSubPr>
-                      <m:e>
-                        <m:r>
-                          <m:rPr>
-                            <m:sty m:val="p"/>
-                          </m:rPr>
-                          <a:rPr lang="en-VN" i="1">
-                            <a:latin typeface="Cambria Math" panose="02040503050406030204" pitchFamily="18" charset="0"/>
-                          </a:rPr>
-                          <m:t>U</m:t>
-                        </m:r>
-                      </m:e>
-                      <m:sub>
-                        <m:r>
-                          <m:rPr>
-                            <m:sty m:val="p"/>
-                          </m:rPr>
-                          <a:rPr lang="vi-VN" i="1">
-                            <a:latin typeface="Cambria Math" panose="02040503050406030204" pitchFamily="18" charset="0"/>
-                          </a:rPr>
-                          <m:t>haar</m:t>
-                        </m:r>
-                      </m:sub>
-                    </m:sSub>
-                  </m:oMath>
-                </a14:m>
-                <a:r>
-                  <a:rPr lang="en-VN"/>
-                  <a:t> circuit</a:t>
-                </a:r>
-              </a:p>
-            </p:txBody>
-          </p:sp>
-        </mc:Choice>
-        <mc:Fallback xmlns="">
-          <p:sp>
-            <p:nvSpPr>
-              <p:cNvPr id="2" name="Title 1">
-                <a:extLst>
-                  <a:ext uri="{FF2B5EF4-FFF2-40B4-BE49-F238E27FC236}">
-                    <a16:creationId xmlns:a16="http://schemas.microsoft.com/office/drawing/2014/main" id="{825FF7C2-0098-E92E-D502-CD726FF3A610}"/>
-                  </a:ext>
-                </a:extLst>
-              </p:cNvPr>
-              <p:cNvSpPr>
-                <a:spLocks noGrp="1" noRot="1" noChangeAspect="1" noMove="1" noResize="1" noEditPoints="1" noAdjustHandles="1" noChangeArrowheads="1" noChangeShapeType="1" noTextEdit="1"/>
-              </p:cNvSpPr>
-              <p:nvPr>
-                <p:ph type="title"/>
-              </p:nvPr>
-            </p:nvSpPr>
-            <p:spPr>
-              <a:blipFill>
-                <a:blip r:embed="rId2"/>
-                <a:stretch>
-                  <a:fillRect l="-2413"/>
-                </a:stretch>
-              </a:blipFill>
-            </p:spPr>
-            <p:txBody>
-              <a:bodyPr/>
-              <a:lstStyle/>
-              <a:p>
-                <a:r>
-                  <a:rPr lang="en-VN">
-                    <a:noFill/>
-                  </a:rPr>
-                  <a:t> </a:t>
-                </a:r>
-              </a:p>
-            </p:txBody>
-          </p:sp>
-        </mc:Fallback>
-      </mc:AlternateContent>
-      <p:sp>
-        <p:nvSpPr>
-          <p:cNvPr id="9" name="TextBox 8">
-            <a:extLst>
-              <a:ext uri="{FF2B5EF4-FFF2-40B4-BE49-F238E27FC236}">
-                <a16:creationId xmlns:a16="http://schemas.microsoft.com/office/drawing/2014/main" id="{5B44B19E-EC5D-B3BB-4EF0-EAA02FD4F212}"/>
-              </a:ext>
-            </a:extLst>
-          </p:cNvPr>
-          <p:cNvSpPr txBox="1"/>
-          <p:nvPr/>
-        </p:nvSpPr>
-        <p:spPr>
-          <a:xfrm>
-            <a:off x="415472" y="1878697"/>
-            <a:ext cx="422728" cy="369332"/>
-          </a:xfrm>
-          <a:prstGeom prst="rect">
-            <a:avLst/>
-          </a:prstGeom>
-          <a:noFill/>
-        </p:spPr>
-        <p:txBody>
-          <a:bodyPr wrap="square" rtlCol="0">
-            <a:spAutoFit/>
-          </a:bodyPr>
-          <a:lstStyle/>
-          <a:p>
-            <a:r>
-              <a:rPr lang="en-VN"/>
-              <a:t>a)</a:t>
-            </a:r>
-          </a:p>
-        </p:txBody>
-      </p:sp>
-      <p:sp>
-        <p:nvSpPr>
-          <p:cNvPr id="4" name="Slide Number Placeholder 3">
-            <a:extLst>
-              <a:ext uri="{FF2B5EF4-FFF2-40B4-BE49-F238E27FC236}">
-                <a16:creationId xmlns:a16="http://schemas.microsoft.com/office/drawing/2014/main" id="{0C7400CF-B4EF-3DCB-7B09-74AF7451FD0E}"/>
-              </a:ext>
-            </a:extLst>
-          </p:cNvPr>
-          <p:cNvSpPr>
-            <a:spLocks noGrp="1"/>
-          </p:cNvSpPr>
-          <p:nvPr>
-            <p:ph type="sldNum" sz="quarter" idx="12"/>
-          </p:nvPr>
-        </p:nvSpPr>
-        <p:spPr/>
-        <p:txBody>
-          <a:bodyPr/>
-          <a:lstStyle/>
-          <a:p>
-            <a:fld id="{5F7CF730-DD63-8F4F-BD32-7D4A526072FB}" type="slidenum">
-              <a:rPr lang="en-VN"/>
-              <a:t>19</a:t>
-            </a:fld>
-            <a:endParaRPr lang="en-VN"/>
-          </a:p>
-        </p:txBody>
-      </p:sp>
-      <p:pic>
-        <p:nvPicPr>
-          <p:cNvPr id="10" name="Picture 9">
-            <a:extLst>
-              <a:ext uri="{FF2B5EF4-FFF2-40B4-BE49-F238E27FC236}">
-                <a16:creationId xmlns:a16="http://schemas.microsoft.com/office/drawing/2014/main" id="{AE35C74C-BDCC-816D-9D72-C47B57E1C801}"/>
-              </a:ext>
-            </a:extLst>
-          </p:cNvPr>
-          <p:cNvPicPr>
-            <a:picLocks noChangeAspect="1"/>
-          </p:cNvPicPr>
-          <p:nvPr/>
-        </p:nvPicPr>
-        <p:blipFill rotWithShape="1">
-          <a:blip r:embed="rId3"/>
-          <a:srcRect b="49550"/>
-          <a:stretch/>
-        </p:blipFill>
-        <p:spPr>
-          <a:xfrm>
-            <a:off x="816429" y="1642014"/>
-            <a:ext cx="5715593" cy="823851"/>
-          </a:xfrm>
-          <a:prstGeom prst="rect">
-            <a:avLst/>
-          </a:prstGeom>
-        </p:spPr>
-      </p:pic>
-      <p:pic>
-        <p:nvPicPr>
-          <p:cNvPr id="11" name="Picture 10">
-            <a:extLst>
-              <a:ext uri="{FF2B5EF4-FFF2-40B4-BE49-F238E27FC236}">
-                <a16:creationId xmlns:a16="http://schemas.microsoft.com/office/drawing/2014/main" id="{B86100C0-5F0D-225B-39AD-D15273E6BCC4}"/>
-              </a:ext>
-            </a:extLst>
-          </p:cNvPr>
-          <p:cNvPicPr>
-            <a:picLocks noChangeAspect="1"/>
-          </p:cNvPicPr>
-          <p:nvPr/>
-        </p:nvPicPr>
-        <p:blipFill rotWithShape="1">
-          <a:blip r:embed="rId4"/>
-          <a:srcRect b="24537"/>
-          <a:stretch/>
-        </p:blipFill>
-        <p:spPr>
-          <a:xfrm>
-            <a:off x="564831" y="2363888"/>
-            <a:ext cx="6978974" cy="1799191"/>
-          </a:xfrm>
-          <a:prstGeom prst="rect">
-            <a:avLst/>
-          </a:prstGeom>
-        </p:spPr>
-      </p:pic>
-      <p:pic>
-        <p:nvPicPr>
-          <p:cNvPr id="12" name="Picture 11">
-            <a:extLst>
-              <a:ext uri="{FF2B5EF4-FFF2-40B4-BE49-F238E27FC236}">
-                <a16:creationId xmlns:a16="http://schemas.microsoft.com/office/drawing/2014/main" id="{41D05D88-768B-E103-A184-4D482EA22299}"/>
-              </a:ext>
-            </a:extLst>
-          </p:cNvPr>
-          <p:cNvPicPr>
-            <a:picLocks noChangeAspect="1"/>
-          </p:cNvPicPr>
-          <p:nvPr/>
-        </p:nvPicPr>
-        <p:blipFill>
-          <a:blip r:embed="rId5"/>
-          <a:stretch>
-            <a:fillRect/>
-          </a:stretch>
-        </p:blipFill>
-        <p:spPr>
-          <a:xfrm>
-            <a:off x="712960" y="4226081"/>
-            <a:ext cx="6682717" cy="1392720"/>
-          </a:xfrm>
-          <a:prstGeom prst="rect">
-            <a:avLst/>
-          </a:prstGeom>
-        </p:spPr>
-      </p:pic>
-      <p:pic>
-        <p:nvPicPr>
-          <p:cNvPr id="13" name="Picture 12">
-            <a:extLst>
-              <a:ext uri="{FF2B5EF4-FFF2-40B4-BE49-F238E27FC236}">
-                <a16:creationId xmlns:a16="http://schemas.microsoft.com/office/drawing/2014/main" id="{B42B3CCC-0C6A-C52A-8976-DB344DFC0184}"/>
-              </a:ext>
-            </a:extLst>
-          </p:cNvPr>
-          <p:cNvPicPr>
-            <a:picLocks noChangeAspect="1"/>
-          </p:cNvPicPr>
-          <p:nvPr/>
-        </p:nvPicPr>
-        <p:blipFill rotWithShape="1">
-          <a:blip r:embed="rId3"/>
-          <a:srcRect l="6295" t="56825"/>
-          <a:stretch/>
-        </p:blipFill>
-        <p:spPr>
-          <a:xfrm>
-            <a:off x="6444937" y="1723184"/>
-            <a:ext cx="5355772" cy="705053"/>
-          </a:xfrm>
-          <a:prstGeom prst="rect">
-            <a:avLst/>
-          </a:prstGeom>
-        </p:spPr>
-      </p:pic>
-      <p:pic>
-        <p:nvPicPr>
-          <p:cNvPr id="16" name="Picture 15">
-            <a:extLst>
-              <a:ext uri="{FF2B5EF4-FFF2-40B4-BE49-F238E27FC236}">
-                <a16:creationId xmlns:a16="http://schemas.microsoft.com/office/drawing/2014/main" id="{A8A7A07F-D00C-BBBB-A232-C516F379D1E6}"/>
-              </a:ext>
-            </a:extLst>
-          </p:cNvPr>
-          <p:cNvPicPr>
-            <a:picLocks noChangeAspect="1"/>
-          </p:cNvPicPr>
-          <p:nvPr/>
-        </p:nvPicPr>
-        <p:blipFill>
-          <a:blip r:embed="rId6"/>
-          <a:stretch>
-            <a:fillRect/>
-          </a:stretch>
-        </p:blipFill>
-        <p:spPr>
-          <a:xfrm>
-            <a:off x="7602519" y="2450936"/>
-            <a:ext cx="4198190" cy="3167865"/>
-          </a:xfrm>
-          <a:prstGeom prst="rect">
-            <a:avLst/>
-          </a:prstGeom>
-        </p:spPr>
-      </p:pic>
-      <p:sp>
-        <p:nvSpPr>
-          <p:cNvPr id="21" name="TextBox 20">
-            <a:extLst>
-              <a:ext uri="{FF2B5EF4-FFF2-40B4-BE49-F238E27FC236}">
-                <a16:creationId xmlns:a16="http://schemas.microsoft.com/office/drawing/2014/main" id="{E04D924F-9C8D-6843-88C7-E3FC9B6EBA1D}"/>
-              </a:ext>
-            </a:extLst>
-          </p:cNvPr>
-          <p:cNvSpPr txBox="1"/>
-          <p:nvPr/>
-        </p:nvSpPr>
-        <p:spPr>
-          <a:xfrm>
-            <a:off x="415472" y="3136703"/>
-            <a:ext cx="422728" cy="369332"/>
-          </a:xfrm>
-          <a:prstGeom prst="rect">
-            <a:avLst/>
-          </a:prstGeom>
-          <a:noFill/>
-        </p:spPr>
-        <p:txBody>
-          <a:bodyPr wrap="square" rtlCol="0">
-            <a:spAutoFit/>
-          </a:bodyPr>
-          <a:lstStyle/>
-          <a:p>
-            <a:r>
-              <a:rPr lang="en-VN"/>
-              <a:t>b)</a:t>
-            </a:r>
-          </a:p>
-        </p:txBody>
-      </p:sp>
-      <p:sp>
-        <p:nvSpPr>
-          <p:cNvPr id="22" name="TextBox 21">
-            <a:extLst>
-              <a:ext uri="{FF2B5EF4-FFF2-40B4-BE49-F238E27FC236}">
-                <a16:creationId xmlns:a16="http://schemas.microsoft.com/office/drawing/2014/main" id="{40CE7CFF-F2B3-170A-63A3-B5780D928874}"/>
-              </a:ext>
-            </a:extLst>
-          </p:cNvPr>
-          <p:cNvSpPr txBox="1"/>
-          <p:nvPr/>
-        </p:nvSpPr>
-        <p:spPr>
-          <a:xfrm>
-            <a:off x="415472" y="4751228"/>
-            <a:ext cx="422728" cy="369332"/>
-          </a:xfrm>
-          <a:prstGeom prst="rect">
-            <a:avLst/>
-          </a:prstGeom>
-          <a:noFill/>
-        </p:spPr>
-        <p:txBody>
-          <a:bodyPr wrap="square" rtlCol="0">
-            <a:spAutoFit/>
-          </a:bodyPr>
-          <a:lstStyle/>
-          <a:p>
-            <a:r>
-              <a:rPr lang="en-VN"/>
-              <a:t>c)</a:t>
-            </a:r>
-          </a:p>
-        </p:txBody>
-      </p:sp>
-      <p:sp>
-        <p:nvSpPr>
-          <p:cNvPr id="23" name="TextBox 22">
-            <a:extLst>
-              <a:ext uri="{FF2B5EF4-FFF2-40B4-BE49-F238E27FC236}">
-                <a16:creationId xmlns:a16="http://schemas.microsoft.com/office/drawing/2014/main" id="{612B2CC9-5E23-8491-30FB-F68D9CA76142}"/>
-              </a:ext>
-            </a:extLst>
-          </p:cNvPr>
-          <p:cNvSpPr txBox="1"/>
-          <p:nvPr/>
-        </p:nvSpPr>
-        <p:spPr>
-          <a:xfrm>
-            <a:off x="11353800" y="3107278"/>
-            <a:ext cx="422728" cy="369332"/>
-          </a:xfrm>
-          <a:prstGeom prst="rect">
-            <a:avLst/>
-          </a:prstGeom>
-          <a:noFill/>
-        </p:spPr>
-        <p:txBody>
-          <a:bodyPr wrap="square" rtlCol="0">
-            <a:spAutoFit/>
-          </a:bodyPr>
-          <a:lstStyle/>
-          <a:p>
-            <a:r>
-              <a:rPr lang="en-VN"/>
-              <a:t>d)</a:t>
-            </a:r>
-          </a:p>
-        </p:txBody>
-      </p:sp>
-    </p:spTree>
-    <p:extLst>
-      <p:ext uri="{BB962C8B-B14F-4D97-AF65-F5344CB8AC3E}">
-        <p14:creationId xmlns:p14="http://schemas.microsoft.com/office/powerpoint/2010/main" val="810742787"/>
-      </p:ext>
-    </p:extLst>
-  </p:cSld>
-  <p:clrMapOvr>
-    <a:masterClrMapping/>
-  </p:clrMapOvr>
-</p:sld>
-</file>
-
 <file path=ppt/slides/slide2.xml><?xml version="1.0" encoding="utf-8"?>
 <p:sld xmlns:a="http://schemas.openxmlformats.org/drawingml/2006/main" xmlns:r="http://schemas.openxmlformats.org/officeDocument/2006/relationships" xmlns:p="http://schemas.openxmlformats.org/presentationml/2006/main">
   <p:cSld>
@@ -15305,7 +15250,15 @@
           <a:p>
             <a:r>
               <a:rPr lang="en-VN"/>
-              <a:t>1. Prob: reconstruct random state</a:t>
+              <a:t>1. Prob: reconstruct </a:t>
+            </a:r>
+            <a:r>
+              <a:rPr lang="en-US"/>
+              <a:t>arbitrary</a:t>
+            </a:r>
+            <a:r>
+              <a:rPr lang="en-VN"/>
+              <a:t> state</a:t>
             </a:r>
           </a:p>
         </p:txBody>
@@ -16116,6 +16069,1776 @@
     <p:extLst>
       <p:ext uri="{BB962C8B-B14F-4D97-AF65-F5344CB8AC3E}">
         <p14:creationId xmlns:p14="http://schemas.microsoft.com/office/powerpoint/2010/main" val="554600106"/>
+      </p:ext>
+    </p:extLst>
+  </p:cSld>
+  <p:clrMapOvr>
+    <a:masterClrMapping/>
+  </p:clrMapOvr>
+</p:sld>
+</file>
+
+<file path=ppt/slides/slide20.xml><?xml version="1.0" encoding="utf-8"?>
+<p:sld xmlns:a="http://schemas.openxmlformats.org/drawingml/2006/main" xmlns:r="http://schemas.openxmlformats.org/officeDocument/2006/relationships" xmlns:p="http://schemas.openxmlformats.org/presentationml/2006/main">
+  <p:cSld>
+    <p:spTree>
+      <p:nvGrpSpPr>
+        <p:cNvPr id="1" name=""/>
+        <p:cNvGrpSpPr/>
+        <p:nvPr/>
+      </p:nvGrpSpPr>
+      <p:grpSpPr>
+        <a:xfrm>
+          <a:off x="0" y="0"/>
+          <a:ext cx="0" cy="0"/>
+          <a:chOff x="0" y="0"/>
+          <a:chExt cx="0" cy="0"/>
+        </a:xfrm>
+      </p:grpSpPr>
+      <p:pic>
+        <p:nvPicPr>
+          <p:cNvPr id="5" name="Picture 4" descr="A graph with a line&#10;&#10;Description automatically generated">
+            <a:extLst>
+              <a:ext uri="{FF2B5EF4-FFF2-40B4-BE49-F238E27FC236}">
+                <a16:creationId xmlns:a16="http://schemas.microsoft.com/office/drawing/2014/main" id="{59453191-9907-3C24-306C-7FEF3B9FACB2}"/>
+              </a:ext>
+            </a:extLst>
+          </p:cNvPr>
+          <p:cNvPicPr>
+            <a:picLocks noChangeAspect="1"/>
+          </p:cNvPicPr>
+          <p:nvPr/>
+        </p:nvPicPr>
+        <p:blipFill>
+          <a:blip r:embed="rId2"/>
+          <a:stretch>
+            <a:fillRect/>
+          </a:stretch>
+        </p:blipFill>
+        <p:spPr>
+          <a:xfrm>
+            <a:off x="6096001" y="2968205"/>
+            <a:ext cx="4038600" cy="3031982"/>
+          </a:xfrm>
+          <a:prstGeom prst="rect">
+            <a:avLst/>
+          </a:prstGeom>
+        </p:spPr>
+      </p:pic>
+      <p:pic>
+        <p:nvPicPr>
+          <p:cNvPr id="7" name="Picture 6" descr="A diagram of a circuit&#10;&#10;Description automatically generated">
+            <a:extLst>
+              <a:ext uri="{FF2B5EF4-FFF2-40B4-BE49-F238E27FC236}">
+                <a16:creationId xmlns:a16="http://schemas.microsoft.com/office/drawing/2014/main" id="{15EDB9CC-C608-DFE3-619B-4D3642E7C8CD}"/>
+              </a:ext>
+            </a:extLst>
+          </p:cNvPr>
+          <p:cNvPicPr>
+            <a:picLocks noChangeAspect="1"/>
+          </p:cNvPicPr>
+          <p:nvPr/>
+        </p:nvPicPr>
+        <p:blipFill rotWithShape="1">
+          <a:blip r:embed="rId3"/>
+          <a:srcRect l="10246" r="4646" b="7872"/>
+          <a:stretch/>
+        </p:blipFill>
+        <p:spPr>
+          <a:xfrm>
+            <a:off x="6096000" y="1127229"/>
+            <a:ext cx="3051687" cy="1799012"/>
+          </a:xfrm>
+          <a:prstGeom prst="rect">
+            <a:avLst/>
+          </a:prstGeom>
+        </p:spPr>
+      </p:pic>
+      <p:sp>
+        <p:nvSpPr>
+          <p:cNvPr id="4" name="Slide Number Placeholder 3">
+            <a:extLst>
+              <a:ext uri="{FF2B5EF4-FFF2-40B4-BE49-F238E27FC236}">
+                <a16:creationId xmlns:a16="http://schemas.microsoft.com/office/drawing/2014/main" id="{0C7400CF-B4EF-3DCB-7B09-74AF7451FD0E}"/>
+              </a:ext>
+            </a:extLst>
+          </p:cNvPr>
+          <p:cNvSpPr>
+            <a:spLocks noGrp="1"/>
+          </p:cNvSpPr>
+          <p:nvPr>
+            <p:ph type="sldNum" sz="quarter" idx="12"/>
+          </p:nvPr>
+        </p:nvSpPr>
+        <p:spPr/>
+        <p:txBody>
+          <a:bodyPr/>
+          <a:lstStyle/>
+          <a:p>
+            <a:fld id="{5F7CF730-DD63-8F4F-BD32-7D4A526072FB}" type="slidenum">
+              <a:rPr lang="en-VN"/>
+              <a:t>20</a:t>
+            </a:fld>
+            <a:endParaRPr lang="en-VN"/>
+          </a:p>
+        </p:txBody>
+      </p:sp>
+      <p:sp>
+        <p:nvSpPr>
+          <p:cNvPr id="13" name="TextBox 12">
+            <a:extLst>
+              <a:ext uri="{FF2B5EF4-FFF2-40B4-BE49-F238E27FC236}">
+                <a16:creationId xmlns:a16="http://schemas.microsoft.com/office/drawing/2014/main" id="{EF9BAD1F-FB70-37A1-B06D-01FD7959AD2F}"/>
+              </a:ext>
+            </a:extLst>
+          </p:cNvPr>
+          <p:cNvSpPr txBox="1"/>
+          <p:nvPr/>
+        </p:nvSpPr>
+        <p:spPr>
+          <a:xfrm>
+            <a:off x="5673272" y="1986328"/>
+            <a:ext cx="422728" cy="369332"/>
+          </a:xfrm>
+          <a:prstGeom prst="rect">
+            <a:avLst/>
+          </a:prstGeom>
+          <a:noFill/>
+        </p:spPr>
+        <p:txBody>
+          <a:bodyPr wrap="square" rtlCol="0">
+            <a:spAutoFit/>
+          </a:bodyPr>
+          <a:lstStyle/>
+          <a:p>
+            <a:r>
+              <a:rPr lang="en-VN"/>
+              <a:t>a)</a:t>
+            </a:r>
+          </a:p>
+        </p:txBody>
+      </p:sp>
+      <p:sp>
+        <p:nvSpPr>
+          <p:cNvPr id="14" name="TextBox 13">
+            <a:extLst>
+              <a:ext uri="{FF2B5EF4-FFF2-40B4-BE49-F238E27FC236}">
+                <a16:creationId xmlns:a16="http://schemas.microsoft.com/office/drawing/2014/main" id="{244DDDB0-C2B4-AE94-32F1-BF6DFB925534}"/>
+              </a:ext>
+            </a:extLst>
+          </p:cNvPr>
+          <p:cNvSpPr txBox="1"/>
+          <p:nvPr/>
+        </p:nvSpPr>
+        <p:spPr>
+          <a:xfrm>
+            <a:off x="5673272" y="4133009"/>
+            <a:ext cx="422728" cy="369332"/>
+          </a:xfrm>
+          <a:prstGeom prst="rect">
+            <a:avLst/>
+          </a:prstGeom>
+          <a:noFill/>
+        </p:spPr>
+        <p:txBody>
+          <a:bodyPr wrap="square" rtlCol="0">
+            <a:spAutoFit/>
+          </a:bodyPr>
+          <a:lstStyle/>
+          <a:p>
+            <a:r>
+              <a:rPr lang="en-VN"/>
+              <a:t>b)</a:t>
+            </a:r>
+          </a:p>
+        </p:txBody>
+      </p:sp>
+    </p:spTree>
+    <p:extLst>
+      <p:ext uri="{BB962C8B-B14F-4D97-AF65-F5344CB8AC3E}">
+        <p14:creationId xmlns:p14="http://schemas.microsoft.com/office/powerpoint/2010/main" val="4113517149"/>
+      </p:ext>
+    </p:extLst>
+  </p:cSld>
+  <p:clrMapOvr>
+    <a:masterClrMapping/>
+  </p:clrMapOvr>
+</p:sld>
+</file>
+
+<file path=ppt/slides/slide21.xml><?xml version="1.0" encoding="utf-8"?>
+<p:sld xmlns:a="http://schemas.openxmlformats.org/drawingml/2006/main" xmlns:r="http://schemas.openxmlformats.org/officeDocument/2006/relationships" xmlns:p="http://schemas.openxmlformats.org/presentationml/2006/main">
+  <p:cSld>
+    <p:spTree>
+      <p:nvGrpSpPr>
+        <p:cNvPr id="1" name=""/>
+        <p:cNvGrpSpPr/>
+        <p:nvPr/>
+      </p:nvGrpSpPr>
+      <p:grpSpPr>
+        <a:xfrm>
+          <a:off x="0" y="0"/>
+          <a:ext cx="0" cy="0"/>
+          <a:chOff x="0" y="0"/>
+          <a:chExt cx="0" cy="0"/>
+        </a:xfrm>
+      </p:grpSpPr>
+      <mc:AlternateContent xmlns:mc="http://schemas.openxmlformats.org/markup-compatibility/2006" xmlns:a14="http://schemas.microsoft.com/office/drawing/2010/main">
+        <mc:Choice Requires="a14">
+          <p:sp>
+            <p:nvSpPr>
+              <p:cNvPr id="2" name="Title 1">
+                <a:extLst>
+                  <a:ext uri="{FF2B5EF4-FFF2-40B4-BE49-F238E27FC236}">
+                    <a16:creationId xmlns:a16="http://schemas.microsoft.com/office/drawing/2014/main" id="{825FF7C2-0098-E92E-D502-CD726FF3A610}"/>
+                  </a:ext>
+                </a:extLst>
+              </p:cNvPr>
+              <p:cNvSpPr>
+                <a:spLocks noGrp="1"/>
+              </p:cNvSpPr>
+              <p:nvPr>
+                <p:ph type="title"/>
+              </p:nvPr>
+            </p:nvSpPr>
+            <p:spPr/>
+            <p:txBody>
+              <a:bodyPr>
+                <a:normAutofit/>
+              </a:bodyPr>
+              <a:lstStyle/>
+              <a:p>
+                <a:pPr marL="0" indent="0">
+                  <a:buNone/>
+                </a:pPr>
+                <a:r>
+                  <a:rPr lang="en-VN"/>
+                  <a:t>Result: Testing for finding </a:t>
+                </a:r>
+                <a14:m>
+                  <m:oMath xmlns:m="http://schemas.openxmlformats.org/officeDocument/2006/math">
+                    <m:sSub>
+                      <m:sSubPr>
+                        <m:ctrlPr>
+                          <a:rPr lang="vi-VN" b="0" i="1">
+                            <a:latin typeface="Cambria Math" panose="02040503050406030204" pitchFamily="18" charset="0"/>
+                          </a:rPr>
+                        </m:ctrlPr>
+                      </m:sSubPr>
+                      <m:e>
+                        <m:r>
+                          <m:rPr>
+                            <m:sty m:val="p"/>
+                          </m:rPr>
+                          <a:rPr lang="en-VN" i="1">
+                            <a:latin typeface="Cambria Math" panose="02040503050406030204" pitchFamily="18" charset="0"/>
+                          </a:rPr>
+                          <m:t>U</m:t>
+                        </m:r>
+                      </m:e>
+                      <m:sub>
+                        <m:r>
+                          <m:rPr>
+                            <m:sty m:val="p"/>
+                          </m:rPr>
+                          <a:rPr lang="vi-VN" i="1">
+                            <a:latin typeface="Cambria Math" panose="02040503050406030204" pitchFamily="18" charset="0"/>
+                          </a:rPr>
+                          <m:t>haar</m:t>
+                        </m:r>
+                      </m:sub>
+                    </m:sSub>
+                  </m:oMath>
+                </a14:m>
+                <a:r>
+                  <a:rPr lang="en-VN"/>
+                  <a:t> circuit</a:t>
+                </a:r>
+              </a:p>
+            </p:txBody>
+          </p:sp>
+        </mc:Choice>
+        <mc:Fallback xmlns="">
+          <p:sp>
+            <p:nvSpPr>
+              <p:cNvPr id="2" name="Title 1">
+                <a:extLst>
+                  <a:ext uri="{FF2B5EF4-FFF2-40B4-BE49-F238E27FC236}">
+                    <a16:creationId xmlns:a16="http://schemas.microsoft.com/office/drawing/2014/main" id="{825FF7C2-0098-E92E-D502-CD726FF3A610}"/>
+                  </a:ext>
+                </a:extLst>
+              </p:cNvPr>
+              <p:cNvSpPr>
+                <a:spLocks noGrp="1" noRot="1" noChangeAspect="1" noMove="1" noResize="1" noEditPoints="1" noAdjustHandles="1" noChangeArrowheads="1" noChangeShapeType="1" noTextEdit="1"/>
+              </p:cNvSpPr>
+              <p:nvPr>
+                <p:ph type="title"/>
+              </p:nvPr>
+            </p:nvSpPr>
+            <p:spPr>
+              <a:blipFill>
+                <a:blip r:embed="rId2"/>
+                <a:stretch>
+                  <a:fillRect l="-2413"/>
+                </a:stretch>
+              </a:blipFill>
+            </p:spPr>
+            <p:txBody>
+              <a:bodyPr/>
+              <a:lstStyle/>
+              <a:p>
+                <a:r>
+                  <a:rPr lang="en-VN">
+                    <a:noFill/>
+                  </a:rPr>
+                  <a:t> </a:t>
+                </a:r>
+              </a:p>
+            </p:txBody>
+          </p:sp>
+        </mc:Fallback>
+      </mc:AlternateContent>
+      <p:sp>
+        <p:nvSpPr>
+          <p:cNvPr id="9" name="TextBox 8">
+            <a:extLst>
+              <a:ext uri="{FF2B5EF4-FFF2-40B4-BE49-F238E27FC236}">
+                <a16:creationId xmlns:a16="http://schemas.microsoft.com/office/drawing/2014/main" id="{5B44B19E-EC5D-B3BB-4EF0-EAA02FD4F212}"/>
+              </a:ext>
+            </a:extLst>
+          </p:cNvPr>
+          <p:cNvSpPr txBox="1"/>
+          <p:nvPr/>
+        </p:nvSpPr>
+        <p:spPr>
+          <a:xfrm>
+            <a:off x="415472" y="1878697"/>
+            <a:ext cx="422728" cy="369332"/>
+          </a:xfrm>
+          <a:prstGeom prst="rect">
+            <a:avLst/>
+          </a:prstGeom>
+          <a:noFill/>
+        </p:spPr>
+        <p:txBody>
+          <a:bodyPr wrap="square" rtlCol="0">
+            <a:spAutoFit/>
+          </a:bodyPr>
+          <a:lstStyle/>
+          <a:p>
+            <a:r>
+              <a:rPr lang="en-VN"/>
+              <a:t>a)</a:t>
+            </a:r>
+          </a:p>
+        </p:txBody>
+      </p:sp>
+      <p:sp>
+        <p:nvSpPr>
+          <p:cNvPr id="4" name="Slide Number Placeholder 3">
+            <a:extLst>
+              <a:ext uri="{FF2B5EF4-FFF2-40B4-BE49-F238E27FC236}">
+                <a16:creationId xmlns:a16="http://schemas.microsoft.com/office/drawing/2014/main" id="{0C7400CF-B4EF-3DCB-7B09-74AF7451FD0E}"/>
+              </a:ext>
+            </a:extLst>
+          </p:cNvPr>
+          <p:cNvSpPr>
+            <a:spLocks noGrp="1"/>
+          </p:cNvSpPr>
+          <p:nvPr>
+            <p:ph type="sldNum" sz="quarter" idx="12"/>
+          </p:nvPr>
+        </p:nvSpPr>
+        <p:spPr/>
+        <p:txBody>
+          <a:bodyPr/>
+          <a:lstStyle/>
+          <a:p>
+            <a:fld id="{5F7CF730-DD63-8F4F-BD32-7D4A526072FB}" type="slidenum">
+              <a:rPr lang="en-VN"/>
+              <a:t>21</a:t>
+            </a:fld>
+            <a:endParaRPr lang="en-VN"/>
+          </a:p>
+        </p:txBody>
+      </p:sp>
+      <p:pic>
+        <p:nvPicPr>
+          <p:cNvPr id="10" name="Picture 9">
+            <a:extLst>
+              <a:ext uri="{FF2B5EF4-FFF2-40B4-BE49-F238E27FC236}">
+                <a16:creationId xmlns:a16="http://schemas.microsoft.com/office/drawing/2014/main" id="{AE35C74C-BDCC-816D-9D72-C47B57E1C801}"/>
+              </a:ext>
+            </a:extLst>
+          </p:cNvPr>
+          <p:cNvPicPr>
+            <a:picLocks noChangeAspect="1"/>
+          </p:cNvPicPr>
+          <p:nvPr/>
+        </p:nvPicPr>
+        <p:blipFill rotWithShape="1">
+          <a:blip r:embed="rId3"/>
+          <a:srcRect b="49550"/>
+          <a:stretch/>
+        </p:blipFill>
+        <p:spPr>
+          <a:xfrm>
+            <a:off x="816429" y="1642014"/>
+            <a:ext cx="5715593" cy="823851"/>
+          </a:xfrm>
+          <a:prstGeom prst="rect">
+            <a:avLst/>
+          </a:prstGeom>
+        </p:spPr>
+      </p:pic>
+      <p:pic>
+        <p:nvPicPr>
+          <p:cNvPr id="11" name="Picture 10">
+            <a:extLst>
+              <a:ext uri="{FF2B5EF4-FFF2-40B4-BE49-F238E27FC236}">
+                <a16:creationId xmlns:a16="http://schemas.microsoft.com/office/drawing/2014/main" id="{B86100C0-5F0D-225B-39AD-D15273E6BCC4}"/>
+              </a:ext>
+            </a:extLst>
+          </p:cNvPr>
+          <p:cNvPicPr>
+            <a:picLocks noChangeAspect="1"/>
+          </p:cNvPicPr>
+          <p:nvPr/>
+        </p:nvPicPr>
+        <p:blipFill rotWithShape="1">
+          <a:blip r:embed="rId4"/>
+          <a:srcRect b="24537"/>
+          <a:stretch/>
+        </p:blipFill>
+        <p:spPr>
+          <a:xfrm>
+            <a:off x="564831" y="2363888"/>
+            <a:ext cx="6978974" cy="1799191"/>
+          </a:xfrm>
+          <a:prstGeom prst="rect">
+            <a:avLst/>
+          </a:prstGeom>
+        </p:spPr>
+      </p:pic>
+      <p:pic>
+        <p:nvPicPr>
+          <p:cNvPr id="12" name="Picture 11">
+            <a:extLst>
+              <a:ext uri="{FF2B5EF4-FFF2-40B4-BE49-F238E27FC236}">
+                <a16:creationId xmlns:a16="http://schemas.microsoft.com/office/drawing/2014/main" id="{41D05D88-768B-E103-A184-4D482EA22299}"/>
+              </a:ext>
+            </a:extLst>
+          </p:cNvPr>
+          <p:cNvPicPr>
+            <a:picLocks noChangeAspect="1"/>
+          </p:cNvPicPr>
+          <p:nvPr/>
+        </p:nvPicPr>
+        <p:blipFill>
+          <a:blip r:embed="rId5"/>
+          <a:stretch>
+            <a:fillRect/>
+          </a:stretch>
+        </p:blipFill>
+        <p:spPr>
+          <a:xfrm>
+            <a:off x="712960" y="4226081"/>
+            <a:ext cx="6682717" cy="1392720"/>
+          </a:xfrm>
+          <a:prstGeom prst="rect">
+            <a:avLst/>
+          </a:prstGeom>
+        </p:spPr>
+      </p:pic>
+      <p:pic>
+        <p:nvPicPr>
+          <p:cNvPr id="13" name="Picture 12">
+            <a:extLst>
+              <a:ext uri="{FF2B5EF4-FFF2-40B4-BE49-F238E27FC236}">
+                <a16:creationId xmlns:a16="http://schemas.microsoft.com/office/drawing/2014/main" id="{B42B3CCC-0C6A-C52A-8976-DB344DFC0184}"/>
+              </a:ext>
+            </a:extLst>
+          </p:cNvPr>
+          <p:cNvPicPr>
+            <a:picLocks noChangeAspect="1"/>
+          </p:cNvPicPr>
+          <p:nvPr/>
+        </p:nvPicPr>
+        <p:blipFill rotWithShape="1">
+          <a:blip r:embed="rId3"/>
+          <a:srcRect l="6295" t="56825"/>
+          <a:stretch/>
+        </p:blipFill>
+        <p:spPr>
+          <a:xfrm>
+            <a:off x="6444937" y="1723184"/>
+            <a:ext cx="5355772" cy="705053"/>
+          </a:xfrm>
+          <a:prstGeom prst="rect">
+            <a:avLst/>
+          </a:prstGeom>
+        </p:spPr>
+      </p:pic>
+      <p:pic>
+        <p:nvPicPr>
+          <p:cNvPr id="16" name="Picture 15">
+            <a:extLst>
+              <a:ext uri="{FF2B5EF4-FFF2-40B4-BE49-F238E27FC236}">
+                <a16:creationId xmlns:a16="http://schemas.microsoft.com/office/drawing/2014/main" id="{A8A7A07F-D00C-BBBB-A232-C516F379D1E6}"/>
+              </a:ext>
+            </a:extLst>
+          </p:cNvPr>
+          <p:cNvPicPr>
+            <a:picLocks noChangeAspect="1"/>
+          </p:cNvPicPr>
+          <p:nvPr/>
+        </p:nvPicPr>
+        <p:blipFill>
+          <a:blip r:embed="rId6"/>
+          <a:stretch>
+            <a:fillRect/>
+          </a:stretch>
+        </p:blipFill>
+        <p:spPr>
+          <a:xfrm>
+            <a:off x="7602519" y="2450936"/>
+            <a:ext cx="4198190" cy="3167865"/>
+          </a:xfrm>
+          <a:prstGeom prst="rect">
+            <a:avLst/>
+          </a:prstGeom>
+        </p:spPr>
+      </p:pic>
+      <p:sp>
+        <p:nvSpPr>
+          <p:cNvPr id="21" name="TextBox 20">
+            <a:extLst>
+              <a:ext uri="{FF2B5EF4-FFF2-40B4-BE49-F238E27FC236}">
+                <a16:creationId xmlns:a16="http://schemas.microsoft.com/office/drawing/2014/main" id="{E04D924F-9C8D-6843-88C7-E3FC9B6EBA1D}"/>
+              </a:ext>
+            </a:extLst>
+          </p:cNvPr>
+          <p:cNvSpPr txBox="1"/>
+          <p:nvPr/>
+        </p:nvSpPr>
+        <p:spPr>
+          <a:xfrm>
+            <a:off x="415472" y="3136703"/>
+            <a:ext cx="422728" cy="369332"/>
+          </a:xfrm>
+          <a:prstGeom prst="rect">
+            <a:avLst/>
+          </a:prstGeom>
+          <a:noFill/>
+        </p:spPr>
+        <p:txBody>
+          <a:bodyPr wrap="square" rtlCol="0">
+            <a:spAutoFit/>
+          </a:bodyPr>
+          <a:lstStyle/>
+          <a:p>
+            <a:r>
+              <a:rPr lang="en-VN"/>
+              <a:t>b)</a:t>
+            </a:r>
+          </a:p>
+        </p:txBody>
+      </p:sp>
+      <p:sp>
+        <p:nvSpPr>
+          <p:cNvPr id="22" name="TextBox 21">
+            <a:extLst>
+              <a:ext uri="{FF2B5EF4-FFF2-40B4-BE49-F238E27FC236}">
+                <a16:creationId xmlns:a16="http://schemas.microsoft.com/office/drawing/2014/main" id="{40CE7CFF-F2B3-170A-63A3-B5780D928874}"/>
+              </a:ext>
+            </a:extLst>
+          </p:cNvPr>
+          <p:cNvSpPr txBox="1"/>
+          <p:nvPr/>
+        </p:nvSpPr>
+        <p:spPr>
+          <a:xfrm>
+            <a:off x="415472" y="4751228"/>
+            <a:ext cx="422728" cy="369332"/>
+          </a:xfrm>
+          <a:prstGeom prst="rect">
+            <a:avLst/>
+          </a:prstGeom>
+          <a:noFill/>
+        </p:spPr>
+        <p:txBody>
+          <a:bodyPr wrap="square" rtlCol="0">
+            <a:spAutoFit/>
+          </a:bodyPr>
+          <a:lstStyle/>
+          <a:p>
+            <a:r>
+              <a:rPr lang="en-VN"/>
+              <a:t>c)</a:t>
+            </a:r>
+          </a:p>
+        </p:txBody>
+      </p:sp>
+      <p:sp>
+        <p:nvSpPr>
+          <p:cNvPr id="23" name="TextBox 22">
+            <a:extLst>
+              <a:ext uri="{FF2B5EF4-FFF2-40B4-BE49-F238E27FC236}">
+                <a16:creationId xmlns:a16="http://schemas.microsoft.com/office/drawing/2014/main" id="{612B2CC9-5E23-8491-30FB-F68D9CA76142}"/>
+              </a:ext>
+            </a:extLst>
+          </p:cNvPr>
+          <p:cNvSpPr txBox="1"/>
+          <p:nvPr/>
+        </p:nvSpPr>
+        <p:spPr>
+          <a:xfrm>
+            <a:off x="11353800" y="3107278"/>
+            <a:ext cx="422728" cy="369332"/>
+          </a:xfrm>
+          <a:prstGeom prst="rect">
+            <a:avLst/>
+          </a:prstGeom>
+          <a:noFill/>
+        </p:spPr>
+        <p:txBody>
+          <a:bodyPr wrap="square" rtlCol="0">
+            <a:spAutoFit/>
+          </a:bodyPr>
+          <a:lstStyle/>
+          <a:p>
+            <a:r>
+              <a:rPr lang="en-VN"/>
+              <a:t>d)</a:t>
+            </a:r>
+          </a:p>
+        </p:txBody>
+      </p:sp>
+    </p:spTree>
+    <p:extLst>
+      <p:ext uri="{BB962C8B-B14F-4D97-AF65-F5344CB8AC3E}">
+        <p14:creationId xmlns:p14="http://schemas.microsoft.com/office/powerpoint/2010/main" val="810742787"/>
+      </p:ext>
+    </p:extLst>
+  </p:cSld>
+  <p:clrMapOvr>
+    <a:masterClrMapping/>
+  </p:clrMapOvr>
+</p:sld>
+</file>
+
+<file path=ppt/slides/slide22.xml><?xml version="1.0" encoding="utf-8"?>
+<p:sld xmlns:a="http://schemas.openxmlformats.org/drawingml/2006/main" xmlns:r="http://schemas.openxmlformats.org/officeDocument/2006/relationships" xmlns:p="http://schemas.openxmlformats.org/presentationml/2006/main">
+  <p:cSld>
+    <p:spTree>
+      <p:nvGrpSpPr>
+        <p:cNvPr id="1" name=""/>
+        <p:cNvGrpSpPr/>
+        <p:nvPr/>
+      </p:nvGrpSpPr>
+      <p:grpSpPr>
+        <a:xfrm>
+          <a:off x="0" y="0"/>
+          <a:ext cx="0" cy="0"/>
+          <a:chOff x="0" y="0"/>
+          <a:chExt cx="0" cy="0"/>
+        </a:xfrm>
+      </p:grpSpPr>
+      <p:sp>
+        <p:nvSpPr>
+          <p:cNvPr id="2" name="Title 1">
+            <a:extLst>
+              <a:ext uri="{FF2B5EF4-FFF2-40B4-BE49-F238E27FC236}">
+                <a16:creationId xmlns:a16="http://schemas.microsoft.com/office/drawing/2014/main" id="{C04BC94A-3018-7EA6-D254-65C8DDA1FCCC}"/>
+              </a:ext>
+            </a:extLst>
+          </p:cNvPr>
+          <p:cNvSpPr>
+            <a:spLocks noGrp="1"/>
+          </p:cNvSpPr>
+          <p:nvPr>
+            <p:ph type="title"/>
+          </p:nvPr>
+        </p:nvSpPr>
+        <p:spPr/>
+        <p:txBody>
+          <a:bodyPr/>
+          <a:lstStyle/>
+          <a:p>
+            <a:r>
+              <a:rPr lang="en-VN"/>
+              <a:t>Next step: dynamic cross-over</a:t>
+            </a:r>
+          </a:p>
+        </p:txBody>
+      </p:sp>
+      <p:sp>
+        <p:nvSpPr>
+          <p:cNvPr id="4" name="Slide Number Placeholder 3">
+            <a:extLst>
+              <a:ext uri="{FF2B5EF4-FFF2-40B4-BE49-F238E27FC236}">
+                <a16:creationId xmlns:a16="http://schemas.microsoft.com/office/drawing/2014/main" id="{9B0F54B1-9276-840F-9F5C-BC41967E90B7}"/>
+              </a:ext>
+            </a:extLst>
+          </p:cNvPr>
+          <p:cNvSpPr>
+            <a:spLocks noGrp="1"/>
+          </p:cNvSpPr>
+          <p:nvPr>
+            <p:ph type="sldNum" sz="quarter" idx="12"/>
+          </p:nvPr>
+        </p:nvSpPr>
+        <p:spPr/>
+        <p:txBody>
+          <a:bodyPr/>
+          <a:lstStyle/>
+          <a:p>
+            <a:fld id="{5F7CF730-DD63-8F4F-BD32-7D4A526072FB}" type="slidenum">
+              <a:rPr lang="en-VN"/>
+              <a:t>22</a:t>
+            </a:fld>
+            <a:endParaRPr lang="en-VN"/>
+          </a:p>
+        </p:txBody>
+      </p:sp>
+      <p:pic>
+        <p:nvPicPr>
+          <p:cNvPr id="23" name="Picture 22">
+            <a:extLst>
+              <a:ext uri="{FF2B5EF4-FFF2-40B4-BE49-F238E27FC236}">
+                <a16:creationId xmlns:a16="http://schemas.microsoft.com/office/drawing/2014/main" id="{9DBD841C-372B-3F5F-3AF6-902E3FE89E62}"/>
+              </a:ext>
+            </a:extLst>
+          </p:cNvPr>
+          <p:cNvPicPr>
+            <a:picLocks noChangeAspect="1"/>
+          </p:cNvPicPr>
+          <p:nvPr/>
+        </p:nvPicPr>
+        <p:blipFill rotWithShape="1">
+          <a:blip r:embed="rId2"/>
+          <a:srcRect l="9407"/>
+          <a:stretch/>
+        </p:blipFill>
+        <p:spPr>
+          <a:xfrm>
+            <a:off x="838200" y="1369322"/>
+            <a:ext cx="4766522" cy="1838344"/>
+          </a:xfrm>
+          <a:prstGeom prst="rect">
+            <a:avLst/>
+          </a:prstGeom>
+        </p:spPr>
+      </p:pic>
+      <p:pic>
+        <p:nvPicPr>
+          <p:cNvPr id="24" name="Picture 23">
+            <a:extLst>
+              <a:ext uri="{FF2B5EF4-FFF2-40B4-BE49-F238E27FC236}">
+                <a16:creationId xmlns:a16="http://schemas.microsoft.com/office/drawing/2014/main" id="{423443F9-3DAE-8DDB-65A1-87E7BD251CA6}"/>
+              </a:ext>
+            </a:extLst>
+          </p:cNvPr>
+          <p:cNvPicPr>
+            <a:picLocks noChangeAspect="1"/>
+          </p:cNvPicPr>
+          <p:nvPr/>
+        </p:nvPicPr>
+        <p:blipFill rotWithShape="1">
+          <a:blip r:embed="rId3"/>
+          <a:srcRect l="8827"/>
+          <a:stretch/>
+        </p:blipFill>
+        <p:spPr>
+          <a:xfrm>
+            <a:off x="5753046" y="1369322"/>
+            <a:ext cx="4534872" cy="1737873"/>
+          </a:xfrm>
+          <a:prstGeom prst="rect">
+            <a:avLst/>
+          </a:prstGeom>
+        </p:spPr>
+      </p:pic>
+      <mc:AlternateContent xmlns:mc="http://schemas.openxmlformats.org/markup-compatibility/2006">
+        <mc:Choice xmlns:a14="http://schemas.microsoft.com/office/drawing/2010/main" Requires="a14">
+          <p:sp>
+            <p:nvSpPr>
+              <p:cNvPr id="25" name="TextBox 24">
+                <a:extLst>
+                  <a:ext uri="{FF2B5EF4-FFF2-40B4-BE49-F238E27FC236}">
+                    <a16:creationId xmlns:a16="http://schemas.microsoft.com/office/drawing/2014/main" id="{198D42D9-8AB3-8B81-FFD2-EFEFEAF13958}"/>
+                  </a:ext>
+                </a:extLst>
+              </p:cNvPr>
+              <p:cNvSpPr txBox="1"/>
+              <p:nvPr/>
+            </p:nvSpPr>
+            <p:spPr>
+              <a:xfrm>
+                <a:off x="7590503" y="3432960"/>
+                <a:ext cx="3843575" cy="703206"/>
+              </a:xfrm>
+              <a:prstGeom prst="rect">
+                <a:avLst/>
+              </a:prstGeom>
+              <a:noFill/>
+            </p:spPr>
+            <p:txBody>
+              <a:bodyPr wrap="square" rtlCol="0">
+                <a:spAutoFit/>
+              </a:bodyPr>
+              <a:lstStyle/>
+              <a:p>
+                <a14:m>
+                  <m:oMathPara xmlns:m="http://schemas.openxmlformats.org/officeDocument/2006/math">
+                    <m:oMathParaPr>
+                      <m:jc m:val="centerGroup"/>
+                    </m:oMathParaPr>
+                    <m:oMath xmlns:m="http://schemas.openxmlformats.org/officeDocument/2006/math">
+                      <m:r>
+                        <m:rPr>
+                          <m:sty m:val="p"/>
+                        </m:rPr>
+                        <a:rPr lang="en-VN" i="1">
+                          <a:latin typeface="Cambria Math" panose="02040503050406030204" pitchFamily="18" charset="0"/>
+                        </a:rPr>
+                        <m:t>Strength</m:t>
+                      </m:r>
+                      <m:r>
+                        <a:rPr lang="vi-VN" b="0" i="1">
+                          <a:latin typeface="Cambria Math" panose="02040503050406030204" pitchFamily="18" charset="0"/>
+                        </a:rPr>
+                        <m:t> </m:t>
+                      </m:r>
+                      <m:r>
+                        <m:rPr>
+                          <m:sty m:val="p"/>
+                        </m:rPr>
+                        <a:rPr lang="vi-VN" i="1">
+                          <a:latin typeface="Cambria Math" panose="02040503050406030204" pitchFamily="18" charset="0"/>
+                        </a:rPr>
+                        <m:t>point</m:t>
+                      </m:r>
+                      <m:r>
+                        <a:rPr lang="vi-VN" b="0" i="1">
+                          <a:latin typeface="Cambria Math" panose="02040503050406030204" pitchFamily="18" charset="0"/>
+                        </a:rPr>
+                        <m:t>(</m:t>
+                      </m:r>
+                      <m:sSub>
+                        <m:sSubPr>
+                          <m:ctrlPr>
+                            <a:rPr lang="vi-VN" b="0" i="1">
+                              <a:latin typeface="Cambria Math" panose="02040503050406030204" pitchFamily="18" charset="0"/>
+                            </a:rPr>
+                          </m:ctrlPr>
+                        </m:sSubPr>
+                        <m:e>
+                          <m:r>
+                            <m:rPr>
+                              <m:sty m:val="p"/>
+                            </m:rPr>
+                            <a:rPr lang="vi-VN" i="1">
+                              <a:latin typeface="Cambria Math" panose="02040503050406030204" pitchFamily="18" charset="0"/>
+                            </a:rPr>
+                            <m:t>x</m:t>
+                          </m:r>
+                        </m:e>
+                        <m:sub>
+                          <m:r>
+                            <m:rPr>
+                              <m:sty m:val="p"/>
+                            </m:rPr>
+                            <a:rPr lang="vi-VN" i="1">
+                              <a:latin typeface="Cambria Math" panose="02040503050406030204" pitchFamily="18" charset="0"/>
+                            </a:rPr>
+                            <m:t>j</m:t>
+                          </m:r>
+                        </m:sub>
+                      </m:sSub>
+                      <m:r>
+                        <a:rPr lang="vi-VN" b="0" i="1">
+                          <a:latin typeface="Cambria Math" panose="02040503050406030204" pitchFamily="18" charset="0"/>
+                        </a:rPr>
+                        <m:t>, </m:t>
+                      </m:r>
+                      <m:r>
+                        <m:rPr>
+                          <m:sty m:val="p"/>
+                        </m:rPr>
+                        <a:rPr lang="vi-VN" i="1">
+                          <a:latin typeface="Cambria Math" panose="02040503050406030204" pitchFamily="18" charset="0"/>
+                        </a:rPr>
+                        <m:t>xs</m:t>
+                      </m:r>
+                      <m:r>
+                        <a:rPr lang="vi-VN" b="0" i="1">
+                          <a:latin typeface="Cambria Math" panose="02040503050406030204" pitchFamily="18" charset="0"/>
+                        </a:rPr>
+                        <m:t>)=1+</m:t>
+                      </m:r>
+                      <m:f>
+                        <m:fPr>
+                          <m:ctrlPr>
+                            <a:rPr lang="vi-VN" b="0" i="1">
+                              <a:latin typeface="Cambria Math" panose="02040503050406030204" pitchFamily="18" charset="0"/>
+                            </a:rPr>
+                          </m:ctrlPr>
+                        </m:fPr>
+                        <m:num>
+                          <m:sSup>
+                            <m:sSupPr>
+                              <m:ctrlPr>
+                                <a:rPr lang="vi-VN" b="0" i="1">
+                                  <a:latin typeface="Cambria Math" panose="02040503050406030204" pitchFamily="18" charset="0"/>
+                                </a:rPr>
+                              </m:ctrlPr>
+                            </m:sSupPr>
+                            <m:e>
+                              <m:r>
+                                <m:rPr>
+                                  <m:sty m:val="p"/>
+                                </m:rPr>
+                                <a:rPr lang="vi-VN" i="1">
+                                  <a:latin typeface="Cambria Math" panose="02040503050406030204" pitchFamily="18" charset="0"/>
+                                </a:rPr>
+                                <m:t>e</m:t>
+                              </m:r>
+                            </m:e>
+                            <m:sup>
+                              <m:sSub>
+                                <m:sSubPr>
+                                  <m:ctrlPr>
+                                    <a:rPr lang="vi-VN" b="0" i="1">
+                                      <a:latin typeface="Cambria Math" panose="02040503050406030204" pitchFamily="18" charset="0"/>
+                                    </a:rPr>
+                                  </m:ctrlPr>
+                                </m:sSubPr>
+                                <m:e>
+                                  <m:r>
+                                    <m:rPr>
+                                      <m:sty m:val="p"/>
+                                    </m:rPr>
+                                    <a:rPr lang="vi-VN" i="1">
+                                      <a:latin typeface="Cambria Math" panose="02040503050406030204" pitchFamily="18" charset="0"/>
+                                    </a:rPr>
+                                    <m:t>x</m:t>
+                                  </m:r>
+                                </m:e>
+                                <m:sub>
+                                  <m:r>
+                                    <m:rPr>
+                                      <m:sty m:val="p"/>
+                                    </m:rPr>
+                                    <a:rPr lang="vi-VN" i="1">
+                                      <a:latin typeface="Cambria Math" panose="02040503050406030204" pitchFamily="18" charset="0"/>
+                                    </a:rPr>
+                                    <m:t>j</m:t>
+                                  </m:r>
+                                </m:sub>
+                              </m:sSub>
+                            </m:sup>
+                          </m:sSup>
+                        </m:num>
+                        <m:den>
+                          <m:nary>
+                            <m:naryPr>
+                              <m:chr m:val="∑"/>
+                              <m:subHide m:val="on"/>
+                              <m:supHide m:val="on"/>
+                              <m:ctrlPr>
+                                <a:rPr lang="vi-VN" i="1">
+                                  <a:latin typeface="Cambria Math" panose="02040503050406030204" pitchFamily="18" charset="0"/>
+                                </a:rPr>
+                              </m:ctrlPr>
+                            </m:naryPr>
+                            <m:sub/>
+                            <m:sup/>
+                            <m:e>
+                              <m:sSup>
+                                <m:sSupPr>
+                                  <m:ctrlPr>
+                                    <a:rPr lang="vi-VN" b="0" i="1">
+                                      <a:latin typeface="Cambria Math" panose="02040503050406030204" pitchFamily="18" charset="0"/>
+                                    </a:rPr>
+                                  </m:ctrlPr>
+                                </m:sSupPr>
+                                <m:e>
+                                  <m:r>
+                                    <m:rPr>
+                                      <m:sty m:val="p"/>
+                                    </m:rPr>
+                                    <a:rPr lang="vi-VN" i="1">
+                                      <a:latin typeface="Cambria Math" panose="02040503050406030204" pitchFamily="18" charset="0"/>
+                                    </a:rPr>
+                                    <m:t>e</m:t>
+                                  </m:r>
+                                </m:e>
+                                <m:sup>
+                                  <m:sSub>
+                                    <m:sSubPr>
+                                      <m:ctrlPr>
+                                        <a:rPr lang="vi-VN" b="0" i="1">
+                                          <a:latin typeface="Cambria Math" panose="02040503050406030204" pitchFamily="18" charset="0"/>
+                                        </a:rPr>
+                                      </m:ctrlPr>
+                                    </m:sSubPr>
+                                    <m:e>
+                                      <m:r>
+                                        <m:rPr>
+                                          <m:sty m:val="p"/>
+                                        </m:rPr>
+                                        <a:rPr lang="vi-VN" i="1">
+                                          <a:latin typeface="Cambria Math" panose="02040503050406030204" pitchFamily="18" charset="0"/>
+                                        </a:rPr>
+                                        <m:t>x</m:t>
+                                      </m:r>
+                                    </m:e>
+                                    <m:sub>
+                                      <m:r>
+                                        <m:rPr>
+                                          <m:sty m:val="p"/>
+                                        </m:rPr>
+                                        <a:rPr lang="vi-VN" i="1">
+                                          <a:latin typeface="Cambria Math" panose="02040503050406030204" pitchFamily="18" charset="0"/>
+                                        </a:rPr>
+                                        <m:t>i</m:t>
+                                      </m:r>
+                                    </m:sub>
+                                  </m:sSub>
+                                </m:sup>
+                              </m:sSup>
+                            </m:e>
+                          </m:nary>
+                        </m:den>
+                      </m:f>
+                    </m:oMath>
+                  </m:oMathPara>
+                </a14:m>
+                <a:endParaRPr lang="en-VN"/>
+              </a:p>
+            </p:txBody>
+          </p:sp>
+        </mc:Choice>
+        <mc:Fallback>
+          <p:sp>
+            <p:nvSpPr>
+              <p:cNvPr id="25" name="TextBox 24">
+                <a:extLst>
+                  <a:ext uri="{FF2B5EF4-FFF2-40B4-BE49-F238E27FC236}">
+                    <a16:creationId xmlns:a16="http://schemas.microsoft.com/office/drawing/2014/main" id="{198D42D9-8AB3-8B81-FFD2-EFEFEAF13958}"/>
+                  </a:ext>
+                </a:extLst>
+              </p:cNvPr>
+              <p:cNvSpPr txBox="1">
+                <a:spLocks noRot="1" noChangeAspect="1" noMove="1" noResize="1" noEditPoints="1" noAdjustHandles="1" noChangeArrowheads="1" noChangeShapeType="1" noTextEdit="1"/>
+              </p:cNvSpPr>
+              <p:nvPr/>
+            </p:nvSpPr>
+            <p:spPr>
+              <a:xfrm>
+                <a:off x="7590503" y="3432960"/>
+                <a:ext cx="3843575" cy="703206"/>
+              </a:xfrm>
+              <a:prstGeom prst="rect">
+                <a:avLst/>
+              </a:prstGeom>
+              <a:blipFill>
+                <a:blip r:embed="rId4"/>
+                <a:stretch>
+                  <a:fillRect t="-14286" b="-87500"/>
+                </a:stretch>
+              </a:blipFill>
+            </p:spPr>
+            <p:txBody>
+              <a:bodyPr/>
+              <a:lstStyle/>
+              <a:p>
+                <a:r>
+                  <a:rPr lang="en-VN">
+                    <a:noFill/>
+                  </a:rPr>
+                  <a:t> </a:t>
+                </a:r>
+              </a:p>
+            </p:txBody>
+          </p:sp>
+        </mc:Fallback>
+      </mc:AlternateContent>
+      <mc:AlternateContent xmlns:mc="http://schemas.openxmlformats.org/markup-compatibility/2006">
+        <mc:Choice xmlns:a14="http://schemas.microsoft.com/office/drawing/2010/main" Requires="a14">
+          <p:sp>
+            <p:nvSpPr>
+              <p:cNvPr id="26" name="TextBox 25">
+                <a:extLst>
+                  <a:ext uri="{FF2B5EF4-FFF2-40B4-BE49-F238E27FC236}">
+                    <a16:creationId xmlns:a16="http://schemas.microsoft.com/office/drawing/2014/main" id="{4B9AC071-4EBB-F83C-6E06-EBB2DCCE3A16}"/>
+                  </a:ext>
+                </a:extLst>
+              </p:cNvPr>
+              <p:cNvSpPr txBox="1"/>
+              <p:nvPr/>
+            </p:nvSpPr>
+            <p:spPr>
+              <a:xfrm>
+                <a:off x="7806812" y="4136166"/>
+                <a:ext cx="3843575" cy="843821"/>
+              </a:xfrm>
+              <a:prstGeom prst="rect">
+                <a:avLst/>
+              </a:prstGeom>
+              <a:noFill/>
+            </p:spPr>
+            <p:txBody>
+              <a:bodyPr wrap="square" rtlCol="0">
+                <a:spAutoFit/>
+              </a:bodyPr>
+              <a:lstStyle/>
+              <a:p>
+                <a:r>
+                  <a:rPr lang="en-VN"/>
+                  <a:t>Where </a:t>
+                </a:r>
+                <a14:m>
+                  <m:oMath xmlns:m="http://schemas.openxmlformats.org/officeDocument/2006/math">
+                    <m:sSub>
+                      <m:sSubPr>
+                        <m:ctrlPr>
+                          <a:rPr lang="en-VN" i="1">
+                            <a:latin typeface="Cambria Math" panose="02040503050406030204" pitchFamily="18" charset="0"/>
+                          </a:rPr>
+                        </m:ctrlPr>
+                      </m:sSubPr>
+                      <m:e>
+                        <m:r>
+                          <a:rPr lang="en-VN" i="1">
+                            <a:latin typeface="Cambria Math" panose="02040503050406030204" pitchFamily="18" charset="0"/>
+                          </a:rPr>
+                          <m:t>𝑥</m:t>
+                        </m:r>
+                      </m:e>
+                      <m:sub>
+                        <m:r>
+                          <m:rPr>
+                            <m:sty m:val="p"/>
+                          </m:rPr>
+                          <a:rPr lang="en-VN" i="1">
+                            <a:latin typeface="Cambria Math" panose="02040503050406030204" pitchFamily="18" charset="0"/>
+                          </a:rPr>
+                          <m:t>i</m:t>
+                        </m:r>
+                      </m:sub>
+                    </m:sSub>
+                    <m:r>
+                      <a:rPr lang="vi-VN" b="0" i="1">
+                        <a:latin typeface="Cambria Math" panose="02040503050406030204" pitchFamily="18" charset="0"/>
+                      </a:rPr>
+                      <m:t>=</m:t>
+                    </m:r>
+                    <m:f>
+                      <m:fPr>
+                        <m:ctrlPr>
+                          <a:rPr lang="vi-VN" b="0" i="1">
+                            <a:latin typeface="Cambria Math" panose="02040503050406030204" pitchFamily="18" charset="0"/>
+                          </a:rPr>
+                        </m:ctrlPr>
+                      </m:fPr>
+                      <m:num>
+                        <m:sSubSup>
+                          <m:sSubSupPr>
+                            <m:ctrlPr>
+                              <a:rPr lang="vi-VN" b="0" i="1">
+                                <a:latin typeface="Cambria Math" panose="02040503050406030204" pitchFamily="18" charset="0"/>
+                              </a:rPr>
+                            </m:ctrlPr>
+                          </m:sSubSupPr>
+                          <m:e>
+                            <m:r>
+                              <m:rPr>
+                                <m:sty m:val="p"/>
+                              </m:rPr>
+                              <a:rPr lang="vi-VN" i="0">
+                                <a:latin typeface="Cambria Math" panose="02040503050406030204" pitchFamily="18" charset="0"/>
+                              </a:rPr>
+                              <m:t>finess</m:t>
+                            </m:r>
+                          </m:e>
+                          <m:sub>
+                            <m:r>
+                              <m:rPr>
+                                <m:sty m:val="p"/>
+                              </m:rPr>
+                              <a:rPr lang="vi-VN" i="1">
+                                <a:latin typeface="Cambria Math" panose="02040503050406030204" pitchFamily="18" charset="0"/>
+                              </a:rPr>
+                              <m:t>i</m:t>
+                            </m:r>
+                          </m:sub>
+                          <m:sup>
+                            <m:r>
+                              <a:rPr lang="vi-VN" b="0" i="1">
+                                <a:latin typeface="Cambria Math" panose="02040503050406030204" pitchFamily="18" charset="0"/>
+                              </a:rPr>
+                              <m:t>−1</m:t>
+                            </m:r>
+                          </m:sup>
+                        </m:sSubSup>
+                        <m:r>
+                          <a:rPr lang="vi-VN" b="0" i="1">
+                            <a:latin typeface="Cambria Math" panose="02040503050406030204" pitchFamily="18" charset="0"/>
+                          </a:rPr>
+                          <m:t>−</m:t>
+                        </m:r>
+                        <m:r>
+                          <m:rPr>
+                            <m:sty m:val="p"/>
+                          </m:rPr>
+                          <a:rPr lang="en-VN" i="1">
+                            <a:latin typeface="Cambria Math" panose="02040503050406030204" pitchFamily="18" charset="0"/>
+                          </a:rPr>
+                          <m:t>mean</m:t>
+                        </m:r>
+                        <m:r>
+                          <a:rPr lang="vi-VN" b="0" i="1">
+                            <a:latin typeface="Cambria Math" panose="02040503050406030204" pitchFamily="18" charset="0"/>
+                          </a:rPr>
+                          <m:t>(</m:t>
+                        </m:r>
+                        <m:sSup>
+                          <m:sSupPr>
+                            <m:ctrlPr>
+                              <a:rPr lang="vi-VN" b="0" i="1">
+                                <a:latin typeface="Cambria Math" panose="02040503050406030204" pitchFamily="18" charset="0"/>
+                              </a:rPr>
+                            </m:ctrlPr>
+                          </m:sSupPr>
+                          <m:e>
+                            <m:r>
+                              <m:rPr>
+                                <m:sty m:val="p"/>
+                              </m:rPr>
+                              <a:rPr lang="vi-VN" i="0">
+                                <a:latin typeface="Cambria Math" panose="02040503050406030204" pitchFamily="18" charset="0"/>
+                              </a:rPr>
+                              <m:t>fitness</m:t>
+                            </m:r>
+                          </m:e>
+                          <m:sup>
+                            <m:r>
+                              <a:rPr lang="vi-VN" b="0" i="1">
+                                <a:latin typeface="Cambria Math" panose="02040503050406030204" pitchFamily="18" charset="0"/>
+                              </a:rPr>
+                              <m:t>−1</m:t>
+                            </m:r>
+                          </m:sup>
+                        </m:sSup>
+                        <m:r>
+                          <a:rPr lang="vi-VN" b="0" i="1">
+                            <a:latin typeface="Cambria Math" panose="02040503050406030204" pitchFamily="18" charset="0"/>
+                          </a:rPr>
+                          <m:t>)</m:t>
+                        </m:r>
+                      </m:num>
+                      <m:den>
+                        <m:r>
+                          <m:rPr>
+                            <m:sty m:val="p"/>
+                          </m:rPr>
+                          <a:rPr lang="vi-VN" i="1">
+                            <a:latin typeface="Cambria Math" panose="02040503050406030204" pitchFamily="18" charset="0"/>
+                          </a:rPr>
+                          <m:t>var</m:t>
+                        </m:r>
+                        <m:r>
+                          <a:rPr lang="vi-VN" b="0" i="1">
+                            <a:latin typeface="Cambria Math" panose="02040503050406030204" pitchFamily="18" charset="0"/>
+                          </a:rPr>
+                          <m:t>(</m:t>
+                        </m:r>
+                        <m:sSup>
+                          <m:sSupPr>
+                            <m:ctrlPr>
+                              <a:rPr lang="vi-VN" i="1">
+                                <a:latin typeface="Cambria Math" panose="02040503050406030204" pitchFamily="18" charset="0"/>
+                              </a:rPr>
+                            </m:ctrlPr>
+                          </m:sSupPr>
+                          <m:e>
+                            <m:r>
+                              <m:rPr>
+                                <m:sty m:val="p"/>
+                              </m:rPr>
+                              <a:rPr lang="vi-VN">
+                                <a:latin typeface="Cambria Math" panose="02040503050406030204" pitchFamily="18" charset="0"/>
+                              </a:rPr>
+                              <m:t>fitness</m:t>
+                            </m:r>
+                          </m:e>
+                          <m:sup>
+                            <m:r>
+                              <a:rPr lang="vi-VN" i="1">
+                                <a:latin typeface="Cambria Math" panose="02040503050406030204" pitchFamily="18" charset="0"/>
+                              </a:rPr>
+                              <m:t>−1</m:t>
+                            </m:r>
+                          </m:sup>
+                        </m:sSup>
+                        <m:r>
+                          <a:rPr lang="vi-VN" b="0" i="1">
+                            <a:latin typeface="Cambria Math" panose="02040503050406030204" pitchFamily="18" charset="0"/>
+                          </a:rPr>
+                          <m:t>)</m:t>
+                        </m:r>
+                      </m:den>
+                    </m:f>
+                  </m:oMath>
+                </a14:m>
+                <a:endParaRPr lang="en-VN"/>
+              </a:p>
+              <a:p>
+                <a14:m>
+                  <m:oMath xmlns:m="http://schemas.openxmlformats.org/officeDocument/2006/math">
+                    <m:sSup>
+                      <m:sSupPr>
+                        <m:ctrlPr>
+                          <a:rPr lang="vi-VN" b="0" i="1">
+                            <a:latin typeface="Cambria Math" panose="02040503050406030204" pitchFamily="18" charset="0"/>
+                          </a:rPr>
+                        </m:ctrlPr>
+                      </m:sSupPr>
+                      <m:e>
+                        <m:r>
+                          <m:rPr>
+                            <m:sty m:val="p"/>
+                          </m:rPr>
+                          <a:rPr lang="en-VN" i="0">
+                            <a:latin typeface="Cambria Math" panose="02040503050406030204" pitchFamily="18" charset="0"/>
+                          </a:rPr>
+                          <m:t>fitness</m:t>
+                        </m:r>
+                      </m:e>
+                      <m:sup>
+                        <m:r>
+                          <a:rPr lang="vi-VN" b="0" i="1">
+                            <a:latin typeface="Cambria Math" panose="02040503050406030204" pitchFamily="18" charset="0"/>
+                          </a:rPr>
+                          <m:t>−1</m:t>
+                        </m:r>
+                      </m:sup>
+                    </m:sSup>
+                    <m:r>
+                      <a:rPr lang="vi-VN" b="0" i="1">
+                        <a:latin typeface="Cambria Math" panose="02040503050406030204" pitchFamily="18" charset="0"/>
+                      </a:rPr>
+                      <m:t>=1−</m:t>
+                    </m:r>
+                    <m:r>
+                      <m:rPr>
+                        <m:sty m:val="p"/>
+                      </m:rPr>
+                      <a:rPr lang="vi-VN" i="1">
+                        <a:latin typeface="Cambria Math" panose="02040503050406030204" pitchFamily="18" charset="0"/>
+                      </a:rPr>
+                      <m:t>fitness</m:t>
+                    </m:r>
+                  </m:oMath>
+                </a14:m>
+                <a:r>
+                  <a:rPr lang="en-VN"/>
+                  <a:t> </a:t>
+                </a:r>
+              </a:p>
+            </p:txBody>
+          </p:sp>
+        </mc:Choice>
+        <mc:Fallback>
+          <p:sp>
+            <p:nvSpPr>
+              <p:cNvPr id="26" name="TextBox 25">
+                <a:extLst>
+                  <a:ext uri="{FF2B5EF4-FFF2-40B4-BE49-F238E27FC236}">
+                    <a16:creationId xmlns:a16="http://schemas.microsoft.com/office/drawing/2014/main" id="{4B9AC071-4EBB-F83C-6E06-EBB2DCCE3A16}"/>
+                  </a:ext>
+                </a:extLst>
+              </p:cNvPr>
+              <p:cNvSpPr txBox="1">
+                <a:spLocks noRot="1" noChangeAspect="1" noMove="1" noResize="1" noEditPoints="1" noAdjustHandles="1" noChangeArrowheads="1" noChangeShapeType="1" noTextEdit="1"/>
+              </p:cNvSpPr>
+              <p:nvPr/>
+            </p:nvSpPr>
+            <p:spPr>
+              <a:xfrm>
+                <a:off x="7806812" y="4136166"/>
+                <a:ext cx="3843575" cy="843821"/>
+              </a:xfrm>
+              <a:prstGeom prst="rect">
+                <a:avLst/>
+              </a:prstGeom>
+              <a:blipFill>
+                <a:blip r:embed="rId5"/>
+                <a:stretch>
+                  <a:fillRect l="-1316"/>
+                </a:stretch>
+              </a:blipFill>
+            </p:spPr>
+            <p:txBody>
+              <a:bodyPr/>
+              <a:lstStyle/>
+              <a:p>
+                <a:r>
+                  <a:rPr lang="en-VN">
+                    <a:noFill/>
+                  </a:rPr>
+                  <a:t> </a:t>
+                </a:r>
+              </a:p>
+            </p:txBody>
+          </p:sp>
+        </mc:Fallback>
+      </mc:AlternateContent>
+      <p:pic>
+        <p:nvPicPr>
+          <p:cNvPr id="27" name="Picture 26">
+            <a:extLst>
+              <a:ext uri="{FF2B5EF4-FFF2-40B4-BE49-F238E27FC236}">
+                <a16:creationId xmlns:a16="http://schemas.microsoft.com/office/drawing/2014/main" id="{79F5EB6D-F080-1DFF-D8AE-E7560E6F4A53}"/>
+              </a:ext>
+            </a:extLst>
+          </p:cNvPr>
+          <p:cNvPicPr>
+            <a:picLocks noChangeAspect="1"/>
+          </p:cNvPicPr>
+          <p:nvPr/>
+        </p:nvPicPr>
+        <p:blipFill rotWithShape="1">
+          <a:blip r:embed="rId6"/>
+          <a:srcRect l="9407" t="17505"/>
+          <a:stretch/>
+        </p:blipFill>
+        <p:spPr>
+          <a:xfrm>
+            <a:off x="873209" y="3575723"/>
+            <a:ext cx="4766523" cy="1516536"/>
+          </a:xfrm>
+          <a:prstGeom prst="rect">
+            <a:avLst/>
+          </a:prstGeom>
+        </p:spPr>
+      </p:pic>
+      <p:sp>
+        <p:nvSpPr>
+          <p:cNvPr id="28" name="TextBox 27">
+            <a:extLst>
+              <a:ext uri="{FF2B5EF4-FFF2-40B4-BE49-F238E27FC236}">
+                <a16:creationId xmlns:a16="http://schemas.microsoft.com/office/drawing/2014/main" id="{CE334519-C1C3-4668-3914-57540DBD1E91}"/>
+              </a:ext>
+            </a:extLst>
+          </p:cNvPr>
+          <p:cNvSpPr txBox="1"/>
+          <p:nvPr/>
+        </p:nvSpPr>
+        <p:spPr>
+          <a:xfrm>
+            <a:off x="2149745" y="3104737"/>
+            <a:ext cx="2143432" cy="369332"/>
+          </a:xfrm>
+          <a:prstGeom prst="rect">
+            <a:avLst/>
+          </a:prstGeom>
+          <a:noFill/>
+        </p:spPr>
+        <p:txBody>
+          <a:bodyPr wrap="square" rtlCol="0">
+            <a:spAutoFit/>
+          </a:bodyPr>
+          <a:lstStyle/>
+          <a:p>
+            <a:r>
+              <a:rPr lang="en-VN"/>
+              <a:t>Strength point = 5</a:t>
+            </a:r>
+          </a:p>
+        </p:txBody>
+      </p:sp>
+      <p:sp>
+        <p:nvSpPr>
+          <p:cNvPr id="29" name="TextBox 28">
+            <a:extLst>
+              <a:ext uri="{FF2B5EF4-FFF2-40B4-BE49-F238E27FC236}">
+                <a16:creationId xmlns:a16="http://schemas.microsoft.com/office/drawing/2014/main" id="{725AEB85-0987-706F-8D7F-D907C6F36E69}"/>
+              </a:ext>
+            </a:extLst>
+          </p:cNvPr>
+          <p:cNvSpPr txBox="1"/>
+          <p:nvPr/>
+        </p:nvSpPr>
+        <p:spPr>
+          <a:xfrm>
+            <a:off x="7169113" y="3055708"/>
+            <a:ext cx="2143432" cy="369332"/>
+          </a:xfrm>
+          <a:prstGeom prst="rect">
+            <a:avLst/>
+          </a:prstGeom>
+          <a:noFill/>
+        </p:spPr>
+        <p:txBody>
+          <a:bodyPr wrap="square" rtlCol="0">
+            <a:spAutoFit/>
+          </a:bodyPr>
+          <a:lstStyle/>
+          <a:p>
+            <a:r>
+              <a:rPr lang="en-VN"/>
+              <a:t>Strength point = 1</a:t>
+            </a:r>
+          </a:p>
+        </p:txBody>
+      </p:sp>
+      <p:cxnSp>
+        <p:nvCxnSpPr>
+          <p:cNvPr id="31" name="Straight Connector 30">
+            <a:extLst>
+              <a:ext uri="{FF2B5EF4-FFF2-40B4-BE49-F238E27FC236}">
+                <a16:creationId xmlns:a16="http://schemas.microsoft.com/office/drawing/2014/main" id="{6F7C4D85-8401-C1C4-00C2-B9EE4524FEE9}"/>
+              </a:ext>
+            </a:extLst>
+          </p:cNvPr>
+          <p:cNvCxnSpPr>
+            <a:cxnSpLocks/>
+          </p:cNvCxnSpPr>
+          <p:nvPr/>
+        </p:nvCxnSpPr>
+        <p:spPr>
+          <a:xfrm>
+            <a:off x="4719484" y="1540453"/>
+            <a:ext cx="0" cy="1667213"/>
+          </a:xfrm>
+          <a:prstGeom prst="line">
+            <a:avLst/>
+          </a:prstGeom>
+          <a:ln w="38100">
+            <a:solidFill>
+              <a:schemeClr val="tx1"/>
+            </a:solidFill>
+            <a:prstDash val="dash"/>
+          </a:ln>
+        </p:spPr>
+        <p:style>
+          <a:lnRef idx="1">
+            <a:schemeClr val="accent1"/>
+          </a:lnRef>
+          <a:fillRef idx="0">
+            <a:schemeClr val="accent1"/>
+          </a:fillRef>
+          <a:effectRef idx="0">
+            <a:schemeClr val="accent1"/>
+          </a:effectRef>
+          <a:fontRef idx="minor">
+            <a:schemeClr val="tx1"/>
+          </a:fontRef>
+        </p:style>
+      </p:cxnSp>
+      <p:cxnSp>
+        <p:nvCxnSpPr>
+          <p:cNvPr id="34" name="Straight Connector 33">
+            <a:extLst>
+              <a:ext uri="{FF2B5EF4-FFF2-40B4-BE49-F238E27FC236}">
+                <a16:creationId xmlns:a16="http://schemas.microsoft.com/office/drawing/2014/main" id="{83987C2C-62BA-1835-FDF6-BA8930367D18}"/>
+              </a:ext>
+            </a:extLst>
+          </p:cNvPr>
+          <p:cNvCxnSpPr>
+            <a:cxnSpLocks/>
+          </p:cNvCxnSpPr>
+          <p:nvPr/>
+        </p:nvCxnSpPr>
+        <p:spPr>
+          <a:xfrm>
+            <a:off x="6877664" y="1562909"/>
+            <a:ext cx="0" cy="1667213"/>
+          </a:xfrm>
+          <a:prstGeom prst="line">
+            <a:avLst/>
+          </a:prstGeom>
+          <a:ln w="38100">
+            <a:solidFill>
+              <a:schemeClr val="tx1"/>
+            </a:solidFill>
+            <a:prstDash val="dash"/>
+          </a:ln>
+        </p:spPr>
+        <p:style>
+          <a:lnRef idx="1">
+            <a:schemeClr val="accent1"/>
+          </a:lnRef>
+          <a:fillRef idx="0">
+            <a:schemeClr val="accent1"/>
+          </a:fillRef>
+          <a:effectRef idx="0">
+            <a:schemeClr val="accent1"/>
+          </a:effectRef>
+          <a:fontRef idx="minor">
+            <a:schemeClr val="tx1"/>
+          </a:fontRef>
+        </p:style>
+      </p:cxnSp>
+      <p:cxnSp>
+        <p:nvCxnSpPr>
+          <p:cNvPr id="35" name="Straight Connector 34">
+            <a:extLst>
+              <a:ext uri="{FF2B5EF4-FFF2-40B4-BE49-F238E27FC236}">
+                <a16:creationId xmlns:a16="http://schemas.microsoft.com/office/drawing/2014/main" id="{F443317A-3E42-A90D-A8FA-A666E7598379}"/>
+              </a:ext>
+            </a:extLst>
+          </p:cNvPr>
+          <p:cNvCxnSpPr>
+            <a:cxnSpLocks/>
+          </p:cNvCxnSpPr>
+          <p:nvPr/>
+        </p:nvCxnSpPr>
+        <p:spPr>
+          <a:xfrm>
+            <a:off x="4719484" y="3388866"/>
+            <a:ext cx="0" cy="1667213"/>
+          </a:xfrm>
+          <a:prstGeom prst="line">
+            <a:avLst/>
+          </a:prstGeom>
+          <a:ln w="38100">
+            <a:solidFill>
+              <a:schemeClr val="tx1"/>
+            </a:solidFill>
+            <a:prstDash val="dash"/>
+          </a:ln>
+        </p:spPr>
+        <p:style>
+          <a:lnRef idx="1">
+            <a:schemeClr val="accent1"/>
+          </a:lnRef>
+          <a:fillRef idx="0">
+            <a:schemeClr val="accent1"/>
+          </a:fillRef>
+          <a:effectRef idx="0">
+            <a:schemeClr val="accent1"/>
+          </a:effectRef>
+          <a:fontRef idx="minor">
+            <a:schemeClr val="tx1"/>
+          </a:fontRef>
+        </p:style>
+      </p:cxnSp>
+      <p:sp>
+        <p:nvSpPr>
+          <p:cNvPr id="36" name="TextBox 35">
+            <a:extLst>
+              <a:ext uri="{FF2B5EF4-FFF2-40B4-BE49-F238E27FC236}">
+                <a16:creationId xmlns:a16="http://schemas.microsoft.com/office/drawing/2014/main" id="{752C9F5E-E42D-64E9-FF5D-64A8D5F5F752}"/>
+              </a:ext>
+            </a:extLst>
+          </p:cNvPr>
+          <p:cNvSpPr txBox="1"/>
+          <p:nvPr/>
+        </p:nvSpPr>
+        <p:spPr>
+          <a:xfrm>
+            <a:off x="5604722" y="4092599"/>
+            <a:ext cx="2143432" cy="369332"/>
+          </a:xfrm>
+          <a:prstGeom prst="rect">
+            <a:avLst/>
+          </a:prstGeom>
+          <a:noFill/>
+        </p:spPr>
+        <p:txBody>
+          <a:bodyPr wrap="square" rtlCol="0">
+            <a:spAutoFit/>
+          </a:bodyPr>
+          <a:lstStyle/>
+          <a:p>
+            <a:r>
+              <a:rPr lang="en-VN"/>
+              <a:t>Off-spring 1</a:t>
+            </a:r>
+          </a:p>
+        </p:txBody>
+      </p:sp>
+      <p:pic>
+        <p:nvPicPr>
+          <p:cNvPr id="37" name="Picture 36">
+            <a:extLst>
+              <a:ext uri="{FF2B5EF4-FFF2-40B4-BE49-F238E27FC236}">
+                <a16:creationId xmlns:a16="http://schemas.microsoft.com/office/drawing/2014/main" id="{491E0420-9DC5-37D0-0E7B-1701E2697938}"/>
+              </a:ext>
+            </a:extLst>
+          </p:cNvPr>
+          <p:cNvPicPr>
+            <a:picLocks noChangeAspect="1"/>
+          </p:cNvPicPr>
+          <p:nvPr/>
+        </p:nvPicPr>
+        <p:blipFill rotWithShape="1">
+          <a:blip r:embed="rId7"/>
+          <a:srcRect l="9944" t="20158"/>
+          <a:stretch/>
+        </p:blipFill>
+        <p:spPr>
+          <a:xfrm>
+            <a:off x="833161" y="5279116"/>
+            <a:ext cx="4806571" cy="1488927"/>
+          </a:xfrm>
+          <a:prstGeom prst="rect">
+            <a:avLst/>
+          </a:prstGeom>
+        </p:spPr>
+      </p:pic>
+      <p:cxnSp>
+        <p:nvCxnSpPr>
+          <p:cNvPr id="38" name="Straight Connector 37">
+            <a:extLst>
+              <a:ext uri="{FF2B5EF4-FFF2-40B4-BE49-F238E27FC236}">
+                <a16:creationId xmlns:a16="http://schemas.microsoft.com/office/drawing/2014/main" id="{AC6ACBA0-4F17-6A41-CACB-72E1DE074F0F}"/>
+              </a:ext>
+            </a:extLst>
+          </p:cNvPr>
+          <p:cNvCxnSpPr>
+            <a:cxnSpLocks/>
+          </p:cNvCxnSpPr>
+          <p:nvPr/>
+        </p:nvCxnSpPr>
+        <p:spPr>
+          <a:xfrm>
+            <a:off x="4719484" y="5190787"/>
+            <a:ext cx="0" cy="1436155"/>
+          </a:xfrm>
+          <a:prstGeom prst="line">
+            <a:avLst/>
+          </a:prstGeom>
+          <a:ln w="38100">
+            <a:solidFill>
+              <a:schemeClr val="tx1"/>
+            </a:solidFill>
+            <a:prstDash val="dash"/>
+          </a:ln>
+        </p:spPr>
+        <p:style>
+          <a:lnRef idx="1">
+            <a:schemeClr val="accent1"/>
+          </a:lnRef>
+          <a:fillRef idx="0">
+            <a:schemeClr val="accent1"/>
+          </a:fillRef>
+          <a:effectRef idx="0">
+            <a:schemeClr val="accent1"/>
+          </a:effectRef>
+          <a:fontRef idx="minor">
+            <a:schemeClr val="tx1"/>
+          </a:fontRef>
+        </p:style>
+      </p:cxnSp>
+    </p:spTree>
+    <p:extLst>
+      <p:ext uri="{BB962C8B-B14F-4D97-AF65-F5344CB8AC3E}">
+        <p14:creationId xmlns:p14="http://schemas.microsoft.com/office/powerpoint/2010/main" val="770545335"/>
       </p:ext>
     </p:extLst>
   </p:cSld>
@@ -17372,31 +19095,47 @@
           </a:p>
           <a:p>
             <a:r>
+              <a:rPr lang="en-VN" sz="2400" b="1">
+                <a:solidFill>
+                  <a:srgbClr val="00B050"/>
+                </a:solidFill>
+              </a:rPr>
+              <a:t>Pros</a:t>
+            </a:r>
+            <a:r>
+              <a:rPr lang="en-VN" sz="2400"/>
+              <a:t>: </a:t>
+            </a:r>
+            <a:r>
               <a:rPr lang="en-VN" sz="2400">
                 <a:solidFill>
                   <a:srgbClr val="00B050"/>
                 </a:solidFill>
               </a:rPr>
-              <a:t>Pros</a:t>
+              <a:t>no-computation resources for constructing circuit</a:t>
+            </a:r>
+          </a:p>
+          <a:p>
+            <a:pPr algn="just"/>
+            <a:r>
+              <a:rPr lang="en-VN" sz="2400" b="1">
+                <a:solidFill>
+                  <a:srgbClr val="FF0000"/>
+                </a:solidFill>
+              </a:rPr>
+              <a:t>Cons</a:t>
             </a:r>
             <a:r>
               <a:rPr lang="en-VN" sz="2400"/>
-              <a:t>: no-computation resources for constructor circuit</a:t>
-            </a:r>
-          </a:p>
-          <a:p>
-            <a:pPr algn="just"/>
+              <a:t>: </a:t>
+            </a:r>
             <a:r>
               <a:rPr lang="en-VN" sz="2400">
                 <a:solidFill>
                   <a:srgbClr val="FF0000"/>
                 </a:solidFill>
               </a:rPr>
-              <a:t>Cons</a:t>
-            </a:r>
-            <a:r>
-              <a:rPr lang="en-VN" sz="2400"/>
-              <a:t>: very high depth</a:t>
+              <a:t>very high depth</a:t>
             </a:r>
           </a:p>
         </p:txBody>
@@ -17443,7 +19182,7 @@
               <a:p>
                 <a:pPr algn="just"/>
                 <a:r>
-                  <a:rPr lang="en-VN" sz="2400">
+                  <a:rPr lang="en-VN" sz="2400" b="1">
                     <a:solidFill>
                       <a:srgbClr val="00B050"/>
                     </a:solidFill>
@@ -17452,12 +19191,20 @@
                 </a:r>
                 <a:r>
                   <a:rPr lang="en-VN" sz="2400"/>
-                  <a:t>: low depth</a:t>
+                  <a:t>: </a:t>
+                </a:r>
+                <a:r>
+                  <a:rPr lang="en-VN" sz="2400">
+                    <a:solidFill>
+                      <a:srgbClr val="00B050"/>
+                    </a:solidFill>
+                  </a:rPr>
+                  <a:t>low depth</a:t>
                 </a:r>
               </a:p>
               <a:p>
                 <a:r>
-                  <a:rPr lang="en-VN" sz="2400">
+                  <a:rPr lang="en-VN" sz="2400" b="1">
                     <a:solidFill>
                       <a:srgbClr val="FF0000"/>
                     </a:solidFill>
@@ -17465,20 +19212,31 @@
                   <a:t>Cons</a:t>
                 </a:r>
                 <a:r>
-                  <a:rPr lang="en-VN" sz="2400"/>
+                  <a:rPr lang="en-VN" sz="2400">
+                    <a:solidFill>
+                      <a:srgbClr val="FF0000"/>
+                    </a:solidFill>
+                  </a:rPr>
                   <a:t>: ansatz choosing problem and resources for finding params </a:t>
                 </a:r>
                 <a14:m>
                   <m:oMath xmlns:m="http://schemas.openxmlformats.org/officeDocument/2006/math">
                     <m:r>
                       <a:rPr lang="vi-VN" sz="2400" b="1" i="1">
+                        <a:solidFill>
+                          <a:srgbClr val="FF0000"/>
+                        </a:solidFill>
                         <a:latin typeface="Cambria Math" panose="02040503050406030204" pitchFamily="18" charset="0"/>
                       </a:rPr>
                       <m:t>𝜽</m:t>
                     </m:r>
                   </m:oMath>
                 </a14:m>
-                <a:endParaRPr lang="en-VN" sz="2400" b="1"/>
+                <a:endParaRPr lang="en-VN" sz="2400" b="1">
+                  <a:solidFill>
+                    <a:srgbClr val="FF0000"/>
+                  </a:solidFill>
+                </a:endParaRPr>
               </a:p>
             </p:txBody>
           </p:sp>
@@ -17509,7 +19267,7 @@
               <a:blipFill>
                 <a:blip r:embed="rId5"/>
                 <a:stretch>
-                  <a:fillRect l="-2192" t="-3226" r="-1918" b="-8065"/>
+                  <a:fillRect l="-2192" t="-3226" r="-2192" b="-8065"/>
                 </a:stretch>
               </a:blipFill>
             </p:spPr>
@@ -18562,7 +20320,7 @@
         </p:nvSpPr>
         <p:spPr>
           <a:xfrm>
-            <a:off x="6618518" y="2866035"/>
+            <a:off x="6618518" y="2957446"/>
             <a:ext cx="4042684" cy="830997"/>
           </a:xfrm>
           <a:prstGeom prst="rect">
@@ -18608,7 +20366,7 @@
         <p:spPr>
           <a:xfrm>
             <a:off x="5747657" y="2838947"/>
-            <a:ext cx="870861" cy="442587"/>
+            <a:ext cx="870861" cy="533998"/>
           </a:xfrm>
           <a:prstGeom prst="straightConnector1">
             <a:avLst/>
@@ -18782,7 +20540,7 @@
           <p:cNvPr id="2" name="Title 1">
             <a:extLst>
               <a:ext uri="{FF2B5EF4-FFF2-40B4-BE49-F238E27FC236}">
-                <a16:creationId xmlns:a16="http://schemas.microsoft.com/office/drawing/2014/main" id="{4F197C57-F709-FC16-F614-AB21340AC5B3}"/>
+                <a16:creationId xmlns:a16="http://schemas.microsoft.com/office/drawing/2014/main" id="{AF772222-9754-A73A-E48B-E6D83D0DDD64}"/>
               </a:ext>
             </a:extLst>
           </p:cNvPr>
@@ -18800,7 +20558,7 @@
           <a:p>
             <a:r>
               <a:rPr lang="en-VN"/>
-              <a:t>Genetic algorithm</a:t>
+              <a:t>Demos</a:t>
             </a:r>
           </a:p>
         </p:txBody>
@@ -18810,7 +20568,7 @@
           <p:cNvPr id="3" name="Content Placeholder 2">
             <a:extLst>
               <a:ext uri="{FF2B5EF4-FFF2-40B4-BE49-F238E27FC236}">
-                <a16:creationId xmlns:a16="http://schemas.microsoft.com/office/drawing/2014/main" id="{534501EC-C054-D418-3768-F6F33FDDCC54}"/>
+                <a16:creationId xmlns:a16="http://schemas.microsoft.com/office/drawing/2014/main" id="{F9685185-ADF8-8069-2B39-9F3B01C6D9C5}"/>
               </a:ext>
             </a:extLst>
           </p:cNvPr>
@@ -18824,7 +20582,7 @@
         <p:spPr/>
         <p:txBody>
           <a:bodyPr>
-            <a:normAutofit fontScale="62500" lnSpcReduction="20000"/>
+            <a:normAutofit fontScale="47500" lnSpcReduction="20000"/>
           </a:bodyPr>
           <a:lstStyle/>
           <a:p>
@@ -18832,25 +20590,146 @@
               <a:buNone/>
             </a:pPr>
             <a:r>
-              <a:rPr lang="en-US"/>
-              <a:t>population = </a:t>
-            </a:r>
-            <a:r>
-              <a:rPr lang="en-US" b="1"/>
-              <a:t>create_population</a:t>
-            </a:r>
-            <a:r>
-              <a:rPr lang="en-US"/>
-              <a:t>(num_individual, num_qubits, depth)</a:t>
+              <a:rPr lang="en-US" sz="5000" b="0">
+                <a:effectLst/>
+              </a:rPr>
+              <a:t>params = {'depth': 10, 'num_individual': 8, 'num_generation': 30, 'num_qubits': 3, 'threshold': lambda </a:t>
+            </a:r>
+            <a:r>
+              <a:rPr lang="en-US" sz="5000" b="0" i="1">
+                <a:effectLst/>
+              </a:rPr>
+              <a:t>loss_value</a:t>
+            </a:r>
+            <a:r>
+              <a:rPr lang="en-US" sz="5000" b="0">
+                <a:effectLst/>
+              </a:rPr>
+              <a:t>: </a:t>
+            </a:r>
+            <a:r>
+              <a:rPr lang="en-US" sz="5000" b="0" i="1">
+                <a:effectLst/>
+              </a:rPr>
+              <a:t>loss_value</a:t>
+            </a:r>
+            <a:r>
+              <a:rPr lang="en-US" sz="5000" b="0">
+                <a:effectLst/>
+              </a:rPr>
+              <a:t> &lt; 0.2, 'prob_mutate': 0.01}</a:t>
             </a:r>
           </a:p>
           <a:p>
             <a:pPr marL="0" indent="0">
               <a:buNone/>
             </a:pPr>
-            <a:r>
-              <a:rPr lang="en-US"/>
-              <a:t>for _ in range(maximum_generation):</a:t>
+            <a:br>
+              <a:rPr lang="en-US" sz="5000" b="0">
+                <a:effectLst/>
+              </a:rPr>
+            </a:br>
+            <a:r>
+              <a:rPr lang="en-US" sz="5000" b="0">
+                <a:effectLst/>
+              </a:rPr>
+              <a:t>env = environment.EEnvironment(</a:t>
+            </a:r>
+          </a:p>
+          <a:p>
+            <a:pPr marL="457200" lvl="1" indent="0">
+              <a:buNone/>
+            </a:pPr>
+            <a:r>
+              <a:rPr lang="en-US" sz="4600" b="0">
+                <a:effectLst/>
+              </a:rPr>
+              <a:t>params,</a:t>
+            </a:r>
+          </a:p>
+          <a:p>
+            <a:pPr marL="457200" lvl="1" indent="0">
+              <a:buNone/>
+            </a:pPr>
+            <a:r>
+              <a:rPr lang="en-US" sz="4600" b="0" i="1">
+                <a:effectLst/>
+              </a:rPr>
+              <a:t>fitness_func</a:t>
+            </a:r>
+            <a:r>
+              <a:rPr lang="en-US" sz="4600" b="0">
+                <a:effectLst/>
+              </a:rPr>
+              <a:t> = compilation_fitness,</a:t>
+            </a:r>
+          </a:p>
+          <a:p>
+            <a:pPr marL="457200" lvl="1" indent="0">
+              <a:buNone/>
+            </a:pPr>
+            <a:r>
+              <a:rPr lang="en-US" sz="4600" b="0" i="1">
+                <a:effectLst/>
+              </a:rPr>
+              <a:t>selection_func</a:t>
+            </a:r>
+            <a:r>
+              <a:rPr lang="en-US" sz="4600" b="0">
+                <a:effectLst/>
+              </a:rPr>
+              <a:t> = selection.elitist_selection,</a:t>
+            </a:r>
+          </a:p>
+          <a:p>
+            <a:pPr marL="457200" lvl="1" indent="0">
+              <a:buNone/>
+            </a:pPr>
+            <a:r>
+              <a:rPr lang="en-US" sz="4600" b="0" i="1">
+                <a:effectLst/>
+              </a:rPr>
+              <a:t>crossover_func</a:t>
+            </a:r>
+            <a:r>
+              <a:rPr lang="en-US" sz="4600" b="0">
+                <a:effectLst/>
+              </a:rPr>
+              <a:t>= crossover.onepoint_crossover,</a:t>
+            </a:r>
+          </a:p>
+          <a:p>
+            <a:pPr marL="457200" lvl="1" indent="0">
+              <a:buNone/>
+            </a:pPr>
+            <a:r>
+              <a:rPr lang="en-US" sz="4600" b="0" i="1">
+                <a:effectLst/>
+              </a:rPr>
+              <a:t>mutate_func</a:t>
+            </a:r>
+            <a:r>
+              <a:rPr lang="en-US" sz="4600" b="0">
+                <a:effectLst/>
+              </a:rPr>
+              <a:t>=mutate.bitflip_mutate,</a:t>
+            </a:r>
+          </a:p>
+          <a:p>
+            <a:pPr marL="457200" lvl="1" indent="0">
+              <a:buNone/>
+            </a:pPr>
+            <a:r>
+              <a:rPr lang="en-US" sz="4600" b="0" i="1">
+                <a:effectLst/>
+              </a:rPr>
+              <a:t>pool</a:t>
+            </a:r>
+            <a:r>
+              <a:rPr lang="en-US" sz="4600" b="0">
+                <a:effectLst/>
+              </a:rPr>
+              <a:t> = qtm.constant.operations</a:t>
             </a:r>
           </a:p>
           <a:p>
@@ -18858,16 +20737,21 @@
               <a:buNone/>
             </a:pPr>
             <a:r>
-              <a:rPr lang="en-US"/>
-              <a:t>	population = </a:t>
-            </a:r>
-            <a:r>
-              <a:rPr lang="en-US" b="1"/>
-              <a:t>selected</a:t>
-            </a:r>
-            <a:r>
-              <a:rPr lang="en-US"/>
-              <a:t>(population)</a:t>
+              <a:rPr lang="en-US" sz="5000" b="0">
+                <a:effectLst/>
+              </a:rPr>
+              <a:t>)</a:t>
+            </a:r>
+            <a:br>
+              <a:rPr lang="en-US" sz="5000" b="0">
+                <a:effectLst/>
+              </a:rPr>
+            </a:br>
+            <a:r>
+              <a:rPr lang="en-US" sz="5000" b="0">
+                <a:effectLst/>
+              </a:rPr>
+              <a:t>env.initialize_population()</a:t>
             </a:r>
           </a:p>
           <a:p>
@@ -18875,105 +20759,10 @@
               <a:buNone/>
             </a:pPr>
             <a:r>
-              <a:rPr lang="en-US"/>
-              <a:t>	new_population = []</a:t>
-            </a:r>
-          </a:p>
-          <a:p>
-            <a:pPr marL="0" indent="0">
-              <a:buNone/>
-            </a:pPr>
-            <a:r>
-              <a:rPr lang="en-US"/>
-              <a:t>	for i in range(0, int(num_individual/2), 2):</a:t>
-            </a:r>
-          </a:p>
-          <a:p>
-            <a:pPr marL="0" indent="0">
-              <a:buNone/>
-            </a:pPr>
-            <a:r>
-              <a:rPr lang="en-US"/>
-              <a:t>		parent_1 = population[i]</a:t>
-            </a:r>
-          </a:p>
-          <a:p>
-            <a:pPr marL="0" indent="0">
-              <a:buNone/>
-            </a:pPr>
-            <a:r>
-              <a:rPr lang="en-US"/>
-              <a:t>		parent_2 = population[i+1] </a:t>
-            </a:r>
-          </a:p>
-          <a:p>
-            <a:pPr marL="0" indent="0">
-              <a:buNone/>
-            </a:pPr>
-            <a:r>
-              <a:rPr lang="en-US"/>
-              <a:t>		child_1, child_2 = parent_1.</a:t>
-            </a:r>
-            <a:r>
-              <a:rPr lang="en-US" b="1"/>
-              <a:t>crossover</a:t>
-            </a:r>
-            <a:r>
-              <a:rPr lang="en-US"/>
-              <a:t>(parent_2)</a:t>
-            </a:r>
-          </a:p>
-          <a:p>
-            <a:pPr marL="0" indent="0">
-              <a:buNone/>
-            </a:pPr>
-            <a:r>
-              <a:rPr lang="en-US"/>
-              <a:t>        		new_population.append([child_1, child_2])</a:t>
-            </a:r>
-          </a:p>
-          <a:p>
-            <a:pPr marL="0" indent="0">
-              <a:buNone/>
-            </a:pPr>
-            <a:r>
-              <a:rPr lang="en-US"/>
-              <a:t>	population = new_population	</a:t>
-            </a:r>
-          </a:p>
-          <a:p>
-            <a:pPr marL="0" indent="0">
-              <a:buNone/>
-            </a:pPr>
-            <a:r>
-              <a:rPr lang="en-US"/>
-              <a:t>	for individual in population:</a:t>
-            </a:r>
-          </a:p>
-          <a:p>
-            <a:pPr marL="0" indent="0">
-              <a:buNone/>
-            </a:pPr>
-            <a:r>
-              <a:rPr lang="en-US"/>
-              <a:t>		if random.random() &lt; prob_mutate:</a:t>
-            </a:r>
-          </a:p>
-          <a:p>
-            <a:pPr marL="0" indent="0">
-              <a:buNone/>
-            </a:pPr>
-            <a:r>
-              <a:rPr lang="en-US"/>
-              <a:t>			individual.</a:t>
-            </a:r>
-            <a:r>
-              <a:rPr lang="en-US" b="1"/>
-              <a:t>mutate</a:t>
-            </a:r>
-            <a:r>
-              <a:rPr lang="en-US"/>
-              <a:t>()</a:t>
+              <a:rPr lang="en-US" sz="5000" b="0">
+                <a:effectLst/>
+              </a:rPr>
+              <a:t>env.evol() </a:t>
             </a:r>
           </a:p>
         </p:txBody>
@@ -18983,7 +20772,7 @@
           <p:cNvPr id="4" name="Slide Number Placeholder 3">
             <a:extLst>
               <a:ext uri="{FF2B5EF4-FFF2-40B4-BE49-F238E27FC236}">
-                <a16:creationId xmlns:a16="http://schemas.microsoft.com/office/drawing/2014/main" id="{1ED38037-8BEA-306C-49F2-03D15E83AEDF}"/>
+                <a16:creationId xmlns:a16="http://schemas.microsoft.com/office/drawing/2014/main" id="{469C5FB4-4FEA-B3D3-FA51-953AC32C2DDF}"/>
               </a:ext>
             </a:extLst>
           </p:cNvPr>
@@ -19010,7 +20799,7 @@
     </p:spTree>
     <p:extLst>
       <p:ext uri="{BB962C8B-B14F-4D97-AF65-F5344CB8AC3E}">
-        <p14:creationId xmlns:p14="http://schemas.microsoft.com/office/powerpoint/2010/main" val="3248491774"/>
+        <p14:creationId xmlns:p14="http://schemas.microsoft.com/office/powerpoint/2010/main" val="3717189671"/>
       </p:ext>
     </p:extLst>
   </p:cSld>

--- a/Quantum computing/Genetic algorithm - based quantum architecture search/genetic algorithm.pptx
+++ b/Quantum computing/Genetic algorithm - based quantum architecture search/genetic algorithm.pptx
@@ -136,6 +136,108 @@
 </p:presentation>
 </file>
 
+<file path=ppt/ink/ink1.xml><?xml version="1.0" encoding="utf-8"?>
+<inkml:ink xmlns:inkml="http://www.w3.org/2003/InkML">
+  <inkml:definitions>
+    <inkml:context xml:id="ctx0">
+      <inkml:inkSource xml:id="inkSrc0">
+        <inkml:traceFormat>
+          <inkml:channel name="X" type="integer" min="-2.14748E9" max="2.14748E9" units="cm"/>
+          <inkml:channel name="Y" type="integer" min="-2.14748E9" max="2.14748E9" units="cm"/>
+          <inkml:channel name="F" type="integer" max="32767" units="dev"/>
+        </inkml:traceFormat>
+        <inkml:channelProperties>
+          <inkml:channelProperty channel="X" name="resolution" value="1000" units="1/cm"/>
+          <inkml:channelProperty channel="Y" name="resolution" value="1000" units="1/cm"/>
+          <inkml:channelProperty channel="F" name="resolution" value="0" units="1/dev"/>
+        </inkml:channelProperties>
+      </inkml:inkSource>
+      <inkml:timestamp xml:id="ts0" timeString="2024-01-15T03:42:35.943"/>
+    </inkml:context>
+    <inkml:brush xml:id="br0">
+      <inkml:brushProperty name="width" value="0.05292" units="cm"/>
+      <inkml:brushProperty name="height" value="0.05292" units="cm"/>
+      <inkml:brushProperty name="color" value="#FF0000"/>
+    </inkml:brush>
+  </inkml:definitions>
+  <inkml:trace contextRef="#ctx0" brushRef="#br0">15690 6271 24575,'-41'-24'0,"-9"19"0,20-31 0,-9 33 0,-7 3-648,6-16 0,-5-3 648,-17 12 0,-10 4 0,3-5-310,14-7 0,3-4 0,-3 3 310,-15 9 0,-5 4 0,3-4 0,8-8 0,3-4 0,3 6 0,-3 9 0,5 2 0,1-11 0,10 2 533,21 11-533,13 0 0,8 0 0,-33 0 624,30 0-624,-52 0 1069,49 0-1069,-62 0 0,33 0 0,-3 0 0,-13 0 0,-4 0 0,-2 0 0,0 0 0,6 1 0,5-2 0,-19-10 0,0 8 0,-11 3-2199,11-4 0,-5-1 1,0 2 2198,16 2 0,1 1 0,-2 1 0,-1-1 0,-10 0 0,-4 0 0,2 0 0,5 0-637,6 0 1,5 0 0,-6 0 636,1 0 0,-6 0 0,-3 0 0,-1 0 0,-1 0 0,10 0 0,-1 0 0,-1 0 0,-1 0 0,-2 0 0,-3 0-435,4 0 0,-3 0 1,-2 0-1,-1 0 1,-1 0-1,0 0 1,1 0-1,2 0 435,-7 0 0,0 0 0,0 0 0,1 0 0,1 0 0,4 0 0,2 0 0,-4 0 0,3 0 0,3 0 0,3 0 0,4 0 0,-14 0 0,5 0 0,18 0 0,15 0 0,29 0 2019,-32 0 0,-7 0-2019,19 0 1998,-36 0-1998,27 0 5946,17 0-5946,-32 0 0,9 0 0,0 0 0,15 0 0,-10 0 0,-5 12 0,-26-9 0,-1 8 0,27-11 0,6 0 0,8 24 0,-2-18 0,-21 17 0,20-23 0,-20 0 0,21 0 0,-21 0 0,9 17 0,-6 2 0,-21-16 0,1 2 0,19 25 0,1-1 0,-19-26 0,15 0 0,45 21 0,-29-24 0,-4 11 0,-14 2 0,-8 1 0,3 1 0,-2-1-513,-8 0 0,4-1 513,-1-2 0,6 13 0,15 5 0,-11 1 0,10-10 0,4-5 0,18-12 0,-36 9 0,21 11 1026,-6-5-1026,5 7 0,1 0 0,6-8 0,-27 19 0,53-10 0,-29 15 0,5 0 0,-5 9 0,3-5 0,3-9 0,-1 1 0,-8 10 0,-3 6 0,8-6 0,7 21 0,14-24 0,12 26 0,0-61 0,0 50 0,0-41 0,0 32 0,0-33 0,0 19 0,0-10 0,0-8 0,12 17 0,-9-9 0,32 4 0,-14 6 0,-1 1 0,13-1 0,2 13 0,-12-13 0,-17-30 0,30 29 0,-10-9 0,-8-8 0,17 17 0,-32-32 0,42 44 0,16 12 0,-33-36 0,3 1 0,15 18 0,7 7 0,-3-5-571,0-7 1,-5-6 570,13 13 0,-11-9 0,-23-11 0,-6-18 0,32 17 0,6-3 0,11-4 0,-15-13 0,4-2 0,4 3-509,2 10 1,4 6 0,3 0 0,-2-3 508,-2-7 0,0-3 0,-1-1 0,-2 3 0,13 8 0,-2 2 0,-6-2 0,-3-2 0,-8-3 0,15-1 1021,-45 13-1021,27-6 0,3 8 0,-19-8 0,2-1-253,5-9 0,3 2 253,3 12 0,5 6 0,-4-5 0,4-10 0,-1-2 0,-5 5 0,3 3 0,-6-7 0,22-12 0,-13 12 0,7-9 2094,-21 32-2094,24-29 0,-31 12 0,0-1 0,21-14 0,-7 12 0,1 5-367,-6 1 1,0-1 366,-1-4 0,1 1 0,14 13 0,-5-1 0,-17-12 0,3-3 0,-2-1 0,-19-2 0,18-11 0,-32 24 1298,44-18-1298,-3 28 0,4 2 0,-4-29 0,3-2-323,0 17 1,2 7-1,-7-9 323,5-14 0,0 17 0,-24-23 0,-17 0 0,41 0 0,-29 0 0,38 0 0,9 0 0,5 0-423,-7 0 1,10 0-1,-12 0 423,-2 0 0,-7 6 0,14 4 0,5 1 0,-1-3 0,-6-4 0,1-4 0,1 1 0,3 3-923,-10 4 0,4 2 1,1 2-1,1 0 1,-2-2-1,-3-3 923,13-3 0,-2-4 0,-4-1 0,-5 4-174,-3 5 0,-6 1 0,-9-3 174,3-6 0,-15 0 0,8 1 0,8-2 0,0-5 0,4-3 0,1 1 0,3 2 0,1 0 0,1 0 0,1-1 0,1-2 0,-3-1-472,16-7 1,-8-1 471,-23 3 0,-4 0 0,29-14 1378,-14 5-1378,-26 24 5498,8-12-5498,-29 10 776,17-10-776,-11-12 1585,-9 7-1585,32-33 0,-29 32 0,53-17 0,-50 8 0,26 10 0,-11-42 0,-7 26 0,7-4 0,7-11 0,-1-2 0,2-7 0,0-3 0,1 1-954,4 3 0,0 3 0,1 0 954,-3 4 0,0 2 0,-2 5 0,1 2 0,-3 9 0,-2 11 0,6-42 0,4 9 0,-19-3 0,39 15 0,-53 6 0,17 8 0,-11-2 0,15-21 0,14-3 0,-12 21 2862,-5-27-2862,-13 53 0,16-53 0,-9 39 0,5-18 0,-23 2 0,12 30 0,-9-41 0,9 6 0,-12-3 0,0 6 0,23 3 0,-17 29 0,17-53 0,-23 38 0,0-40 0,0 19 0,0 13 0,0-6 0,0 32 0,0-32 0,0 29 0,0-30 0,0 10 0,0 8 0,0-17 0,0 32 0,0-32 0,0 29 0,0-53 0,0 27 0,-11-6 0,-1-1 0,6 7 0,-17-15 0,23 44 0,0-32 0,0 29 0,-12-53 0,9 50 0,-14-26 0,-1 0 0,12 26 0,-18-50 0,12 53 0,9-29 0,-8 32 0,11-9 0,0 12 0</inkml:trace>
+  <inkml:trace contextRef="#ctx0" brushRef="#br0" timeOffset="39425">10504 11907 24575,'12'29'0,"-9"-5"0,32-24 0,-29 35 0,17-26 0,-23 26 0,0-35 0,0 12 0,24-9 0,-7 32 0,10-29 0,-15 17 0,-12-23 0,23 0 0,-5 24 0,32-18 0,-33 17 0,7-23 0,-12 0 0,-9 0 0,8 0 0,13 0 0,10 6 0,8 0 0,24-4 0,4-1 0,-6 5 0,1 0-915,6-6 0,-4 0 915,-18 0 0,-7 0 0,5 0-165,-3 0 0,6 0 165,12 0 0,6 0 0,-4 0 0,6 0 0,2 0-1226,-11 0 1,4 0 0,0 0 0,-1 0 1225,2 0 0,-1 0 0,1 0 0,-1 0 0,-3 0 0,-2 0 0,2 0 0,4 0 0,3 0 0,5 0 0,1 0 0,2 0 0,-2 0-515,-13 0 0,0 0 1,0 0-1,0 0 0,2 0 1,1 0 514,-2 0 0,3 0 0,0 0 0,1 0 0,0 0 0,0 0 0,-2 0 0,6 0 0,-2 0 0,0 0 0,0 0 0,1 0 0,3 0 0,-4 0 0,3 0 0,1 0 0,1 0 0,-1 0 0,-1 0 0,-3 0-458,2-1 1,-3 1 0,-1-1-1,1 1 1,0 0 0,2 2 457,-2 0 0,2 1 0,2 0 0,-1 1 0,0 0 0,-2 0 0,-2-1-305,10 0 1,-4 0 0,-1 0 0,1 1 0,2 1 304,-12 0 0,1 2 0,2 0 0,-1 0 0,1 1 0,-1 0 0,-1 0 0,5 0 0,-1 1 0,-1 0 0,0-1 0,-1 1 0,0 1-73,-3-1 1,1 0-1,-1 0 1,-1 1-1,-1-1 1,-1 1 72,4 0 0,-2 0 0,-1 1 0,-2-1 0,-2 1 0,17 7 0,-5-1 0,2-2-37,-9-6 1,0-3 0,2 1 0,-2 1 36,-2 3 0,-1 2 0,0 0 0,4 0 217,1-2 1,2-1-1,2 0 1,0 0-1,-1 2-217,-2 0 0,0 1 0,-1 1 0,-1 0 0,-3 0 113,1 3 1,-3 1 0,-3-1 0,0-1-114,19-2 0,-3-3 0,-27 5 3308,-39 8-3308,19-24 861,-48 0 0,19 0 1,-19 0-1</inkml:trace>
+  <inkml:trace contextRef="#ctx0" brushRef="#br0" timeOffset="41730">10213 13415 24575,'40'-22'0,"-1"0"0,-4-10 0,-2 5 0,20 21 0,-5-11 0,9-7 0,-6 6 0,16 9 0,-10 0 0,7-3 0,-14-2 0,-18-9 0,27 17 0,-53-18 0,32 16 0,18 4 0,1-6 0,7-3 0,-3-2-1262,-11 1 0,-3-1 1,3 0 1261,16 0 0,2 1 0,-5 2 0,-6-2 0,-2 4 0,13 10 0,11 0 0,-27-6 0,8-3 0,4-3 0,3 0 0,1 1 0,0 3-528,-4 3 0,1 3 1,1 1-1,2 1 1,0-1-1,1-1 1,1-2 527,0-3 0,2-1 0,2-2 0,0-1 0,0 0 0,-1 1 0,-1 2 0,-1 2 0,0 3 0,0 2 0,0 1 0,-2 0 0,-1 1 0,-3 0 0,-1-2 0,5-1 0,-4 0 0,-1-1 0,-1 0 0,2 2 0,4 0 0,0 1 0,1 0 0,0 0 0,-1 1-627,-3-1 1,-2 0 0,0 0-1,3 0 1,4 0 626,-3 0 0,3 0 0,3 0 0,2 0 0,0 0 0,-2 0 0,-1 0 0,-7 0 0,0 0 0,-1 0 0,0 0 0,-1 0 0,0 0 0,-2 0 0,8 0 0,0 0 0,-1 0 0,-2 0 0,-4 0 0,-5 0 0,16 0 0,-8 0 0,-6 0 0,10 0 0,-22 0 0,-42 0 1635,29-24-1635,-32 18 4042,32-17-4042,-17 23 4933,44-12-4933,5 9 0,-20-9 0,0-11 0,-35 17 0,26-41 0,18 41 0,-21-12 0,-2 1 0,8 14 0,18-33 0,-15 31 0,-11-13 0,1 0 0,19 15 0,-3-32 0,-9 29 0,1-29 0,8 8 0,-21 10 0,-3-7 0,21-11 0,9 3 0,3-9 0,-19 23 0,-6 0 0,-17-8 0,7 8 0,23-5 0,-12 11 0,3 12 0,0-3 0,4-32 0,-16 29 0,-14-18 0,11 24 0,-17-23 0,18 17 0,-24-18 0</inkml:trace>
+  <inkml:trace contextRef="#ctx0" brushRef="#br0" timeOffset="107371">19394 6880 24575,'0'-15'0,"0"-20"0,0 17 0,0-32 0,-24 21 0,11-13 0,-3-2 0,-25-6-347,14 12 0,4 0 347,5-12-9,-14 6 0,-6 0 9,9 12 0,-1-1 0,-2-12 0,-2-7 0,-6 2-1259,-3 12 0,-6 2 0,-1 1 0,4-3 1259,-1-12 0,3-2 0,-3-2-817,7 12 0,-4-2 0,0-1 0,-1 2 1,3 3 816,-12-9 0,2 4 0,-1-3 0,10 4 0,-1-3 0,1 1 0,0 4-200,-2 3 1,0 4-1,-3-3 200,-4-4 0,-5-4 0,-1 1 0,4 5 0,3 7 0,2 4 0,-1-3 0,-3-11 0,-1-3 0,0 9 0,4 15 0,1 7 0,4-1 4,1-11 1,2 4-5,-1 13 0,1 2 3439,-20-16-3439,27 24 5177,-6-11-5177,-27 8 0,17-10 0,-8-5 0,-4 2-692,7 6 1,-3 3 0,-1 0 0,3-2 691,-10-4 0,3-2 0,1 2 0,-2 5 0,2 1 0,8-1 0,16-5 0,5 2 0,-25 5 0,-3-4 0,-15-3 0,-4 1-1054,22 6 0,-2 0 0,-2 1 0,-1 0 0,-1 1 1054,5 0 0,-2 1 0,-1 1 0,0 0 0,-1-1 0,0-1-588,-5-1 1,0-1 0,-1 0 0,0 0-1,1-1 1,1 2 587,-3-1 0,2 1 0,1 1 0,-2-2 0,-5 0-68,15 1 0,-3-1 0,-1 0 0,-2-1 0,-1 0 0,-1 0 0,0 0 0,1-1 68,-4 0 0,0 0 0,-1 0 0,0 0 0,-1-1 0,0 0 0,0 1 0,-1-1 0,5 0 0,0 1 0,-1-1 0,0 0 0,-1 1 0,2-1 0,-1 0 0,2-1 0,1 1 0,-3-1 0,0 0 0,-1 0 0,2 0 0,1-1 0,3 1 0,3 1 0,5 0 0,-19-3 0,7 1 0,4 0 0,1 1 0,-10-4 0,3 1 0,7 5-162,12 6 0,-1 4 162,3-2 0,-7 0 0,-2 0 0,-2 0 0,-7 0 0,-3 0 0,-2 0 0,-3 0 0,16 0 0,-2 0 0,-2 0 0,0 0 0,0 0 0,2 0 0,-9 0 0,0 0 0,1 0 0,2 0 0,1 0 0,-5 0 0,2 0 0,2 0 0,2 0 511,7 0 0,2 0 0,0 0 1,-3 0-512,-10 0 0,-2 0 0,-3 0 0,-2 0 0,8 0 0,-3 0 0,-1 0 0,-1 0 0,-2 0 38,5 0 1,-1 0 0,-2 0-1,0 0 1,-2 0 0,-1 0-39,12 0 0,-2 0 0,-2 0 0,0 0 0,1 0 0,1 0 0,2 0 0,3 0 0,-13 0 0,4 0 0,3 0 0,-2 0 0,-5 0 0,7 0 0,-4 0 0,-3 0 0,0 0 0,0 0 0,3 0 0,4 0-186,-9 0 1,3 0 0,2 0 0,2 0 0,1 0 185,-9 0 0,3 0 0,1 0 0,1 0 671,4 0 1,-1 0 0,6 0 0,14 0-672,-6 0 1259,3 0-1259,3 0 4110,-2 11-4110,7 6 0,-2 5 0,4 4 0,1 3 1051,0 4 0,5 2-1051,18-1 0,0-3 0,-40-2 0,35 5 0,1 3 929,-11-15 1,0 3-930,0 23 0,6 7 0,12-7 0,3-2 0,-13 12 0,14 13 0,12-53 0,-11 22 0,-2 5 73,7 5-73,-6-12 0,1 0 0,11 24 0,0-11 0,0 1 0,0 16 146,0-11 0,0-6-146,0-21 0,0 31 0,0-16 0,11-8 0,1 2 0,-6 17 0,5-17 0,2-2 0,-1 7 0,-10 18 0,10-21 0,-10 4 0,-3 11 0,0 2-449,1 3 0,0 1 0,0 0 449,0-3 0,0-1 0,0-1 0,0 0 0,0-1 0,0-14 0,0-12 0,0 20 0,24 3 466,-18 3-466,12-18 0,-1 0 0,-14 6 0,9 18 0,-12-33 0,23 21 0,-20-13 0,0 3 690,15 13 1,-1 2-691,-15 0 0,-1 2 0,14 12 0,6 0-1708,-2-8 0,3-1 1708,-5-12 0,1 2 0,3-1 0,3-1 0,3 1 0,-2 1 0,-3 8 0,-1 2 0,4 1 0,1-10 0,3 1 0,2 1 0,-3 3 0,-5-2 0,-2 4 0,0 1 0,1 1 0,3 0 0,2-5 0,3 1 0,2 1 0,0 0 0,-1-1 0,-4-2-1027,-1 3 1,-4-2-1,0 0 1,1 0-1,2-1 1027,5 3 0,2 1 0,2-1 0,-1-2 0,0-5 0,8 7 0,-1-5 0,-1 3-729,-11-4 1,-1 2 0,0 0 0,3-4 728,14 3 0,3-5 0,0 7-245,-16-6 1,-2 5-1,1 3 1,1-1 0,4-5 244,15 4 0,5-4 0,2-2 0,-5 3 0,-7 0 0,-4 2 0,1-2 0,4-4-77,8-5 0,5-4 0,-2-3 1,-7-3 76,2 9 0,-1-2 0,6-4 0,6 0 0,-6 1 1577,-5 7 0,-1-1-1577,-8-15 0,3-3 0,3 1 0,8 4 0,4 0 0,-3-2 299,-12-5 1,-2-3 0,4 2-300,4 2 0,3 1 0,1 0 0,-4-4 0,18 4 0,-5-6 666,-8-4 0,-5-5-666,13-9 3212,-42 12-3212,-23-9 100,12 9-100,-9-12 3561,32 0-3561,-29 0 733,17-12-733,-11 9 0,-9-32 0,32 29 0,-29-18 0,41 12 0,-41 9 0,29-32 0,-8 6 0,-9-1 0,5 7 0,-23 23 0,0 0 0,12 23 0,-9-17 0,9 41 0,11-41 0,-3 25 0,1 9 0,11-6 0,4 2 0,-3 5 0,3 6 0,-2-2-815,9 12 0,-1-3 815,-8-11 0,0-6 0,13-2 0,-44-12 0,32-17 0,-29 18 0,17-12 0,-23-9 0,24 32 1630,-18-29-1630,17 41 0,-23-6 0,0-9 0,0 9 0,0 1 0,0-7 0,0 2 0,0 2 0,0 26 0,0-33 0,0 15 0,0-8 0,0-19 0,0 39 0,0-30 0,0 12 0,0 15 0,0 9 0,0-2 0,0 3-1742,3-5 1,2 3 0,-1-1 1741,-3-2 0,0 0 0,0 0 0,2 0 0,0 0 0,3-1-1110,1-2 1,1 0-1,0 2 1110,-3 13 0,-1 2 0,5-2 0,6-13 0,4-2 0,-3 3 0,-7-2 0,-4 3 0,1 0 0,3-4 0,7 4 0,2-3 0,-2 3 0,-1 10 0,-2 4 0,0-4-685,1-12 0,1-3 1,-3-1 684,-2-2 0,-2 0 0,1-3 0,9 16 0,-1-1 0,-8-1 0,0-1-704,3-4 0,2 0 704,5 11 0,-2 2 0,-14 0 0,-1 1 0,7-14 0,4 1 0,1 1 0,2 1 0,1 0 0,0-1 0,-7-9 0,0-1 0,5-4 0,23 7 0,-3-7 2898,-17 10-2898,6-52 3171,-13 30-3171,-8-33 3025,9 32-3025,-12-29 0,23 39 0,13 4 0,2-32 0,-5 18 0,-1 1 0,3-13 2921,-32-17-2921,32 18 0,-29-24 0,29 0 0,-32 0 0,9 0 0,12 0 0,-7 0 0,33 0 0,-13 1 0,3-2-890,10-10 1,8-2 889,3 8 0,9 2 0,4 0 0,-2-3-760,-5-5 1,0-2 0,1-1 0,3 2 759,0 2 0,5 2 0,1 0 0,-2 0 0,-6 1-1097,-8-1 0,-3 0 1,-2 1-1,1 0 1097,4 0 0,2 0 0,-3 1 0,-9 3 0,-1 2 0,-6 2-152,8-1 1,-4 0 151,11 0 1044,-50 0-1044,50-12 2329,-18 9-2329,-9-9 5582,15 12-5582,-20 0 551,-10 0-551,21 0 0,7 0 0,16 0-1194,1 0 0,6 0 1194,-7 0 0,-2 0-581,-15 0 1,-3 0 580,5 3 0,-6-6-640,-11-20 640,29 13 0,5 2 0,-5-18 0,-3 17 0,2 6-723,-14 2 1,-1 2 722,5-1 0,3 0 437,15 0 1,6 0-438,-3 0 0,5 0 0,0 0 0,-7 0 0,-2 0 0,3 0-639,-8 0 1,1 0 0,1 0 0,-3 0 638,9 0 0,-2 0 0,0 0 0,3 0 0,-1 0 0,-8 0 83,-10 0 0,-4 0-83,8 0 0,-12 0 1298,-29 0-1298,-9 0 1009,32 0-1009,-29 0 0,32 0 0,7 0 0,-19 0 2156,15 0 1,3 0-2157,9 0 526,15-24-526,-11 16 0,0-1 0,-18-5 0,-1 1 0,7 8 0,-2-2 0,7-16 0,3 17 0,15-17 0,-29 21 0,1 4 0,28-2 0,-28-12 0,-4 0 0,-4 6 0,39-17 0,-3 23-928,-13-5 0,10-2 928,-6-1 0,9-1 0,2-2 0,-2 1-525,-6-1 0,-1 0 0,0 0 0,2 0 525,7-2 0,3 0 0,-1 0 0,-8-1-779,-8-3 1,-5-1-1,-2 3 779,17 2 0,-12-4 0,-16-33-524,3 41 1,4 1 523,-7-22 0,0 1 666,36 20-666,-14-18 0,10-13 0,-3 1 0,-21 14 0,-2 0 0,4-1 98,5-3 1,6-2 0,-2-1 0,-9 3-99,-1-6 0,-5 3 0,8-1 0,-6 7 0,-15 8 2337,12-8-2337,-15-2 0,-2-3 1319,6-16-1319,-4-9 0,-1 14 0,-3 2 319,-13 4-319,20-6 0,1-4 0,-24-10 0,16 14 0,10-8 0,-4-5 0,-10-12 0,-4-7 0,4 1-905,5 16 1,5 1 0,0-1-1,-4-3 905,-4-11 0,-3-5 0,-1 1 0,-2 6 0,1 6 0,-2 4 0,0 2-488,1 6 0,-1 2 1,-4 2 487,-8-8 0,1-2 0,8 7 0,4-3 0,-3-5 0,-7-1 0,-3-3 0,-1-4 0,1-3-723,2 9 0,1-4 0,1-2 0,0-1 0,-1 1 0,-2 1 723,0-8 0,-2 1 0,-1 1 0,1-1 0,-1 1-492,1 0 0,0 0 0,0 0 0,0 2 0,0 4 492,0 4 0,0 3 0,0 0 0,0-3 275,0-2 1,0-4-1,0-2 1,0 2-1,0 4-275,1 1 0,0 3 0,-1 1 0,-2-1 0,-2-7 0,-3-1 0,0 2 0,2 4 0,3 3 0,1 4 0,-2 4 0,-9-5 0,0 2 0,11-9 0,2 3 480,-1-11-480,0 19 0,0 8 4040,0 19-4040,0-17 0,0-3 5239,0 0-5239,0 5 0,0 1 0,0 6 2139,0-39-2139,0 27 0,0 7 0,0-5 0,0-24 0,0-6-600,0 11 1,0-3-1,0 1 600,0 2 0,0 0 0,0-3 0,0 4 0,0-3 0,0-2 0,0 3 0,0-10 0,0 2 0,0-2 0,0 8 0,0-2 0,0 1 0,0 4-628,1 1 1,-1 5 0,-1 0 627,-2-3 0,-1 1 0,0 16 0,1 20 0,-9-14 0,12 11 0,0 18 2419,0-41-2419,0 42 542,-24-19 0,19 24 0,-19 0 1</inkml:trace>
+  <inkml:trace contextRef="#ctx0" brushRef="#br0" timeOffset="133058">5530 9208 24575,'0'-38'0,"-24"-15"0,18-3 0,-4 17 0,-3 1 0,-11-6 0,7-17 0,-10 31 0,-8-20 0,17 9 0,-32 12 0,21-30 0,-14 30 0,1 2 0,15-20 0,-16-3 0,-8 6 0,-16 20 0,37-11 0,-2-3 0,-22 9 0,-1 5 0,20 2 0,0 0-1385,-22-8 0,-4-2 1385,0-7 0,1 2 0,6 12 0,0 0-437,10-6 0,-1-4 0,-5 4 437,-16 5 0,-7 6 0,7-2 0,5-8 0,1 1 0,-5 12 0,-6 3 0,16-5 0,11-28 0,-21 38 0,24-26 0,-9 12 0,21 17 0,2-18 2565,16 24-2565,-25-12 0,-20 10 0,-2-10 1516,8 12-1516,14 0 0,30 0 0,-29 0 0,32 0 0,-32 0 0,29 0 0,-29 0 0,32 0 0,-9 0 0,-11 12 0,5 14 0,-9-8 0,16 5 0,11-11 0,0-9 0,0 32 0,0-17 0,0 32 0,0-9 0,0-12 0,0-5 0,0-12 0,11 14 0,16 3 0,2 21 0,21-20 0,-35 4 0,0 5 0,14-3 0,3-1 0,13 24 0,-13-19 0,0-10 0,-2-24 0,-7 29 0,-11-8 0,14 14 0,-8 0 0,17-14 0,-32 8 0,32-17 0,-17 32 0,32-21 0,-32-3 0,29 10 0,-41-30 0,29 52 0,-9-25 0,27 8 0,-9-6 0,-5-32 0,-4 44 0,-6-15 0,-9-1 0,1 3 0,10 0 0,0-3 0,13 1 0,-3 15 0,18-20 0,-50-10 0,50 7 0,-42-12 0,33-10 0,-32 34 0,41-30 0,-50 17 0,38 1 0,-21-7 0,27 10 0,-21-15 0,39 11 0,-39-5 0,10 8 0,16-14 0,-25 11 0,8-17 0,-6 18 0,-32-24 0,68 12 0,-45-10 0,29 5 0,-1-2 0,-31-5 0,19 11 0,-1 2 0,-21-7 0,42 29 0,-44-32 0,40 9 0,-49-12 0,27 0 0,-25 0 0,-8 0 0,32 0 0,-29 0 0,41 0 0,-41 0 0,30 0 0,-34 0 0,10 0 0,12 0 0,-18-12 0,29-15 0,-32 10 0,9-19 0,-12 34 0,0-34 0,0 30 0,0-29 0,0 32 0,0-32 0,0 29 0,0-29 0,0 32 0,0-32 0,0 29 0,0-41 0,0 41 0,0-18 0,0 12 0,23 10 0,-17-10 0,18-12 0,-24 18 0,0-17 0,0 11 0,0 9 0,0-9 0,0-11 0,0 17 0,-24-18 0,18 13 0,-17 8 0,23-9 0,0-12 0,-12 19 0,9-19 0,-9 1 0,12 17 0,0-18 0</inkml:trace>
+  <inkml:trace contextRef="#ctx0" brushRef="#br0" timeOffset="138707">794 12198 24575,'-12'-37'0,"0"0"0,6-13 0,-5 1 0,-1-2 0,0-16 0,11 28 0,-1-2 0,-15-13 0,-1-6-684,14 5 1,4-3-1,-2 0 684,-5 1 0,-3 0 0,3 1 0,6 3 0,2 0 0,-1 0 0,0-10 0,0 0 0,0 7 151,0 13 0,0 0-151,7-15 0,2-8 0,-1 5 0,-6 3 0,2 4-599,8 0 1,-1 0 598,-10-2 0,-2 0 0,6-1 0,2-4 0,5-2 0,2-5 0,-2 2-98,-4 16 0,-2 1 0,1-2 98,5-15 0,2-4 0,-5 9 0,-8 16 0,-2 5 0,1 0 0,0 1 0,0-35 0,-2 9 0,4-8 0,11 12 0,6-3 0,-4-5-908,-10 2 1,-4-5-1,0 0 1,4 4 907,10-4 0,4 3 0,-6 1 0,-10 0 0,-4 0 0,-1 4-564,2-4 0,0 4 564,0 1 0,0 2 576,0 14 1,0 0-577,0-6 0,0-2 0,0-10 0,0-3-748,0 13 1,0-2-1,0 2 748,0-9 0,0 1 0,0 8 0,0-3 0,0 7 1775,0 11 0,0 0-1775,0-9 0,-1-5 0,2 1 0,5-9 0,0 4 0,-5 8 0,1 6 0,10-9 1582,-12 6-1582,23 6 0,-17-3 0,17 5 3590,-23 28-3590,12 11 366,-9 0-366,32 0 0,-17 0 0,8 0 0,45 11 0,-2 2 0,6 1 0,-12-5 0,1 0 0,-8-2 0,3 1 0,-13 0 0,-5 4 0,-5-9 0,-10 9 0,16 11 0,4 1 0,19-13 0,-7 14 0,-4-3 0,-22-22 0,39 0 0,-39 12 0,11-12 0,2 3 0,14 32 0,-13-32 0,-4 0 0,-10 21 0,4-24 0,-13 0 0,-17 0 0,29 0 0,-8 0 0,2 0 0,14 0 0,-1 0 0,-15 0 0,19 0 0,2 0 0,-4 0 0,-7 0 0,6 0 0,20 0 0,0 0 0,5 0 0,-24 0 0,-3 0 0,-6 0 0,-17 0 0,32 11 0,-21-8 0,-2 9 0,8-12 0,-6 24 0,1-18 0,5 17 0,-32-23 0,9 0 0,-12 0 0</inkml:trace>
+  <inkml:trace contextRef="#ctx0" brushRef="#br0" timeOffset="139425">3281 6721 24575,'38'23'0,"4"0"0,11 3 0,-1 2 0,11 10 0,0 0 0,-6-11 0,4-1 0,-8 1 0,-6 6 0,-6-8 0,9-19 0,-32 29 0,5-32 0,1 33 0,-18-30 0,17 29 0,-23-32 0,-23 56 0,17-48 0,-18 36 0,1-35 0,17-9 0,-29 9 0,8-12 0,-13 0 0,-8 0 0,-2 0 0,0 0 0,0 0 0,3 0 0,-15 0 0,51 0 0,11 0 0,0 0 0</inkml:trace>
+  <inkml:trace contextRef="#ctx0" brushRef="#br0" timeOffset="140109">1746 5054 24575,'-29'0'0,"5"23"0,24-17 0,0 18 0,0 35 0,0 9 0,0 8-1627,0-14 0,0 2 1627,0-5 0,0 5 0,0-2 0,0-2 0,0 0 0,0-3 376,0 6 0,0 0-376,0-3 0,0 3 0,0-10 0,0 15 0,0-30 0,24-26 0,-18-12 0,17 0 0,-23 0 0</inkml:trace>
+  <inkml:trace contextRef="#ctx0" brushRef="#br0" timeOffset="140914">2037 5689 24575,'12'-30'0,"-9"7"0,32 23 0,-5 23 0,11-17 0,21 30 0,-18-10 0,-5-7 0,-2 3 0,-5 19 0,4-14 0,-13 20 0,-17-38 0,18 50 0,-24-54 0,0 19 0,0-12 0,11-9 0,-8 8 0,33-11 0,-19-11 0,33 8 0,3-33 0,-21 19 0,4-10 0,-36 16 0,23 11 0,-17-24 0,29 6 0,-32-8 0,33-9 0,-30 29 0,17-18 0,-23 24 0</inkml:trace>
+  <inkml:trace contextRef="#ctx0" brushRef="#br0" timeOffset="141663">2540 5477 24575,'0'30'0,"0"28"0,0-13 0,0 10 0,0-7 0,0 1 0,0-6 0,0 0 0,0 0 0,0-1 0,0 20 0,0 8 0,0-20 0,0-4 0,0-1 0,0-4 0,0-17 0,0-12 0,0-9 0,0 8 0,0 13 0,0-18 0,0 41 0,0-30 0,0 10 0,12 8 0,-9-29 0,8 29 0,-11-32 0,0 33 0,0-19 0,0 10 0,24-16 0,-18-11 0,17 0 0,-23 0 0</inkml:trace>
+  <inkml:trace contextRef="#ctx0" brushRef="#br0" timeOffset="142700">3281 5530 24575,'-30'0'0,"7"12"0,11 14 0,9 4 0,-32 31 0,32-20 0,0-2 0,-20 11 0,20 11 0,6-5 0,-3-29 0,0 35 0,0-4 0,0-34 0,0 49 0,0-55 0,23 6 0,-17-13 0,17-8 0,-11 9 0,-9-12 0,32 0 0,-29 0 0,30 0 0,-33 0 0,8-12 0,13 9 0,-18-32 0,17 29 0,-23-17 0</inkml:trace>
+  <inkml:trace contextRef="#ctx0" brushRef="#br0" timeOffset="143236">3598 5848 24575,'30'0'0,"-7"0"0,1 0 0,-18 23 0,17-17 0,-23 18 0,0-24 0,0 11 0,12-8 0,-9 33 0,9-31 0,-12 31 0,0-33 0,0 32 0,0-6 0,-12 12 0,-15 9 0,10-20 0,-7-4 0,24-14 0,0 12 0,0-19 0,0 19 0,0-24 0,24 0 0,-7 0 0,10 0 0,-15 0 0</inkml:trace>
+  <inkml:trace contextRef="#ctx0" brushRef="#br0" timeOffset="143836">4075 5901 24575,'-24'-30'0,"18"30"0,-53 18 0,51 44 0,-11-29 0,2 1 0,17 25 0,0-9 0,0-15 0,0-29 0,0 29 0,24-32 0,-7 9 0,33 12 0,-20-19 0,-4 19 0,10-24 0,-31 0 0,31 0 0,-33 0 0,32 0 0,-29-24 0,17 19 0,-23-19 0</inkml:trace>
+  <inkml:trace contextRef="#ctx0" brushRef="#br0" timeOffset="144473">4366 5689 24575,'14'38'0,"22"-12"0,-1 1 0,-20 29 0,13-29 0,2-1 0,-6 24 0,-18-21 0,6 8 0,-1 0 0,-11-14 0,0 20 0,0-4 0,0-30 0,0 38 0,-23-44 0,-7 33 0,1-19 0,5 10 0,24-16 0,0 13 0,0-18 0,0 17 0</inkml:trace>
+  <inkml:trace contextRef="#ctx0" brushRef="#br0" timeOffset="145415">4736 5636 24575,'12'29'0,"14"7"0,10-4 0,5-3 0,9-2 0,-5 2 0,-5 1 0,-22-7 0,17-17 0,-9 29 0,15-8 0,-11-10 0,-7 7 0,-23-12 0,0-9 0,0 8 0,0 13 0,0-18 0,0 41 0,-23-41 0,-7 52 0,-1-19 0,-2 2 0,9 2 0,4 2-362,1 8 0,-1-3 362,-15 3 0,29-27 0,-17 10 0,23-19 0,0 10 0,-12 8 0,9-29 0,-9 17 0,12-23 0</inkml:trace>
+  <inkml:trace contextRef="#ctx0" brushRef="#br0" timeOffset="1.18613E6">15266 7515 8191,'0'-30'0,"0"-5"5063,0 32-5063,0-32 2818,-11 17-2818,-28-44 0,7 40 0,-3 0 0,6-10 0,-1-1 0,-8 13 0,3-1 0,5-29 0,-20 33 0,14-8 0,-6-9 0,-3-1-59,-1 0 1,-4-2 0,-3-1 0,-1 1 58,2 4 0,-3 1 0,-1 0 0,0-1 0,1 1 0,-7-7 0,1 0 0,0 0 0,1 0 0,3 1 0,-1 0 0,1 1 0,3 6 1711,-2 6 0,2 5 0,2-3-1711,6-6 0,1-2 0,-2 0 0,-6 1 0,-2 2 0,2 4 0,-10 5 0,2 3-838,-2-10 1,3-1 837,10 1 0,-3 5 0,1 13 0,-6 5 0,-3-4 0,4-5 0,-3-5 0,-2 0 0,-3 1-1008,1 4 1,-4 1 0,-2 1 0,0-1 0,1 0 1007,4-2 0,1 0 0,0-1 0,0 0 0,-2 0 0,-7-2 0,-2 0 0,-1-1 0,3 2 0,5 2 224,7 4 0,3 1 1,2 1-1,-1-1-224,-3-1 0,-2-2 0,3 2 0,5 3 224,-15 3 1,11 6-225,6 9 0,-3 25 0,1 11 0,20-15 0,0 2 634,-16 17 0,-3-2-634,7-15 0,7-8 0,15-9 0,-4 4 0,-2 3 0,-9 16 0,-16 3 0,16-15 0,-6 5 0,2 0 1183,-7 14 1,-3 1-1184,-4-6 0,-6 2 0,7 2 0,18 1 0,6 3 0,-1-6 213,-15-1 0,5-2-213,14 4 0,11-7 0,15-21 0,-32 40 0,14-3 0,0 5 0,-7-1 0,1 3 0,11-11 0,2 3 0,2-4 0,0 4 0,1-5 0,-1 19 0,9-15 2413,-9 20-2413,12-29 0,0 6 0,-1 11 0,0 7 0,3-3 177,8-9 0,4-3 1,-2 0-178,-7 1 0,-2 0 0,9-6 0,31 5 0,0-9 0,-20 0-743,23-6 0,2 0 743,-13 18 0,-4-29 0,3-1 0,2 5 0,2 0 0,7-2 0,4-2 0,1-6 0,0 2 493,-9 9 1,-3-5-494,21-21 0,-24 33 0,6 4 0,10-29 0,9-10 0,0 4 0,-8 12 0,-1 3 0,7-4-1164,0-12 0,7-4 0,4-3 0,-2 0 0,-5 2 1164,13 5 0,-5 2 0,5-2 0,-12-3 0,5 0 0,1-1 0,0 0 0,-2 1-518,2 2 1,-2 1 0,2 0-1,5-1 518,-14-1 0,5 1 0,2-1 0,2 0 0,0 0 0,0 0 0,-1 0 0,-2-1 0,-1 1 0,0-1 0,0 0 0,1 0 0,2 0 0,2 0-293,-5 0 0,2-1 0,2 0 1,1 1-1,0-1 0,1 0 1,-1 0-1,-2 0 0,-1 0 293,11 1 0,0 0 0,-1 0 0,-1 0 0,-2-1 0,-3 0 0,-5-1 0,2 0 0,-3-1 0,-4-1 0,-2-1 0,-3-1 0,21-5 0,-5-2 0,-18 1 244,-19 3-244,-29-19 0,36-13 0,10 4 0,-11 15 1036,-8-10 1,5-11 0,3 0-1037,11-2 0,5-2 0,-4 1 610,-11 2 0,-3 0 0,6-4-610,4 0 0,8-4 0,3-3 0,-2 2 0,-8 3 0,-1-3 0,-6 3 0,3-3 0,2-3 0,4-4 0,-3 1 0,-10 3 0,-5-7 0,-9 1 0,-7 10 0,-1-3 0,-5 0 1079,-8-3 0,-5 0 0,-2-3-1079,-2-9 0,-3-3 0,-3-2 0,-1 9 0,-2-4 0,-4 1 0,-2 3-1065,-4 5 1,-3 3 0,-2 1 0,0 2 1064,-7-13 0,-1 2 0,-2 9 0,-14 8 0,3 4 388,22-4 1,3 5-389,-25 11 0,26 0 0,-5-4 0,-11 6 0,-9 0 0,0 2-293,3 0 0,-1 1 0,-4-1 293,-3-2 0,-5-1 0,-1-1 0,1 2 0,3 2 0,1 3 0,-2-1 0,-2-2 0,2 1 0,-2-3 0,-2 0 0,0 0 0,0 0 0,-3 0 0,0 0 0,-1 0 0,0 0 0,-1 0 0,9 3 0,-1-2 0,0 1 0,0 0 0,0 2 0,0 2-519,-6 1 1,-1 3 0,1 1 0,1 0-1,2 0 519,-7-6 0,2-1 0,1 1 0,-1 3 0,0 6 0,-1 4 0,0 1 0,-3-3 0,5-1 0,-2-1 0,-1-1 0,-1 0 0,0 3 175,-4 0 1,-1 2 0,0 0-1,-1 1 1,0 0-176,11 1 0,-2 0 0,1 0 0,0 1 0,0 0 0,2 1 0,-5 1 0,-1 1 0,2 1 0,4 1 0,4-1 0,-6 2 0,7 0 0,2 0 0,-18 0 0,12 0 0,21 0 0,-21 0 2024,7 12-2024,4 4 0,-1 6 0,9 12 0,0 0 0,-4-11 0,3 1 0,18 7 0,-1-3 2302,-15-13 0,-1-4-2302,-7 19 2005,13-6 0,-2 2-2005,-7-1 0,7 3 0,12 27 0,-13-29 0,-2 1 0,19 17 0,5 9-481,-7 4 0,-3 6 0,1 0 481,2-4 0,2 0 0,1 2 0,2 5 0,2 1 0,3-6-371,0 1 1,6-12 370,9-18 0,0 39 0,24-4 0,-15-8 0,-1 3-349,4-11 1,3-2 348,4-9 0,-3-4 1333,-10-1-1333,29 27 0,-8-12 0,-12 0 0,2 11 0,4-1-721,8-7 0,4-1 0,-4-1 721,-5 15 0,2 0 0,2-18 0,4-1 0,2-1-248,-1-2 0,2-2 0,0-2 248,11 10 0,2 0 0,-2 3 0,3 5 0,-6-7 0,-8-8 0,-2-7 0,19 8 0,-25-14 0,-4-1 635,7 12-635,20 15 0,-11-17 0,-2-1 0,1 6 0,-2-23 0,-1-4 0,-8-5 0,2 11 0,33-17 0,-16 17 0,6 11 0,0-9-116,3-16 0,4-3 116,6 11 0,6 6 0,5-4 0,-8-7 0,3-3 0,2-2 0,3 0 0,-8-2 0,2-1 0,2 0 0,2-1 0,4 2-488,-16-1 1,4 1-1,1 0 1,3 1-1,-1-1 1,1 0-1,-1-1 1,-1 0 487,4-1 0,1 0 0,0-2 0,-1 1 0,-1-1 0,-1 0 0,-2 0 0,2-1 0,-3 1 0,0-2 0,-1 1 0,0 0 0,1 0 0,4 0 0,0 0 0,1 0 0,0 0 0,-2 0 0,-3 0-519,2 0 1,-4 0 0,0 1 0,1-2 0,2 1 518,-2-1 0,3 1 0,1-1 0,0 0 0,-1-3 0,-2-1 0,8-5 0,1-3 0,-3-1 0,-3 1 0,-5 1 0,6 5 0,-6 1 0,-4-7 0,-2-12 0,-4-7 0,-16 7 0,-22 7 0,33-9 951,-24-8 0,1 0-951,41 8 0,-29-33 0,1 0 0,28 33 2203,-45-18 0,-5-4-2203,17 5 4235,-32-23-4235,9 2 0,-12 24 0,-12-21 0,-26 6 0,16 24 0,0-3 0,-2-13 0,-5-4 0,-14-1 0,-9-4 0,3-1-2029,12 2 1,4-2-1,-9-1 2029,-1 11 0,-9-1 0,-2-1 0,0 1 0,4 1 0,4-3 0,4 2 0,-1-1 0,-8 0 0,7 11 0,-5-1 0,-3 0 0,-2-1 0,-1 0 0,0 0 0,2 0 0,2 1 0,1-1 0,0-1 0,0 1 0,-1 0 0,-3 0 0,-1-1 0,3 5 0,-3 0 0,-1-1 0,-1 0 0,-2 0 0,2 1 0,-1 0 0,3 2 0,1 0-682,-4-2 1,2 0 0,1 1 0,0 1 0,1 1 0,1 1 0,-1 1 681,-3 0 0,-1 0 0,0 2 0,2 0 0,3 2 0,3 1 0,-2-4 0,5 2 0,1 1 0,-6 1-266,-4 4 0,-3 1 0,-4 2 0,1 0 0,2-1 266,-8-4 0,2 0 0,-1 1 0,-5 1 0,9 6 0,-5 1 0,-2 0 0,0 1 0,2 1 0,4 1 0,-13-2 0,3 1 0,3 1 0,5 2 0,-2 1 0,5 1 0,6 2 0,-3 3 0,14-4 0,19-15 0,-26 17 3508,9-18-3508,3 22 0,-3 4 0,-15-2 0,-8-12 5847,-7 9-5847,30-8 1414,-4 8 1,-4 6-1415,-21 8 0,5-8 0,26 17 0,-5 11 0,7 1-312,4 5 0,1 2 312,-13-2 0,-7 3 0,5 4-1170,12 8 0,4 4 0,0-3 1170,3-13 0,0-3 0,-1 4 0,-7 17 0,0 5 0,3-5 0,-1-1 0,0-2-338,5-6 1,-1 2-1,-2-1 338,1-4 0,-2-2 0,3 1 0,-6 19 0,2-1 0,-3-10 0,3-4 0,2 13 0,9-21 0,-4 24 0,5-33 0,0 4 0,11 20 0,-1 2 0,-22-13 0,0-1-149,24 4 0,3 6 149,-10 9 0,-2 8 0,5 1 232,12-16 0,5 0 0,2 2 0,-2 2-232,-2-2 0,-1 3 0,1 2 0,-1-2 0,1-5 0,2 16 0,0-5 0,0-6 0,0 8 0,0-17 1055,0-35-1055,12 42 0,-9-50 0,24 24 0,5 5 0,-9-6 0,19 5 0,2 2 337,0 17-337,9-3 0,-21-20 0,-3-4 0,-8-9 1250,10 12 1,-3-5-1251,-22-21 0,33 10 0,16 3 0,0 7 0,1-2-1263,2-12 1,2 0 1262,-11 6 0,1 4 0,-2-3-1346,10-4 1,2-4 1345,-6-1 0,4-1 0,3 2 0,-8 0 0,2 2 0,2 0 0,4 0 0,7-3 0,5 0 0,3 0 0,1 0 0,0 2 0,-10 2 0,0 1 0,0 2 0,2-1 0,1 0 0,1-2-649,1-3 0,2-2 0,1 0 0,1-1 1,0-1-1,-2 1 0,-3 1 649,0 2 0,-1 0 0,-2 1 0,-1-1 0,-1-1 0,1-3-635,7-2 1,0-1 0,-1-3 0,-3 0 0,-3 0 634,-5-1 0,-4 0 0,-1 0 0,4 0-77,2 0 1,2 0-1,2 0 1,1 0 0,-1 0 76,-1 0 0,0 0 0,0 0 0,1 0 0,0 0 0,4 0 0,1 0 0,0 0 0,-1 0 0,-4 0 0,-1 0 0,-2 0 0,-3 0 0,-3 0 0,4 0 0,-4 0 0,-4 0 0,3 0 0,-5 0 561,-8 0 1,-3 0-562,21 0 3798,-27 0-3798,-29 0 5251,29-12-5251,-32 9 3554,32-32-3554,-5 29 209,11-29-209,-15 32 0,21-33 0,-38 31 0,21-17 0,-1-3 0,-23 7 0,29-9 0,-32 16 0,9-13 0,11 18 0,-17-52 0,18 49 0,-24-38 0,0 44 0,0-56 0,0 12 0,0-3 0,0-3 0,0-18-301,0 27 0,0 0 301,0-12 0,0 3 0,0-8 0,0-7 0,-17 28 0,-2-2 0,16-3 0,-2-1 0,-25-8 0,1 5 0,23-1 0,-10 13 0,-3 3 0,-8 8 602,10-4-602,-7-20 0,24 33 0,-12-19 0,-14 10 0,-15-27 0,0-3 0,-9 3 0,32 3 0,-6 33 0,13-7 0,8 12 0,-33 10 0,19-46 0,-33-7 0,32 8 0,-6 13 0,1 9 0,17 22 0,-29-32 0,32 29 0,-32-18 0,29 12 0,-18 9 0,13-8 0,8-13 0,-9 18 0,-12-29 0,18 32 0,-29-9 0,32-11 0,-32 17 0,29-41 0,-17 41 0,-1-29 0,18 8 0,-29-2 0,32 2 0,-32-8 0,29 18 0,-29-33 0,8 32 0,-2-41 0,-21 27 0,32-9 0,-5 17 0,-1 24 0,6 0 0,-8 0 0,14-12 0,-11 9 0,17-8 0,-30-13 0,34 18 0,-34-29 0,19 32 0,-33-9 0,32 12 0,-5 0 0,11 0 0,9 0 0,-32 0 0,5 0 0,-11 0 0,-21 0 0,12 0 0,-3 0 0,3 0 0,-3 0 0,-11 0 0,-1 0 0,6 0 0,3 0 0,-17 0 0,21-11 0,4-1 0,4 6 0,-18-18 0,45 1 0,-42 5 0,26-8 0,-20-10 0,27 31 0,-9-19 0,29 24 0,-29 0 0,32 0 0,-33 0 0,7 0 0,0 0 0,-7 0 0,10 24 0,-4-19 0,-20 31 0,21-10 0,3-8 0,-10 5 0,30-23 0,-41 0 0,30-23 0,-10 17 0,-8-18 0,29 48 0,-17-18 0,11 17 0,9-23 0,-32 0 0,29 0 0,-18 0 0,12 0 0,10 0 0,-10 24 0,-12-18 0,18 17 0,-17-11 0,23-9 0,-24 9 0,18 11 0,-17-17 0,11 18 0,9-13 0,-8-8 0,-13 9 0,18 12 0,-17-19 0,11 19 0,9-12 0,-9-9 0,12 8 0,0 13 0,-23-18 0,17 17 0,-18-23 0,24 0 0</inkml:trace>
+</inkml:ink>
+</file>
+
+<file path=ppt/ink/ink2.xml><?xml version="1.0" encoding="utf-8"?>
+<inkml:ink xmlns:inkml="http://www.w3.org/2003/InkML">
+  <inkml:definitions>
+    <inkml:context xml:id="ctx0">
+      <inkml:inkSource xml:id="inkSrc0">
+        <inkml:traceFormat>
+          <inkml:channel name="X" type="integer" min="-2.14748E9" max="2.14748E9" units="cm"/>
+          <inkml:channel name="Y" type="integer" min="-2.14748E9" max="2.14748E9" units="cm"/>
+          <inkml:channel name="F" type="integer" max="32767" units="dev"/>
+        </inkml:traceFormat>
+        <inkml:channelProperties>
+          <inkml:channelProperty channel="X" name="resolution" value="1000" units="1/cm"/>
+          <inkml:channelProperty channel="Y" name="resolution" value="1000" units="1/cm"/>
+          <inkml:channelProperty channel="F" name="resolution" value="0" units="1/dev"/>
+        </inkml:channelProperties>
+      </inkml:inkSource>
+      <inkml:timestamp xml:id="ts0" timeString="2024-01-15T04:13:35.533"/>
+    </inkml:context>
+    <inkml:brush xml:id="br0">
+      <inkml:brushProperty name="width" value="0.05292" units="cm"/>
+      <inkml:brushProperty name="height" value="0.05292" units="cm"/>
+      <inkml:brushProperty name="color" value="#FF0000"/>
+    </inkml:brush>
+  </inkml:definitions>
+  <inkml:trace contextRef="#ctx0" brushRef="#br0">13203 7435 24575,'0'15'0,"0"-3"0,0 11 0,59 18 0,-33 27 0,21-27 0,3-3-1095,-6 6 1095,-18-7 0,1-3 268,23-2-268,-22-2 0,-3 5 0,7 30 0,14-28 0,2 5 0,-24 21 0,2 3-1378,15-27 0,10-3 0,-5 4 1378,-8 15 0,-4 6 0,6-1 0,10-9 0,7 0 0,1-2 0,-8-3-121,-14-3 1,-5-3 0,5 4 120,4-2 0,9 6 0,0-1 0,-5-3 0,-12-11 0,1 11 0,2-7 0,8 5 0,-4 0-708,-5 7 1,0 5 707,-5-10 0,3 5 0,3 2 0,1 2 0,2-1 0,3 4 0,1 0 0,-2-1 0,-4-4 0,4 12 0,-5-4 0,2-1 0,6 1 0,2-2 0,-4-9 0,-9-13 0,-2-8 0,32 11 1831,-27 4 0,-3 1-1831,4-1 1163,-13-1-1163,-5 9 0,18-35 0,1-1 1912,-13 36-1912,34-20 0,-28 3 0,2 7 0,5-6 0,5 2 0,0 0-966,-3 2 0,-1 1 0,2-1 966,7-2 0,1-1 0,-4-1 0,-3 11 0,-3-4-640,-6-20 1,3 2 639,18 17 0,7 9 0,-2-3 0,-15-14 0,-3-3 0,3 4 0,1 3 0,2 4 0,1 0 0,-1-3 0,7 1 0,0-3 0,-9-2 0,-18-4 0,1 1 0,20 6 0,9 3 0,-7-9-521,7-3 521,-13 2 0,9 12 0,3 1 0,-8-10 0,3-9 0,-3-2 0,0 6 0,2 4 0,-7-4 0,11 8 2601,-3-29-2601,-9 30 0,-11-33 0,5 32 1442,-32-29-1442,32 41 655,7-30-655,-11 8 0,5 0 0,15-11 0,1 2-1322,-4 25 1,1 3 1321,15-19 0,1 0 0,-19 10 0,-3 6 0,1-5 0,12-5 0,-1-3 0,-4 3 0,1 2 0,-2-3 0,3 0 0,-9-5 0,6 2 0,-5-1 0,7 4 0,-19-4 0,-28-8 0,43 8 2643,-31 10-2643,10-31 0,8 19 0,-53-24 0,36 0 0,-42 0 0</inkml:trace>
+  <inkml:trace contextRef="#ctx0" brushRef="#br0" timeOffset="1726">13123 13494 24575,'15'-41'0,"20"-9"0,-17 21 0,5-8 0,4 0 0,14 2 0,-6 0 0,5-7 0,-3-2-2328,-4-11 1,1-1 2327,14 3 0,7-1 0,-11-1 0,-16-14 0,-6 3-122,7 15 1,4-1 121,-5 6 0,4-4 0,2-4 0,1-2 0,-5 7 0,0-2 0,1-2 0,1-2 0,3-2 0,1-1-574,-1 4 1,3-1-1,1-3 1,2-1-1,1-1 1,1-1-1,-2 1 1,0 1-1,-2 1 574,1-2 0,-1 0 0,-1 1 0,0-1 0,0 2 0,0-1 0,0 0 0,2 1-432,1-1 1,1 0-1,1 0 1,-1 0 0,1 1-1,-2 1 1,-1 2 0,-3 2 431,7-10 0,-5 3 0,0 2 0,0-1 0,3-3-122,-3 5 0,2-1 1,2-2-1,0-1 0,0 0 1,-1-1-1,-2 0 122,-2 1 0,-2-1 0,-1 0 0,-1 0 0,2-2 0,0 0 0,2-2 0,-3 7 0,1-1 0,2-2 0,0 0 0,0 0 0,1-1 0,-1 0 0,0 1 0,0 0-188,-1 0 1,0-1 0,0 0 0,0 0-1,0 0 1,0 1 0,-1 1 0,0 2 0,-1 2 187,4-4 0,-2 3 0,0 1 0,-1 2 0,1-1 0,2-1 0,1-2 0,-4 5 0,3-2 0,1-1 0,0-1 0,0 0 0,1 1 0,-2 2 0,-1 3 0,-1 2 260,11-13 1,-3 4 0,0 3 0,0 0 0,1-1-261,-5 6 0,1 0 0,1-1 0,-1 1 0,0 1 0,-2 2 0,10-13 0,0 1 0,-3 4 0,-3 10 0,7 5 0,-2 3 0,-11-10 0,0-5 0,-2 10 1420,-1 17 1,-3 2-1421,-4-16 0,0 3 3277,34 11-3277,-45 14 5872,30-12-5872,-41 19 2754,53-31-2754,-15 33 0,0-8 0,3 11 0,-44 0 0,9 0 0,12 0 0,-19 0 0,42 0 0,-41 0 0,18 0 0,-12 0 0,-9 0 0,8 0 0</inkml:trace>
+  <inkml:trace contextRef="#ctx0" brushRef="#br0" timeOffset="11687">11589 11695 24575,'14'29'0,"-2"-5"0,12-12 0,17-9 0,-9 8 0,15 13 0,-44-18 0,9 17 0,11-23 0,7 0 0,11 24 0,-15-18 0,10 17 0,-30-23 0,29 0 0,-9 0 0,4 0 0,10 6 0,5 0 0,-3-5 0,1 1-444,23 15 0,1 1 444,-25-14 0,1-2 0,20 10 0,6 0 0,-12-10 0,4-3 0,3 0-1257,-1 0 1,3 1 0,1 0 0,-1 1 1256,-6 0 0,-1 2 0,0 0 0,1 1 0,13 2 0,4 0 0,-4 1 0,-14 1-93,-14 1 1,-1-1 92,25 2 0,11-2 0,-15-2 0,-6-6 0,-4 0 0,2 0 0,-13-1 0,-3 2 651,21 11-651,-20-11 0,7 1 0,6 7 0,7 4 0,3 0 0,-5-5 0,3-2 0,3 1 0,4 1 18,-9 2 1,4 0 0,2 2-1,2 0 1,1-1-1,1-1-18,-5-2 0,2-2 0,1 0 0,1-1 0,0 1 0,2 0 0,1 1-611,-2 1 0,2 2 0,2 0 1,1 0-1,-1 1 0,-1-2 1,-1 0-1,-2-2 611,-4-2 0,-2-2 0,-2 0 0,0-1 0,0 0 0,3 0 0,2 1 0,-1 1 0,2 0 0,2 0 0,2 1 0,0 0 0,0-1 0,-1 0 0,-2-1 0,-3-1-305,6 0 1,-1-2 0,-2 0 0,-2 0-1,0-1 1,-2 1 0,-1-1 304,14 1 0,-3 0 0,-1 0 0,-2 0 0,-2 0-208,11 0 1,1 0 0,-10 0 0,-23 0 207,-24 0 2446,10 0-2446,-7 0 4827,12-11-4827,9 8 3819,-32-9-3819,40-12 2089,-49 19-2089,34-11 0,8-4 0,-1-6 0,7 16 0,14 3 0,-2-6-1292,-10-9 1,-2-6 0,1 5 1291,6 10 0,1 5 0,-3-6 0,-9-12 0,-2-5 0,-5 2-483,2 1 0,-5 1 483,16-18 0,-34 13 0,0 6 0,10 20 0,-17-41 0,8 41 3648,9-29-3648,-29 32 1192,30-33-1192,-10 19 0,27-33 0,-21 32 0,27-5 0,-53 11 0,29 9 0,-8-9 0,-10-11 0,7 17 0,11-30 0,-14 33 0,40-32 0,-8 29 0,3-17 0,-3-1 0,-3 18 0,3-29 0,3 9 0,-10-6 0,-4-1 0,-7-2 0,9 7 0,-5 9 0,-31 19 0,51-24 0,-29-5 0,11-1 0,-15-5 0,10 9 0,-31 8 0,31-17 0,-33 32 0,32-9 0,-29-12 0,17 19 0,-23-19 0</inkml:trace>
+  <inkml:trace contextRef="#ctx0" brushRef="#br0" timeOffset="12566">20505 10954 24575,'68'29'0,"-25"-15"0,2-4 0,2-8 0,0-4 0,1 2 0,1 0 0,4 0 0,-3 0 0,18 0 0,-27 0 0,-6 0 0,-32 0 0,9 0 0,-12 12 0,0-9 0,0 32 0,0 0 0,0 6 0,0 11 0,0 8 0,-2 1 0,-2 10 0,1 4 0,0-6-1419,2 7 1,0-2 0,0 0 1418,-2-13 0,0 2 0,-1-2 0,2-8 0,2 8 0,0-10 0,0-4 0,0-41 0,0 17 0,0-23 0,0 0 0,0 0 0</inkml:trace>
+</inkml:ink>
+</file>
+
+<file path=ppt/ink/ink3.xml><?xml version="1.0" encoding="utf-8"?>
+<inkml:ink xmlns:inkml="http://www.w3.org/2003/InkML">
+  <inkml:definitions>
+    <inkml:context xml:id="ctx0">
+      <inkml:inkSource xml:id="inkSrc0">
+        <inkml:traceFormat>
+          <inkml:channel name="X" type="integer" min="-2.14748E9" max="2.14748E9" units="cm"/>
+          <inkml:channel name="Y" type="integer" min="-2.14748E9" max="2.14748E9" units="cm"/>
+          <inkml:channel name="F" type="integer" max="32767" units="dev"/>
+        </inkml:traceFormat>
+        <inkml:channelProperties>
+          <inkml:channelProperty channel="X" name="resolution" value="1000" units="1/cm"/>
+          <inkml:channelProperty channel="Y" name="resolution" value="1000" units="1/cm"/>
+          <inkml:channelProperty channel="F" name="resolution" value="0" units="1/dev"/>
+        </inkml:channelProperties>
+      </inkml:inkSource>
+      <inkml:timestamp xml:id="ts0" timeString="2024-01-15T03:45:25.981"/>
+    </inkml:context>
+    <inkml:brush xml:id="br0">
+      <inkml:brushProperty name="width" value="0.05292" units="cm"/>
+      <inkml:brushProperty name="height" value="0.05292" units="cm"/>
+      <inkml:brushProperty name="color" value="#FF0000"/>
+    </inkml:brush>
+  </inkml:definitions>
+  <inkml:trace contextRef="#ctx0" brushRef="#br0">2937 12277 24575,'29'0'0,"18"0"0,-6 0 0,24 0 0,9 0-2801,-9 0 0,2 0 2801,-7 0 0,4 0 0,-6 0 0,-1 0 0,-5 0 836,1 0 0,-6 0-836,-3 0 906,30 0-906,-54 0 0,39 0 0,-53 0 3024,41 0-3024,-6 0 0,5 6 0,13 4 0,-2-2-236,11-5 1,2-1 235,-12 6 0,3 1 0,2-2-512,-7-5 1,3-2 0,0-1 0,-1 0 511,13 1 0,-2 0 0,6 0-979,-9 0 1,7 0 0,2 0 0,-2 0 0,-7 0 978,7 0 0,-6 0 0,-1 0-1,-2 0 0,-1 0 0,-8 0 1,18 0 0,-2 0 0,-25 2 0,7 2 0,1 2 8,0 2 0,2 1 0,-2 0-8,-2-3 0,0 0 0,-3 0 0,17 7 0,-5-3 0,-20-9 0,-6-2 1491,-3 1-1491,15 0 5456,-44 0-5456,33 0 4,-7 0-4,0 0 435,7 0-435,-33 0 0,32 0 0,6 0 0,27 0 0,-1 0 0,-14 0 0,-3 0 0,3 0 0,-9 0 0,3 0 0,-6 0 0,4 0 0,16 0 0,10 0 0,-7 0-746,-8 0 0,3 0 746,9 0 0,13 0 0,-1 0 0,-15 0 0,-15 0 0,-3 0-160,23 0 1,10 0 0,-15 0 159,-4 0 0,-16 0 0,2 0-736,3 0 0,0 0 736,-8 0 0,1 0 0,10 0 0,0 0 0,-11 0 0,-5 0 0,4 0 1338,6 0-1338,-41 0 476,53 0-476,-39 0 1628,42 0-1628,-44 0 0,5 0 0,-11 0 0,-9 0 0,32 0 0,30 0 0,-15 0 0,12 0 0,-27 0 0,-17 0 0,32 0 0,-9 0 0,-12 0 0,6 0 0,-32 0 0,9 0 0,12 0 0,-18 0 0,29 0 0,-32 0 0,9 0 0,11 0 0,-17 0 0,29 0 0,-8 0 0,2 0 0,-2 0 0,8 0 0,-6 0 0,1 24 0,-7-18 0,-23 17 0</inkml:trace>
+</inkml:ink>
+</file>
+
 <file path=ppt/notesMasters/notesMaster1.xml><?xml version="1.0" encoding="utf-8"?>
 <p:notesMaster xmlns:a="http://schemas.openxmlformats.org/drawingml/2006/main" xmlns:r="http://schemas.openxmlformats.org/officeDocument/2006/relationships" xmlns:p="http://schemas.openxmlformats.org/presentationml/2006/main">
   <p:cSld>
@@ -217,7 +319,7 @@
           </a:lstStyle>
           <a:p>
             <a:fld id="{1A579F0B-3C9B-5D48-830B-4C10E9B78A65}" type="datetimeFigureOut">
-              <a:t>10/10/2023</a:t>
+              <a:t>15/01/2024</a:t>
             </a:fld>
             <a:endParaRPr lang="en-VN"/>
           </a:p>
@@ -1012,6 +1114,51 @@
               <a:p>
                 <a:endParaRPr lang="en-VN"/>
               </a:p>
+              <a:p>
+                <a:endParaRPr lang="en-VN"/>
+              </a:p>
+              <a:p>
+                <a:r>
+                  <a:rPr lang="en-VN"/>
+                  <a:t>Dang 1:</a:t>
+                </a:r>
+              </a:p>
+              <a:p>
+                <a:r>
+                  <a:rPr lang="en-VN"/>
+                  <a:t>- Có thể xem xét design các thuật toán dạng Grover, Shor</a:t>
+                </a:r>
+              </a:p>
+              <a:p>
+                <a:r>
+                  <a:rPr lang="en-VN"/>
+                  <a:t>- </a:t>
+                </a:r>
+              </a:p>
+              <a:p>
+                <a:endParaRPr lang="en-VN"/>
+              </a:p>
+              <a:p>
+                <a:r>
+                  <a:rPr lang="en-VN"/>
+                  <a:t>Đánh giá</a:t>
+                </a:r>
+              </a:p>
+              <a:p>
+                <a:r>
+                  <a:rPr lang="en-VN"/>
+                  <a:t>- Pattern đặc biệt của từng quantum state preparation</a:t>
+                </a:r>
+              </a:p>
+              <a:p>
+                <a:r>
+                  <a:rPr lang="en-VN"/>
+                  <a:t>Ví dụ, đối với quantum state preparation, pattern U nào là ngon.</a:t>
+                </a:r>
+              </a:p>
+              <a:p>
+                <a:endParaRPr lang="en-VN"/>
+              </a:p>
             </p:txBody>
           </p:sp>
         </mc:Choice>
@@ -1502,7 +1649,7 @@
           <a:lstStyle/>
           <a:p>
             <a:fld id="{0BCD2EF3-D04C-D342-86B6-9F6DD330D35D}" type="datetime1">
-              <a:t>10/10/2023</a:t>
+              <a:t>15/01/2024</a:t>
             </a:fld>
             <a:endParaRPr lang="en-VN"/>
           </a:p>
@@ -1700,7 +1847,7 @@
           <a:lstStyle/>
           <a:p>
             <a:fld id="{7A873CA3-A4F0-114D-A400-68E5A1BF128E}" type="datetime1">
-              <a:t>10/10/2023</a:t>
+              <a:t>15/01/2024</a:t>
             </a:fld>
             <a:endParaRPr lang="en-VN"/>
           </a:p>
@@ -1908,7 +2055,7 @@
           <a:lstStyle/>
           <a:p>
             <a:fld id="{EF64BE83-236C-8F4E-8F2F-62BFA778598E}" type="datetime1">
-              <a:t>10/10/2023</a:t>
+              <a:t>15/01/2024</a:t>
             </a:fld>
             <a:endParaRPr lang="en-VN"/>
           </a:p>
@@ -2106,7 +2253,7 @@
           <a:lstStyle/>
           <a:p>
             <a:fld id="{D10DC3D6-2604-1C4A-9496-D90123A66E64}" type="datetime1">
-              <a:t>10/10/2023</a:t>
+              <a:t>15/01/2024</a:t>
             </a:fld>
             <a:endParaRPr lang="en-VN"/>
           </a:p>
@@ -2380,7 +2527,7 @@
           <a:lstStyle/>
           <a:p>
             <a:fld id="{2CDF5102-B0FA-A74F-AF1C-57F16B74227B}" type="datetime1">
-              <a:t>10/10/2023</a:t>
+              <a:t>15/01/2024</a:t>
             </a:fld>
             <a:endParaRPr lang="en-VN"/>
           </a:p>
@@ -2646,7 +2793,7 @@
           <a:lstStyle/>
           <a:p>
             <a:fld id="{C1D7B43D-841F-AA4D-9112-B73EA7BE9907}" type="datetime1">
-              <a:t>10/10/2023</a:t>
+              <a:t>15/01/2024</a:t>
             </a:fld>
             <a:endParaRPr lang="en-VN"/>
           </a:p>
@@ -3059,7 +3206,7 @@
           <a:lstStyle/>
           <a:p>
             <a:fld id="{03BB17FB-0536-C84D-8FD6-F1E2BA2D3147}" type="datetime1">
-              <a:t>10/10/2023</a:t>
+              <a:t>15/01/2024</a:t>
             </a:fld>
             <a:endParaRPr lang="en-VN"/>
           </a:p>
@@ -3199,7 +3346,7 @@
           <a:lstStyle/>
           <a:p>
             <a:fld id="{3A1D7015-E556-0E40-96DE-79E32123DD7B}" type="datetime1">
-              <a:t>10/10/2023</a:t>
+              <a:t>15/01/2024</a:t>
             </a:fld>
             <a:endParaRPr lang="en-VN"/>
           </a:p>
@@ -3310,7 +3457,7 @@
           <a:lstStyle/>
           <a:p>
             <a:fld id="{1129E288-AF34-3F46-B1B4-83999B01E22F}" type="datetime1">
-              <a:t>10/10/2023</a:t>
+              <a:t>15/01/2024</a:t>
             </a:fld>
             <a:endParaRPr lang="en-VN"/>
           </a:p>
@@ -3621,7 +3768,7 @@
           <a:lstStyle/>
           <a:p>
             <a:fld id="{C14D459A-6CC8-104B-86D5-26C3CF2ADFC1}" type="datetime1">
-              <a:t>10/10/2023</a:t>
+              <a:t>15/01/2024</a:t>
             </a:fld>
             <a:endParaRPr lang="en-VN"/>
           </a:p>
@@ -3908,7 +4055,7 @@
           <a:lstStyle/>
           <a:p>
             <a:fld id="{80FC111F-754A-2440-9FDF-3BA5CB6F07B8}" type="datetime1">
-              <a:t>10/10/2023</a:t>
+              <a:t>15/01/2024</a:t>
             </a:fld>
             <a:endParaRPr lang="en-VN"/>
           </a:p>
@@ -4149,7 +4296,7 @@
           </a:lstStyle>
           <a:p>
             <a:fld id="{219C6A5C-782A-994B-B03A-7190ED0A58FF}" type="datetime1">
-              <a:t>10/10/2023</a:t>
+              <a:t>15/01/2024</a:t>
             </a:fld>
             <a:endParaRPr lang="en-VN"/>
           </a:p>
@@ -16065,6 +16212,57 @@
           </a:fontRef>
         </p:style>
       </p:cxnSp>
+      <mc:AlternateContent xmlns:mc="http://schemas.openxmlformats.org/markup-compatibility/2006">
+        <mc:Choice xmlns:p14="http://schemas.microsoft.com/office/powerpoint/2010/main" Requires="p14">
+          <p:contentPart p14:bwMode="auto" r:id="rId6">
+            <p14:nvContentPartPr>
+              <p14:cNvPr id="3" name="Ink 2">
+                <a:extLst>
+                  <a:ext uri="{FF2B5EF4-FFF2-40B4-BE49-F238E27FC236}">
+                    <a16:creationId xmlns:a16="http://schemas.microsoft.com/office/drawing/2014/main" id="{9928E2DD-733C-5AC9-597A-3D3C10A987D3}"/>
+                  </a:ext>
+                </a:extLst>
+              </p14:cNvPr>
+              <p14:cNvContentPartPr/>
+              <p14:nvPr/>
+            </p14:nvContentPartPr>
+            <p14:xfrm>
+              <a:off x="237600" y="1437840"/>
+              <a:ext cx="6878520" cy="4497120"/>
+            </p14:xfrm>
+          </p:contentPart>
+        </mc:Choice>
+        <mc:Fallback>
+          <p:pic>
+            <p:nvPicPr>
+              <p:cNvPr id="3" name="Ink 2">
+                <a:extLst>
+                  <a:ext uri="{FF2B5EF4-FFF2-40B4-BE49-F238E27FC236}">
+                    <a16:creationId xmlns:a16="http://schemas.microsoft.com/office/drawing/2014/main" id="{9928E2DD-733C-5AC9-597A-3D3C10A987D3}"/>
+                  </a:ext>
+                </a:extLst>
+              </p:cNvPr>
+              <p:cNvPicPr/>
+              <p:nvPr/>
+            </p:nvPicPr>
+            <p:blipFill>
+              <a:blip r:embed="rId7"/>
+              <a:stretch>
+                <a:fillRect/>
+              </a:stretch>
+            </p:blipFill>
+            <p:spPr>
+              <a:xfrm>
+                <a:off x="228240" y="1428480"/>
+                <a:ext cx="6897240" cy="4515840"/>
+              </a:xfrm>
+              <a:prstGeom prst="rect">
+                <a:avLst/>
+              </a:prstGeom>
+            </p:spPr>
+          </p:pic>
+        </mc:Fallback>
+      </mc:AlternateContent>
     </p:spTree>
     <p:extLst>
       <p:ext uri="{BB962C8B-B14F-4D97-AF65-F5344CB8AC3E}">
@@ -16859,8 +17057,8 @@
           </a:prstGeom>
         </p:spPr>
       </p:pic>
-      <mc:AlternateContent xmlns:mc="http://schemas.openxmlformats.org/markup-compatibility/2006">
-        <mc:Choice xmlns:a14="http://schemas.microsoft.com/office/drawing/2010/main" Requires="a14">
+      <mc:AlternateContent xmlns:mc="http://schemas.openxmlformats.org/markup-compatibility/2006" xmlns:a14="http://schemas.microsoft.com/office/drawing/2010/main">
+        <mc:Choice Requires="a14">
           <p:sp>
             <p:nvSpPr>
               <p:cNvPr id="25" name="TextBox 24">
@@ -16889,6 +17087,7 @@
               </a:bodyPr>
               <a:lstStyle/>
               <a:p>
+                <a:pPr/>
                 <a14:m>
                   <m:oMathPara xmlns:m="http://schemas.openxmlformats.org/officeDocument/2006/math">
                     <m:oMathParaPr>
@@ -17120,7 +17319,7 @@
             </p:txBody>
           </p:sp>
         </mc:Choice>
-        <mc:Fallback>
+        <mc:Fallback xmlns="">
           <p:sp>
             <p:nvSpPr>
               <p:cNvPr id="25" name="TextBox 24">
@@ -17165,8 +17364,8 @@
           </p:sp>
         </mc:Fallback>
       </mc:AlternateContent>
-      <mc:AlternateContent xmlns:mc="http://schemas.openxmlformats.org/markup-compatibility/2006">
-        <mc:Choice xmlns:a14="http://schemas.microsoft.com/office/drawing/2010/main" Requires="a14">
+      <mc:AlternateContent xmlns:mc="http://schemas.openxmlformats.org/markup-compatibility/2006" xmlns:a14="http://schemas.microsoft.com/office/drawing/2010/main">
+        <mc:Choice Requires="a14">
           <p:sp>
             <p:nvSpPr>
               <p:cNvPr id="26" name="TextBox 25">
@@ -17451,7 +17650,7 @@
             </p:txBody>
           </p:sp>
         </mc:Choice>
-        <mc:Fallback>
+        <mc:Fallback xmlns="">
           <p:sp>
             <p:nvSpPr>
               <p:cNvPr id="26" name="TextBox 25">
@@ -18437,6 +18636,57 @@
           </a:p>
         </p:txBody>
       </p:sp>
+      <mc:AlternateContent xmlns:mc="http://schemas.openxmlformats.org/markup-compatibility/2006">
+        <mc:Choice xmlns:p14="http://schemas.microsoft.com/office/powerpoint/2010/main" Requires="p14">
+          <p:contentPart p14:bwMode="auto" r:id="rId5">
+            <p14:nvContentPartPr>
+              <p14:cNvPr id="6" name="Ink 5">
+                <a:extLst>
+                  <a:ext uri="{FF2B5EF4-FFF2-40B4-BE49-F238E27FC236}">
+                    <a16:creationId xmlns:a16="http://schemas.microsoft.com/office/drawing/2014/main" id="{44440206-A024-E94C-AFD9-8842F67C50D1}"/>
+                  </a:ext>
+                </a:extLst>
+              </p14:cNvPr>
+              <p14:cNvContentPartPr/>
+              <p14:nvPr/>
+            </p14:nvContentPartPr>
+            <p14:xfrm>
+              <a:off x="4172040" y="2229120"/>
+              <a:ext cx="3429360" cy="2629080"/>
+            </p14:xfrm>
+          </p:contentPart>
+        </mc:Choice>
+        <mc:Fallback>
+          <p:pic>
+            <p:nvPicPr>
+              <p:cNvPr id="6" name="Ink 5">
+                <a:extLst>
+                  <a:ext uri="{FF2B5EF4-FFF2-40B4-BE49-F238E27FC236}">
+                    <a16:creationId xmlns:a16="http://schemas.microsoft.com/office/drawing/2014/main" id="{44440206-A024-E94C-AFD9-8842F67C50D1}"/>
+                  </a:ext>
+                </a:extLst>
+              </p:cNvPr>
+              <p:cNvPicPr/>
+              <p:nvPr/>
+            </p:nvPicPr>
+            <p:blipFill>
+              <a:blip r:embed="rId6"/>
+              <a:stretch>
+                <a:fillRect/>
+              </a:stretch>
+            </p:blipFill>
+            <p:spPr>
+              <a:xfrm>
+                <a:off x="4162680" y="2219760"/>
+                <a:ext cx="3448080" cy="2647800"/>
+              </a:xfrm>
+              <a:prstGeom prst="rect">
+                <a:avLst/>
+              </a:prstGeom>
+            </p:spPr>
+          </p:pic>
+        </mc:Fallback>
+      </mc:AlternateContent>
     </p:spTree>
     <p:extLst>
       <p:ext uri="{BB962C8B-B14F-4D97-AF65-F5344CB8AC3E}">
@@ -19442,6 +19692,57 @@
           </a:fontRef>
         </p:style>
       </p:cxnSp>
+      <mc:AlternateContent xmlns:mc="http://schemas.openxmlformats.org/markup-compatibility/2006">
+        <mc:Choice xmlns:p14="http://schemas.microsoft.com/office/powerpoint/2010/main" Requires="p14">
+          <p:contentPart p14:bwMode="auto" r:id="rId6">
+            <p14:nvContentPartPr>
+              <p14:cNvPr id="3" name="Ink 2">
+                <a:extLst>
+                  <a:ext uri="{FF2B5EF4-FFF2-40B4-BE49-F238E27FC236}">
+                    <a16:creationId xmlns:a16="http://schemas.microsoft.com/office/drawing/2014/main" id="{3899B41A-A5B8-807E-116A-E2518CB81DB3}"/>
+                  </a:ext>
+                </a:extLst>
+              </p14:cNvPr>
+              <p14:cNvContentPartPr/>
+              <p14:nvPr/>
+            </p14:nvContentPartPr>
+            <p14:xfrm>
+              <a:off x="1057320" y="4419720"/>
+              <a:ext cx="2457720" cy="66960"/>
+            </p14:xfrm>
+          </p:contentPart>
+        </mc:Choice>
+        <mc:Fallback>
+          <p:pic>
+            <p:nvPicPr>
+              <p:cNvPr id="3" name="Ink 2">
+                <a:extLst>
+                  <a:ext uri="{FF2B5EF4-FFF2-40B4-BE49-F238E27FC236}">
+                    <a16:creationId xmlns:a16="http://schemas.microsoft.com/office/drawing/2014/main" id="{3899B41A-A5B8-807E-116A-E2518CB81DB3}"/>
+                  </a:ext>
+                </a:extLst>
+              </p:cNvPr>
+              <p:cNvPicPr/>
+              <p:nvPr/>
+            </p:nvPicPr>
+            <p:blipFill>
+              <a:blip r:embed="rId7"/>
+              <a:stretch>
+                <a:fillRect/>
+              </a:stretch>
+            </p:blipFill>
+            <p:spPr>
+              <a:xfrm>
+                <a:off x="1047960" y="4410360"/>
+                <a:ext cx="2476440" cy="85680"/>
+              </a:xfrm>
+              <a:prstGeom prst="rect">
+                <a:avLst/>
+              </a:prstGeom>
+            </p:spPr>
+          </p:pic>
+        </mc:Fallback>
+      </mc:AlternateContent>
     </p:spTree>
     <p:extLst>
       <p:ext uri="{BB962C8B-B14F-4D97-AF65-F5344CB8AC3E}">
